--- a/Presentacion Banregio.pptx
+++ b/Presentacion Banregio.pptx
@@ -1,74 +1,46 @@
 
 <file path=ppt/presentation.xml><?xml version="1.0" encoding="utf-8"?>
-<p:presentation xmlns:a="http://schemas.openxmlformats.org/drawingml/2006/main" xmlns:r="http://schemas.openxmlformats.org/officeDocument/2006/relationships" xmlns:p="http://schemas.openxmlformats.org/presentationml/2006/main" saveSubsetFonts="1" embedTrueTypeFonts="true">
+<p:presentation xmlns:a="http://schemas.openxmlformats.org/drawingml/2006/main" xmlns:r="http://schemas.openxmlformats.org/officeDocument/2006/relationships" xmlns:p="http://schemas.openxmlformats.org/presentationml/2006/main" embedTrueTypeFonts="1" saveSubsetFonts="1">
   <p:sldMasterIdLst>
     <p:sldMasterId id="2147483648" r:id="rId1"/>
   </p:sldMasterIdLst>
   <p:sldIdLst>
-    <p:sldId id="256" r:id="rId18"/>
-    <p:sldId id="257" r:id="rId19"/>
-    <p:sldId id="258" r:id="rId20"/>
-    <p:sldId id="259" r:id="rId21"/>
-    <p:sldId id="260" r:id="rId22"/>
-    <p:sldId id="261" r:id="rId23"/>
-    <p:sldId id="262" r:id="rId24"/>
-    <p:sldId id="263" r:id="rId25"/>
-    <p:sldId id="264" r:id="rId26"/>
-    <p:sldId id="265" r:id="rId27"/>
-    <p:sldId id="266" r:id="rId28"/>
-    <p:sldId id="267" r:id="rId29"/>
-    <p:sldId id="268" r:id="rId30"/>
+    <p:sldId id="256" r:id="rId2"/>
+    <p:sldId id="257" r:id="rId3"/>
+    <p:sldId id="258" r:id="rId4"/>
+    <p:sldId id="259" r:id="rId5"/>
+    <p:sldId id="260" r:id="rId6"/>
+    <p:sldId id="261" r:id="rId7"/>
+    <p:sldId id="262" r:id="rId8"/>
+    <p:sldId id="263" r:id="rId9"/>
+    <p:sldId id="264" r:id="rId10"/>
+    <p:sldId id="265" r:id="rId11"/>
+    <p:sldId id="266" r:id="rId12"/>
+    <p:sldId id="267" r:id="rId13"/>
+    <p:sldId id="268" r:id="rId14"/>
   </p:sldIdLst>
   <p:sldSz cx="18288000" cy="10287000"/>
   <p:notesSz cx="6858000" cy="9144000"/>
   <p:embeddedFontLst>
     <p:embeddedFont>
-      <p:font typeface="Arimo" charset="1" panose="020B0604020202020204"/>
-      <p:regular r:id="rId6"/>
+      <p:font typeface="Calibri" panose="020F0502020204030204" pitchFamily="34" charset="0"/>
+      <p:regular r:id="rId15"/>
+      <p:bold r:id="rId16"/>
+      <p:italic r:id="rId17"/>
+      <p:boldItalic r:id="rId18"/>
     </p:embeddedFont>
     <p:embeddedFont>
-      <p:font typeface="Arimo Bold" charset="1" panose="020B0704020202020204"/>
-      <p:regular r:id="rId7"/>
+      <p:font typeface="Open Sans" panose="020B0606030504020204" pitchFamily="34" charset="0"/>
+      <p:regular r:id="rId19"/>
     </p:embeddedFont>
     <p:embeddedFont>
-      <p:font typeface="Arimo Italics" charset="1" panose="020B0604020202090204"/>
-      <p:regular r:id="rId8"/>
+      <p:font typeface="Open Sans Bold" panose="020B0806030504020204" charset="0"/>
+      <p:regular r:id="rId20"/>
     </p:embeddedFont>
     <p:embeddedFont>
-      <p:font typeface="Arimo Bold Italics" charset="1" panose="020B0704020202090204"/>
-      <p:regular r:id="rId9"/>
-    </p:embeddedFont>
-    <p:embeddedFont>
-      <p:font typeface="Open Sans" charset="1" panose="020B0606030504020204"/>
-      <p:regular r:id="rId10"/>
-    </p:embeddedFont>
-    <p:embeddedFont>
-      <p:font typeface="Open Sans Bold" charset="1" panose="020B0806030504020204"/>
-      <p:regular r:id="rId11"/>
-    </p:embeddedFont>
-    <p:embeddedFont>
-      <p:font typeface="Open Sans Italics" charset="1" panose="020B0606030504020204"/>
-      <p:regular r:id="rId12"/>
-    </p:embeddedFont>
-    <p:embeddedFont>
-      <p:font typeface="Open Sans Bold Italics" charset="1" panose="020B0806030504020204"/>
-      <p:regular r:id="rId13"/>
-    </p:embeddedFont>
-    <p:embeddedFont>
-      <p:font typeface="Open Sans Light" charset="1" panose="020B0306030504020204"/>
-      <p:regular r:id="rId14"/>
-    </p:embeddedFont>
-    <p:embeddedFont>
-      <p:font typeface="Open Sans Light Italics" charset="1" panose="020B0306030504020204"/>
-      <p:regular r:id="rId15"/>
-    </p:embeddedFont>
-    <p:embeddedFont>
-      <p:font typeface="Open Sans Ultra-Bold" charset="1" panose="00000000000000000000"/>
-      <p:regular r:id="rId16"/>
-    </p:embeddedFont>
-    <p:embeddedFont>
-      <p:font typeface="Open Sans Ultra-Bold Italics" charset="1" panose="00000000000000000000"/>
-      <p:regular r:id="rId17"/>
+      <p:font typeface="Open Sans Light" panose="020B0306030504020204" pitchFamily="34" charset="0"/>
+      <p:regular r:id="rId21"/>
+      <p:italic r:id="rId22"/>
     </p:embeddedFont>
   </p:embeddedFontLst>
   <p:defaultTextStyle>
@@ -166,6 +138,22 @@
       </a:defRPr>
     </a:lvl9pPr>
   </p:defaultTextStyle>
+  <p:extLst>
+    <p:ext uri="{EFAFB233-063F-42B5-8137-9DF3F51BA10A}">
+      <p15:sldGuideLst xmlns:p15="http://schemas.microsoft.com/office/powerpoint/2012/main">
+        <p15:guide id="1" orient="horz" pos="2160">
+          <p15:clr>
+            <a:srgbClr val="A4A3A4"/>
+          </p15:clr>
+        </p15:guide>
+        <p15:guide id="2" pos="2880">
+          <p15:clr>
+            <a:srgbClr val="A4A3A4"/>
+          </p15:clr>
+        </p15:guide>
+      </p15:sldGuideLst>
+    </p:ext>
+  </p:extLst>
 </p:presentation>
 </file>
 
@@ -207,10 +195,9 @@
           <a:lstStyle/>
           <a:p>
             <a:r>
-              <a:rPr lang="en-US" smtClean="0"/>
+              <a:rPr lang="en-US"/>
               <a:t>Click to edit Master title style</a:t>
             </a:r>
-            <a:endParaRPr lang="en-US"/>
           </a:p>
         </p:txBody>
       </p:sp>
@@ -326,10 +313,9 @@
           </a:lstStyle>
           <a:p>
             <a:r>
-              <a:rPr lang="en-US" smtClean="0"/>
+              <a:rPr lang="en-US"/>
               <a:t>Click to edit Master subtitle style</a:t>
             </a:r>
-            <a:endParaRPr lang="en-US"/>
           </a:p>
         </p:txBody>
       </p:sp>
@@ -351,7 +337,7 @@
             <a:fld id="{1D8BD707-D9CF-40AE-B4C6-C98DA3205C09}" type="datetimeFigureOut">
               <a:rPr lang="en-US" smtClean="0"/>
               <a:pPr/>
-              <a:t>8/1/2011</a:t>
+              <a:t>10/1/2023</a:t>
             </a:fld>
             <a:endParaRPr lang="en-US"/>
           </a:p>
@@ -394,7 +380,7 @@
             <a:fld id="{B6F15528-21DE-4FAA-801E-634DDDAF4B2B}" type="slidenum">
               <a:rPr lang="en-US" smtClean="0"/>
               <a:pPr/>
-              <a:t>‹#›</a:t>
+              <a:t>‹Nº›</a:t>
             </a:fld>
             <a:endParaRPr lang="en-US"/>
           </a:p>
@@ -441,10 +427,9 @@
           <a:lstStyle/>
           <a:p>
             <a:r>
-              <a:rPr lang="en-US" smtClean="0"/>
+              <a:rPr lang="en-US"/>
               <a:t>Click to edit Master title style</a:t>
             </a:r>
-            <a:endParaRPr lang="en-US"/>
           </a:p>
         </p:txBody>
       </p:sp>
@@ -465,38 +450,37 @@
           <a:p>
             <a:pPr lvl="0"/>
             <a:r>
-              <a:rPr lang="en-US" smtClean="0"/>
+              <a:rPr lang="en-US"/>
               <a:t>Click to edit Master text styles</a:t>
             </a:r>
           </a:p>
           <a:p>
             <a:pPr lvl="1"/>
             <a:r>
-              <a:rPr lang="en-US" smtClean="0"/>
+              <a:rPr lang="en-US"/>
               <a:t>Second level</a:t>
             </a:r>
           </a:p>
           <a:p>
             <a:pPr lvl="2"/>
             <a:r>
-              <a:rPr lang="en-US" smtClean="0"/>
+              <a:rPr lang="en-US"/>
               <a:t>Third level</a:t>
             </a:r>
           </a:p>
           <a:p>
             <a:pPr lvl="3"/>
             <a:r>
-              <a:rPr lang="en-US" smtClean="0"/>
+              <a:rPr lang="en-US"/>
               <a:t>Fourth level</a:t>
             </a:r>
           </a:p>
           <a:p>
             <a:pPr lvl="4"/>
             <a:r>
-              <a:rPr lang="en-US" smtClean="0"/>
+              <a:rPr lang="en-US"/>
               <a:t>Fifth level</a:t>
             </a:r>
-            <a:endParaRPr lang="en-US"/>
           </a:p>
         </p:txBody>
       </p:sp>
@@ -518,7 +502,7 @@
             <a:fld id="{1D8BD707-D9CF-40AE-B4C6-C98DA3205C09}" type="datetimeFigureOut">
               <a:rPr lang="en-US" smtClean="0"/>
               <a:pPr/>
-              <a:t>8/1/2011</a:t>
+              <a:t>10/1/2023</a:t>
             </a:fld>
             <a:endParaRPr lang="en-US"/>
           </a:p>
@@ -561,7 +545,7 @@
             <a:fld id="{B6F15528-21DE-4FAA-801E-634DDDAF4B2B}" type="slidenum">
               <a:rPr lang="en-US" smtClean="0"/>
               <a:pPr/>
-              <a:t>‹#›</a:t>
+              <a:t>‹Nº›</a:t>
             </a:fld>
             <a:endParaRPr lang="en-US"/>
           </a:p>
@@ -613,10 +597,9 @@
           <a:lstStyle/>
           <a:p>
             <a:r>
-              <a:rPr lang="en-US" smtClean="0"/>
+              <a:rPr lang="en-US"/>
               <a:t>Click to edit Master title style</a:t>
             </a:r>
-            <a:endParaRPr lang="en-US"/>
           </a:p>
         </p:txBody>
       </p:sp>
@@ -642,38 +625,37 @@
           <a:p>
             <a:pPr lvl="0"/>
             <a:r>
-              <a:rPr lang="en-US" smtClean="0"/>
+              <a:rPr lang="en-US"/>
               <a:t>Click to edit Master text styles</a:t>
             </a:r>
           </a:p>
           <a:p>
             <a:pPr lvl="1"/>
             <a:r>
-              <a:rPr lang="en-US" smtClean="0"/>
+              <a:rPr lang="en-US"/>
               <a:t>Second level</a:t>
             </a:r>
           </a:p>
           <a:p>
             <a:pPr lvl="2"/>
             <a:r>
-              <a:rPr lang="en-US" smtClean="0"/>
+              <a:rPr lang="en-US"/>
               <a:t>Third level</a:t>
             </a:r>
           </a:p>
           <a:p>
             <a:pPr lvl="3"/>
             <a:r>
-              <a:rPr lang="en-US" smtClean="0"/>
+              <a:rPr lang="en-US"/>
               <a:t>Fourth level</a:t>
             </a:r>
           </a:p>
           <a:p>
             <a:pPr lvl="4"/>
             <a:r>
-              <a:rPr lang="en-US" smtClean="0"/>
+              <a:rPr lang="en-US"/>
               <a:t>Fifth level</a:t>
             </a:r>
-            <a:endParaRPr lang="en-US"/>
           </a:p>
         </p:txBody>
       </p:sp>
@@ -695,7 +677,7 @@
             <a:fld id="{1D8BD707-D9CF-40AE-B4C6-C98DA3205C09}" type="datetimeFigureOut">
               <a:rPr lang="en-US" smtClean="0"/>
               <a:pPr/>
-              <a:t>8/1/2011</a:t>
+              <a:t>10/1/2023</a:t>
             </a:fld>
             <a:endParaRPr lang="en-US"/>
           </a:p>
@@ -738,7 +720,7 @@
             <a:fld id="{B6F15528-21DE-4FAA-801E-634DDDAF4B2B}" type="slidenum">
               <a:rPr lang="en-US" smtClean="0"/>
               <a:pPr/>
-              <a:t>‹#›</a:t>
+              <a:t>‹Nº›</a:t>
             </a:fld>
             <a:endParaRPr lang="en-US"/>
           </a:p>
@@ -785,10 +767,9 @@
           <a:lstStyle/>
           <a:p>
             <a:r>
-              <a:rPr lang="en-US" smtClean="0"/>
+              <a:rPr lang="en-US"/>
               <a:t>Click to edit Master title style</a:t>
             </a:r>
-            <a:endParaRPr lang="en-US"/>
           </a:p>
         </p:txBody>
       </p:sp>
@@ -809,38 +790,37 @@
           <a:p>
             <a:pPr lvl="0"/>
             <a:r>
-              <a:rPr lang="en-US" smtClean="0"/>
+              <a:rPr lang="en-US"/>
               <a:t>Click to edit Master text styles</a:t>
             </a:r>
           </a:p>
           <a:p>
             <a:pPr lvl="1"/>
             <a:r>
-              <a:rPr lang="en-US" smtClean="0"/>
+              <a:rPr lang="en-US"/>
               <a:t>Second level</a:t>
             </a:r>
           </a:p>
           <a:p>
             <a:pPr lvl="2"/>
             <a:r>
-              <a:rPr lang="en-US" smtClean="0"/>
+              <a:rPr lang="en-US"/>
               <a:t>Third level</a:t>
             </a:r>
           </a:p>
           <a:p>
             <a:pPr lvl="3"/>
             <a:r>
-              <a:rPr lang="en-US" smtClean="0"/>
+              <a:rPr lang="en-US"/>
               <a:t>Fourth level</a:t>
             </a:r>
           </a:p>
           <a:p>
             <a:pPr lvl="4"/>
             <a:r>
-              <a:rPr lang="en-US" smtClean="0"/>
+              <a:rPr lang="en-US"/>
               <a:t>Fifth level</a:t>
             </a:r>
-            <a:endParaRPr lang="en-US"/>
           </a:p>
         </p:txBody>
       </p:sp>
@@ -862,7 +842,7 @@
             <a:fld id="{1D8BD707-D9CF-40AE-B4C6-C98DA3205C09}" type="datetimeFigureOut">
               <a:rPr lang="en-US" smtClean="0"/>
               <a:pPr/>
-              <a:t>8/1/2011</a:t>
+              <a:t>10/1/2023</a:t>
             </a:fld>
             <a:endParaRPr lang="en-US"/>
           </a:p>
@@ -905,7 +885,7 @@
             <a:fld id="{B6F15528-21DE-4FAA-801E-634DDDAF4B2B}" type="slidenum">
               <a:rPr lang="en-US" smtClean="0"/>
               <a:pPr/>
-              <a:t>‹#›</a:t>
+              <a:t>‹Nº›</a:t>
             </a:fld>
             <a:endParaRPr lang="en-US"/>
           </a:p>
@@ -961,10 +941,9 @@
           </a:lstStyle>
           <a:p>
             <a:r>
-              <a:rPr lang="en-US" smtClean="0"/>
+              <a:rPr lang="en-US"/>
               <a:t>Click to edit Master title style</a:t>
             </a:r>
-            <a:endParaRPr lang="en-US"/>
           </a:p>
         </p:txBody>
       </p:sp>
@@ -1081,7 +1060,7 @@
           <a:p>
             <a:pPr lvl="0"/>
             <a:r>
-              <a:rPr lang="en-US" smtClean="0"/>
+              <a:rPr lang="en-US"/>
               <a:t>Click to edit Master text styles</a:t>
             </a:r>
           </a:p>
@@ -1105,7 +1084,7 @@
             <a:fld id="{1D8BD707-D9CF-40AE-B4C6-C98DA3205C09}" type="datetimeFigureOut">
               <a:rPr lang="en-US" smtClean="0"/>
               <a:pPr/>
-              <a:t>8/1/2011</a:t>
+              <a:t>10/1/2023</a:t>
             </a:fld>
             <a:endParaRPr lang="en-US"/>
           </a:p>
@@ -1148,7 +1127,7 @@
             <a:fld id="{B6F15528-21DE-4FAA-801E-634DDDAF4B2B}" type="slidenum">
               <a:rPr lang="en-US" smtClean="0"/>
               <a:pPr/>
-              <a:t>‹#›</a:t>
+              <a:t>‹Nº›</a:t>
             </a:fld>
             <a:endParaRPr lang="en-US"/>
           </a:p>
@@ -1195,10 +1174,9 @@
           <a:lstStyle/>
           <a:p>
             <a:r>
-              <a:rPr lang="en-US" smtClean="0"/>
+              <a:rPr lang="en-US"/>
               <a:t>Click to edit Master title style</a:t>
             </a:r>
-            <a:endParaRPr lang="en-US"/>
           </a:p>
         </p:txBody>
       </p:sp>
@@ -1252,38 +1230,37 @@
           <a:p>
             <a:pPr lvl="0"/>
             <a:r>
-              <a:rPr lang="en-US" smtClean="0"/>
+              <a:rPr lang="en-US"/>
               <a:t>Click to edit Master text styles</a:t>
             </a:r>
           </a:p>
           <a:p>
             <a:pPr lvl="1"/>
             <a:r>
-              <a:rPr lang="en-US" smtClean="0"/>
+              <a:rPr lang="en-US"/>
               <a:t>Second level</a:t>
             </a:r>
           </a:p>
           <a:p>
             <a:pPr lvl="2"/>
             <a:r>
-              <a:rPr lang="en-US" smtClean="0"/>
+              <a:rPr lang="en-US"/>
               <a:t>Third level</a:t>
             </a:r>
           </a:p>
           <a:p>
             <a:pPr lvl="3"/>
             <a:r>
-              <a:rPr lang="en-US" smtClean="0"/>
+              <a:rPr lang="en-US"/>
               <a:t>Fourth level</a:t>
             </a:r>
           </a:p>
           <a:p>
             <a:pPr lvl="4"/>
             <a:r>
-              <a:rPr lang="en-US" smtClean="0"/>
+              <a:rPr lang="en-US"/>
               <a:t>Fifth level</a:t>
             </a:r>
-            <a:endParaRPr lang="en-US"/>
           </a:p>
         </p:txBody>
       </p:sp>
@@ -1337,38 +1314,37 @@
           <a:p>
             <a:pPr lvl="0"/>
             <a:r>
-              <a:rPr lang="en-US" smtClean="0"/>
+              <a:rPr lang="en-US"/>
               <a:t>Click to edit Master text styles</a:t>
             </a:r>
           </a:p>
           <a:p>
             <a:pPr lvl="1"/>
             <a:r>
-              <a:rPr lang="en-US" smtClean="0"/>
+              <a:rPr lang="en-US"/>
               <a:t>Second level</a:t>
             </a:r>
           </a:p>
           <a:p>
             <a:pPr lvl="2"/>
             <a:r>
-              <a:rPr lang="en-US" smtClean="0"/>
+              <a:rPr lang="en-US"/>
               <a:t>Third level</a:t>
             </a:r>
           </a:p>
           <a:p>
             <a:pPr lvl="3"/>
             <a:r>
-              <a:rPr lang="en-US" smtClean="0"/>
+              <a:rPr lang="en-US"/>
               <a:t>Fourth level</a:t>
             </a:r>
           </a:p>
           <a:p>
             <a:pPr lvl="4"/>
             <a:r>
-              <a:rPr lang="en-US" smtClean="0"/>
+              <a:rPr lang="en-US"/>
               <a:t>Fifth level</a:t>
             </a:r>
-            <a:endParaRPr lang="en-US"/>
           </a:p>
         </p:txBody>
       </p:sp>
@@ -1390,7 +1366,7 @@
             <a:fld id="{1D8BD707-D9CF-40AE-B4C6-C98DA3205C09}" type="datetimeFigureOut">
               <a:rPr lang="en-US" smtClean="0"/>
               <a:pPr/>
-              <a:t>8/1/2011</a:t>
+              <a:t>10/1/2023</a:t>
             </a:fld>
             <a:endParaRPr lang="en-US"/>
           </a:p>
@@ -1433,7 +1409,7 @@
             <a:fld id="{B6F15528-21DE-4FAA-801E-634DDDAF4B2B}" type="slidenum">
               <a:rPr lang="en-US" smtClean="0"/>
               <a:pPr/>
-              <a:t>‹#›</a:t>
+              <a:t>‹Nº›</a:t>
             </a:fld>
             <a:endParaRPr lang="en-US"/>
           </a:p>
@@ -1484,10 +1460,9 @@
           </a:lstStyle>
           <a:p>
             <a:r>
-              <a:rPr lang="en-US" smtClean="0"/>
+              <a:rPr lang="en-US"/>
               <a:t>Click to edit Master title style</a:t>
             </a:r>
-            <a:endParaRPr lang="en-US"/>
           </a:p>
         </p:txBody>
       </p:sp>
@@ -1550,7 +1525,7 @@
           <a:p>
             <a:pPr lvl="0"/>
             <a:r>
-              <a:rPr lang="en-US" smtClean="0"/>
+              <a:rPr lang="en-US"/>
               <a:t>Click to edit Master text styles</a:t>
             </a:r>
           </a:p>
@@ -1606,38 +1581,37 @@
           <a:p>
             <a:pPr lvl="0"/>
             <a:r>
-              <a:rPr lang="en-US" smtClean="0"/>
+              <a:rPr lang="en-US"/>
               <a:t>Click to edit Master text styles</a:t>
             </a:r>
           </a:p>
           <a:p>
             <a:pPr lvl="1"/>
             <a:r>
-              <a:rPr lang="en-US" smtClean="0"/>
+              <a:rPr lang="en-US"/>
               <a:t>Second level</a:t>
             </a:r>
           </a:p>
           <a:p>
             <a:pPr lvl="2"/>
             <a:r>
-              <a:rPr lang="en-US" smtClean="0"/>
+              <a:rPr lang="en-US"/>
               <a:t>Third level</a:t>
             </a:r>
           </a:p>
           <a:p>
             <a:pPr lvl="3"/>
             <a:r>
-              <a:rPr lang="en-US" smtClean="0"/>
+              <a:rPr lang="en-US"/>
               <a:t>Fourth level</a:t>
             </a:r>
           </a:p>
           <a:p>
             <a:pPr lvl="4"/>
             <a:r>
-              <a:rPr lang="en-US" smtClean="0"/>
+              <a:rPr lang="en-US"/>
               <a:t>Fifth level</a:t>
             </a:r>
-            <a:endParaRPr lang="en-US"/>
           </a:p>
         </p:txBody>
       </p:sp>
@@ -1700,7 +1674,7 @@
           <a:p>
             <a:pPr lvl="0"/>
             <a:r>
-              <a:rPr lang="en-US" smtClean="0"/>
+              <a:rPr lang="en-US"/>
               <a:t>Click to edit Master text styles</a:t>
             </a:r>
           </a:p>
@@ -1756,38 +1730,37 @@
           <a:p>
             <a:pPr lvl="0"/>
             <a:r>
-              <a:rPr lang="en-US" smtClean="0"/>
+              <a:rPr lang="en-US"/>
               <a:t>Click to edit Master text styles</a:t>
             </a:r>
           </a:p>
           <a:p>
             <a:pPr lvl="1"/>
             <a:r>
-              <a:rPr lang="en-US" smtClean="0"/>
+              <a:rPr lang="en-US"/>
               <a:t>Second level</a:t>
             </a:r>
           </a:p>
           <a:p>
             <a:pPr lvl="2"/>
             <a:r>
-              <a:rPr lang="en-US" smtClean="0"/>
+              <a:rPr lang="en-US"/>
               <a:t>Third level</a:t>
             </a:r>
           </a:p>
           <a:p>
             <a:pPr lvl="3"/>
             <a:r>
-              <a:rPr lang="en-US" smtClean="0"/>
+              <a:rPr lang="en-US"/>
               <a:t>Fourth level</a:t>
             </a:r>
           </a:p>
           <a:p>
             <a:pPr lvl="4"/>
             <a:r>
-              <a:rPr lang="en-US" smtClean="0"/>
+              <a:rPr lang="en-US"/>
               <a:t>Fifth level</a:t>
             </a:r>
-            <a:endParaRPr lang="en-US"/>
           </a:p>
         </p:txBody>
       </p:sp>
@@ -1809,7 +1782,7 @@
             <a:fld id="{1D8BD707-D9CF-40AE-B4C6-C98DA3205C09}" type="datetimeFigureOut">
               <a:rPr lang="en-US" smtClean="0"/>
               <a:pPr/>
-              <a:t>8/1/2011</a:t>
+              <a:t>10/1/2023</a:t>
             </a:fld>
             <a:endParaRPr lang="en-US"/>
           </a:p>
@@ -1852,7 +1825,7 @@
             <a:fld id="{B6F15528-21DE-4FAA-801E-634DDDAF4B2B}" type="slidenum">
               <a:rPr lang="en-US" smtClean="0"/>
               <a:pPr/>
-              <a:t>‹#›</a:t>
+              <a:t>‹Nº›</a:t>
             </a:fld>
             <a:endParaRPr lang="en-US"/>
           </a:p>
@@ -1899,10 +1872,9 @@
           <a:lstStyle/>
           <a:p>
             <a:r>
-              <a:rPr lang="en-US" smtClean="0"/>
+              <a:rPr lang="en-US"/>
               <a:t>Click to edit Master title style</a:t>
             </a:r>
-            <a:endParaRPr lang="en-US"/>
           </a:p>
         </p:txBody>
       </p:sp>
@@ -1924,7 +1896,7 @@
             <a:fld id="{1D8BD707-D9CF-40AE-B4C6-C98DA3205C09}" type="datetimeFigureOut">
               <a:rPr lang="en-US" smtClean="0"/>
               <a:pPr/>
-              <a:t>8/1/2011</a:t>
+              <a:t>10/1/2023</a:t>
             </a:fld>
             <a:endParaRPr lang="en-US"/>
           </a:p>
@@ -1967,7 +1939,7 @@
             <a:fld id="{B6F15528-21DE-4FAA-801E-634DDDAF4B2B}" type="slidenum">
               <a:rPr lang="en-US" smtClean="0"/>
               <a:pPr/>
-              <a:t>‹#›</a:t>
+              <a:t>‹Nº›</a:t>
             </a:fld>
             <a:endParaRPr lang="en-US"/>
           </a:p>
@@ -2016,7 +1988,7 @@
             <a:fld id="{1D8BD707-D9CF-40AE-B4C6-C98DA3205C09}" type="datetimeFigureOut">
               <a:rPr lang="en-US" smtClean="0"/>
               <a:pPr/>
-              <a:t>8/1/2011</a:t>
+              <a:t>10/1/2023</a:t>
             </a:fld>
             <a:endParaRPr lang="en-US"/>
           </a:p>
@@ -2059,7 +2031,7 @@
             <a:fld id="{B6F15528-21DE-4FAA-801E-634DDDAF4B2B}" type="slidenum">
               <a:rPr lang="en-US" smtClean="0"/>
               <a:pPr/>
-              <a:t>‹#›</a:t>
+              <a:t>‹Nº›</a:t>
             </a:fld>
             <a:endParaRPr lang="en-US"/>
           </a:p>
@@ -2115,10 +2087,9 @@
           </a:lstStyle>
           <a:p>
             <a:r>
-              <a:rPr lang="en-US" smtClean="0"/>
+              <a:rPr lang="en-US"/>
               <a:t>Click to edit Master title style</a:t>
             </a:r>
-            <a:endParaRPr lang="en-US"/>
           </a:p>
         </p:txBody>
       </p:sp>
@@ -2172,38 +2143,37 @@
           <a:p>
             <a:pPr lvl="0"/>
             <a:r>
-              <a:rPr lang="en-US" smtClean="0"/>
+              <a:rPr lang="en-US"/>
               <a:t>Click to edit Master text styles</a:t>
             </a:r>
           </a:p>
           <a:p>
             <a:pPr lvl="1"/>
             <a:r>
-              <a:rPr lang="en-US" smtClean="0"/>
+              <a:rPr lang="en-US"/>
               <a:t>Second level</a:t>
             </a:r>
           </a:p>
           <a:p>
             <a:pPr lvl="2"/>
             <a:r>
-              <a:rPr lang="en-US" smtClean="0"/>
+              <a:rPr lang="en-US"/>
               <a:t>Third level</a:t>
             </a:r>
           </a:p>
           <a:p>
             <a:pPr lvl="3"/>
             <a:r>
-              <a:rPr lang="en-US" smtClean="0"/>
+              <a:rPr lang="en-US"/>
               <a:t>Fourth level</a:t>
             </a:r>
           </a:p>
           <a:p>
             <a:pPr lvl="4"/>
             <a:r>
-              <a:rPr lang="en-US" smtClean="0"/>
+              <a:rPr lang="en-US"/>
               <a:t>Fifth level</a:t>
             </a:r>
-            <a:endParaRPr lang="en-US"/>
           </a:p>
         </p:txBody>
       </p:sp>
@@ -2266,7 +2236,7 @@
           <a:p>
             <a:pPr lvl="0"/>
             <a:r>
-              <a:rPr lang="en-US" smtClean="0"/>
+              <a:rPr lang="en-US"/>
               <a:t>Click to edit Master text styles</a:t>
             </a:r>
           </a:p>
@@ -2290,7 +2260,7 @@
             <a:fld id="{1D8BD707-D9CF-40AE-B4C6-C98DA3205C09}" type="datetimeFigureOut">
               <a:rPr lang="en-US" smtClean="0"/>
               <a:pPr/>
-              <a:t>8/1/2011</a:t>
+              <a:t>10/1/2023</a:t>
             </a:fld>
             <a:endParaRPr lang="en-US"/>
           </a:p>
@@ -2333,7 +2303,7 @@
             <a:fld id="{B6F15528-21DE-4FAA-801E-634DDDAF4B2B}" type="slidenum">
               <a:rPr lang="en-US" smtClean="0"/>
               <a:pPr/>
-              <a:t>‹#›</a:t>
+              <a:t>‹Nº›</a:t>
             </a:fld>
             <a:endParaRPr lang="en-US"/>
           </a:p>
@@ -2389,10 +2359,9 @@
           </a:lstStyle>
           <a:p>
             <a:r>
-              <a:rPr lang="en-US" smtClean="0"/>
+              <a:rPr lang="en-US"/>
               <a:t>Click to edit Master title style</a:t>
             </a:r>
-            <a:endParaRPr lang="en-US"/>
           </a:p>
         </p:txBody>
       </p:sp>
@@ -2516,7 +2485,7 @@
           <a:p>
             <a:pPr lvl="0"/>
             <a:r>
-              <a:rPr lang="en-US" smtClean="0"/>
+              <a:rPr lang="en-US"/>
               <a:t>Click to edit Master text styles</a:t>
             </a:r>
           </a:p>
@@ -2540,7 +2509,7 @@
             <a:fld id="{1D8BD707-D9CF-40AE-B4C6-C98DA3205C09}" type="datetimeFigureOut">
               <a:rPr lang="en-US" smtClean="0"/>
               <a:pPr/>
-              <a:t>8/1/2011</a:t>
+              <a:t>10/1/2023</a:t>
             </a:fld>
             <a:endParaRPr lang="en-US"/>
           </a:p>
@@ -2583,7 +2552,7 @@
             <a:fld id="{B6F15528-21DE-4FAA-801E-634DDDAF4B2B}" type="slidenum">
               <a:rPr lang="en-US" smtClean="0"/>
               <a:pPr/>
-              <a:t>‹#›</a:t>
+              <a:t>‹Nº›</a:t>
             </a:fld>
             <a:endParaRPr lang="en-US"/>
           </a:p>
@@ -2645,10 +2614,9 @@
           <a:lstStyle/>
           <a:p>
             <a:r>
-              <a:rPr lang="en-US" smtClean="0"/>
+              <a:rPr lang="en-US"/>
               <a:t>Click to edit Master title style</a:t>
             </a:r>
-            <a:endParaRPr lang="en-US"/>
           </a:p>
         </p:txBody>
       </p:sp>
@@ -2679,38 +2647,37 @@
           <a:p>
             <a:pPr lvl="0"/>
             <a:r>
-              <a:rPr lang="en-US" smtClean="0"/>
+              <a:rPr lang="en-US"/>
               <a:t>Click to edit Master text styles</a:t>
             </a:r>
           </a:p>
           <a:p>
             <a:pPr lvl="1"/>
             <a:r>
-              <a:rPr lang="en-US" smtClean="0"/>
+              <a:rPr lang="en-US"/>
               <a:t>Second level</a:t>
             </a:r>
           </a:p>
           <a:p>
             <a:pPr lvl="2"/>
             <a:r>
-              <a:rPr lang="en-US" smtClean="0"/>
+              <a:rPr lang="en-US"/>
               <a:t>Third level</a:t>
             </a:r>
           </a:p>
           <a:p>
             <a:pPr lvl="3"/>
             <a:r>
-              <a:rPr lang="en-US" smtClean="0"/>
+              <a:rPr lang="en-US"/>
               <a:t>Fourth level</a:t>
             </a:r>
           </a:p>
           <a:p>
             <a:pPr lvl="4"/>
             <a:r>
-              <a:rPr lang="en-US" smtClean="0"/>
+              <a:rPr lang="en-US"/>
               <a:t>Fifth level</a:t>
             </a:r>
-            <a:endParaRPr lang="en-US"/>
           </a:p>
         </p:txBody>
       </p:sp>
@@ -2750,7 +2717,7 @@
             <a:fld id="{1D8BD707-D9CF-40AE-B4C6-C98DA3205C09}" type="datetimeFigureOut">
               <a:rPr lang="en-US" smtClean="0"/>
               <a:pPr/>
-              <a:t>8/1/2011</a:t>
+              <a:t>10/1/2023</a:t>
             </a:fld>
             <a:endParaRPr lang="en-US"/>
           </a:p>
@@ -2829,7 +2796,7 @@
             <a:fld id="{B6F15528-21DE-4FAA-801E-634DDDAF4B2B}" type="slidenum">
               <a:rPr lang="en-US" smtClean="0"/>
               <a:pPr/>
-              <a:t>‹#›</a:t>
+              <a:t>‹Nº›</a:t>
             </a:fld>
             <a:endParaRPr lang="en-US"/>
           </a:p>
@@ -3105,7 +3072,7 @@
 </file>
 
 <file path=ppt/slides/slide1.xml><?xml version="1.0" encoding="utf-8"?>
-<p:sld xmlns:p="http://schemas.openxmlformats.org/presentationml/2006/main" xmlns:a="http://schemas.openxmlformats.org/drawingml/2006/main" xmlns:r="http://schemas.openxmlformats.org/officeDocument/2006/relationships">
+<p:sld xmlns:a="http://schemas.openxmlformats.org/drawingml/2006/main" xmlns:r="http://schemas.openxmlformats.org/officeDocument/2006/relationships" xmlns:p="http://schemas.openxmlformats.org/presentationml/2006/main">
   <p:cSld>
     <p:spTree>
       <p:nvGrpSpPr>
@@ -3123,12 +3090,12 @@
       </p:grpSpPr>
       <p:sp>
         <p:nvSpPr>
-          <p:cNvPr name="Freeform 2" id="2"/>
+          <p:cNvPr id="2" name="Freeform 2"/>
           <p:cNvSpPr/>
           <p:nvPr/>
         </p:nvSpPr>
         <p:spPr>
-          <a:xfrm flipH="true" flipV="false" rot="0">
+          <a:xfrm flipH="1">
             <a:off x="0" y="0"/>
             <a:ext cx="18288000" cy="10287000"/>
           </a:xfrm>
@@ -3137,9 +3104,9 @@
             <a:gdLst/>
             <a:ahLst/>
             <a:cxnLst/>
-            <a:rect r="r" b="b" t="t" l="l"/>
+            <a:rect l="l" t="t" r="r" b="b"/>
             <a:pathLst>
-              <a:path h="10287000" w="18288000">
+              <a:path w="18288000" h="10287000">
                 <a:moveTo>
                   <a:pt x="18288000" y="0"/>
                 </a:moveTo>
@@ -3162,19 +3129,26 @@
           <a:blipFill>
             <a:blip r:embed="rId2"/>
             <a:stretch>
-              <a:fillRect l="0" t="0" r="0" b="0"/>
+              <a:fillRect/>
             </a:stretch>
           </a:blipFill>
         </p:spPr>
-      </p:sp>
-      <p:sp>
-        <p:nvSpPr>
-          <p:cNvPr name="AutoShape 3" id="3"/>
+        <p:txBody>
+          <a:bodyPr/>
+          <a:lstStyle/>
+          <a:p>
+            <a:endParaRPr lang="es-MX"/>
+          </a:p>
+        </p:txBody>
+      </p:sp>
+      <p:sp>
+        <p:nvSpPr>
+          <p:cNvPr id="3" name="AutoShape 3"/>
           <p:cNvSpPr/>
           <p:nvPr/>
         </p:nvSpPr>
         <p:spPr>
-          <a:xfrm rot="0">
+          <a:xfrm>
             <a:off x="1714500" y="7165737"/>
             <a:ext cx="1104900" cy="57150"/>
           </a:xfrm>
@@ -3185,24 +3159,31 @@
             <a:srgbClr val="FFFFFF"/>
           </a:solidFill>
         </p:spPr>
-      </p:sp>
-      <p:sp>
-        <p:nvSpPr>
-          <p:cNvPr name="TextBox 4" id="4"/>
-          <p:cNvSpPr txBox="true"/>
+        <p:txBody>
+          <a:bodyPr/>
+          <a:lstStyle/>
+          <a:p>
+            <a:endParaRPr lang="es-MX"/>
+          </a:p>
+        </p:txBody>
+      </p:sp>
+      <p:sp>
+        <p:nvSpPr>
+          <p:cNvPr id="4" name="TextBox 4"/>
+          <p:cNvSpPr txBox="1"/>
           <p:nvPr/>
         </p:nvSpPr>
         <p:spPr>
-          <a:xfrm rot="0">
+          <a:xfrm>
             <a:off x="1714500" y="1068626"/>
-            <a:ext cx="12556037" cy="5953125"/>
+            <a:ext cx="12556037" cy="4001095"/>
           </a:xfrm>
           <a:prstGeom prst="rect">
             <a:avLst/>
           </a:prstGeom>
         </p:spPr>
         <p:txBody>
-          <a:bodyPr anchor="t" rtlCol="false" tIns="0" lIns="0" bIns="0" rIns="0">
+          <a:bodyPr wrap="square" lIns="0" tIns="0" rIns="0" bIns="0" rtlCol="0" anchor="t">
             <a:spAutoFit/>
           </a:bodyPr>
           <a:lstStyle/>
@@ -3213,25 +3194,34 @@
               </a:lnSpc>
             </a:pPr>
             <a:r>
-              <a:rPr lang="en-US" sz="13000">
+              <a:rPr lang="es-MX" sz="13000" dirty="0" err="1">
                 <a:solidFill>
                   <a:srgbClr val="FFFFFF"/>
                 </a:solidFill>
                 <a:latin typeface="Open Sans"/>
               </a:rPr>
-              <a:t>Banregio - Entrevista Tecnica</a:t>
-            </a:r>
-          </a:p>
-        </p:txBody>
-      </p:sp>
-      <p:sp>
-        <p:nvSpPr>
-          <p:cNvPr name="TextBox 5" id="5"/>
-          <p:cNvSpPr txBox="true"/>
+              <a:t>Banregio</a:t>
+            </a:r>
+            <a:r>
+              <a:rPr lang="es-MX" sz="13000" dirty="0">
+                <a:solidFill>
+                  <a:srgbClr val="FFFFFF"/>
+                </a:solidFill>
+                <a:latin typeface="Open Sans"/>
+              </a:rPr>
+              <a:t> - prueba técnica</a:t>
+            </a:r>
+          </a:p>
+        </p:txBody>
+      </p:sp>
+      <p:sp>
+        <p:nvSpPr>
+          <p:cNvPr id="5" name="TextBox 5"/>
+          <p:cNvSpPr txBox="1"/>
           <p:nvPr/>
         </p:nvSpPr>
         <p:spPr>
-          <a:xfrm rot="0">
+          <a:xfrm>
             <a:off x="1714500" y="7299087"/>
             <a:ext cx="12556037" cy="563880"/>
           </a:xfrm>
@@ -3240,7 +3230,7 @@
           </a:prstGeom>
         </p:spPr>
         <p:txBody>
-          <a:bodyPr anchor="t" rtlCol="false" tIns="0" lIns="0" bIns="0" rIns="0">
+          <a:bodyPr lIns="0" tIns="0" rIns="0" bIns="0" rtlCol="0" anchor="t">
             <a:spAutoFit/>
           </a:bodyPr>
           <a:lstStyle/>
@@ -3254,14 +3244,29 @@
               </a:spcBef>
             </a:pPr>
             <a:r>
-              <a:rPr lang="en-US" sz="3300">
+              <a:rPr lang="en-US" sz="3300" dirty="0">
                 <a:solidFill>
                   <a:srgbClr val="FFFFFF"/>
                 </a:solidFill>
                 <a:latin typeface="Open Sans Light"/>
               </a:rPr>
-              <a:t>Mario eduardo lara loredo</a:t>
-            </a:r>
+              <a:t>Mario Eduardo Lara </a:t>
+            </a:r>
+            <a:r>
+              <a:rPr lang="en-US" sz="3300" dirty="0" err="1">
+                <a:solidFill>
+                  <a:srgbClr val="FFFFFF"/>
+                </a:solidFill>
+                <a:latin typeface="Open Sans Light"/>
+              </a:rPr>
+              <a:t>Loredo</a:t>
+            </a:r>
+            <a:endParaRPr lang="en-US" sz="3300" dirty="0">
+              <a:solidFill>
+                <a:srgbClr val="FFFFFF"/>
+              </a:solidFill>
+              <a:latin typeface="Open Sans Light"/>
+            </a:endParaRPr>
           </a:p>
         </p:txBody>
       </p:sp>
@@ -3274,7 +3279,7 @@
 </file>
 
 <file path=ppt/slides/slide10.xml><?xml version="1.0" encoding="utf-8"?>
-<p:sld xmlns:p="http://schemas.openxmlformats.org/presentationml/2006/main" xmlns:a="http://schemas.openxmlformats.org/drawingml/2006/main" xmlns:r="http://schemas.openxmlformats.org/officeDocument/2006/relationships">
+<p:sld xmlns:a="http://schemas.openxmlformats.org/drawingml/2006/main" xmlns:r="http://schemas.openxmlformats.org/officeDocument/2006/relationships" xmlns:p="http://schemas.openxmlformats.org/presentationml/2006/main">
   <p:cSld>
     <p:spTree>
       <p:nvGrpSpPr>
@@ -3292,12 +3297,12 @@
       </p:grpSpPr>
       <p:sp>
         <p:nvSpPr>
-          <p:cNvPr name="AutoShape 2" id="2"/>
+          <p:cNvPr id="2" name="AutoShape 2"/>
           <p:cNvSpPr/>
           <p:nvPr/>
         </p:nvSpPr>
         <p:spPr>
-          <a:xfrm rot="0">
+          <a:xfrm>
             <a:off x="1711603" y="1912588"/>
             <a:ext cx="1104900" cy="57150"/>
           </a:xfrm>
@@ -3308,15 +3313,22 @@
             <a:srgbClr val="F4806B"/>
           </a:solidFill>
         </p:spPr>
-      </p:sp>
-      <p:sp>
-        <p:nvSpPr>
-          <p:cNvPr name="Freeform 3" id="3"/>
+        <p:txBody>
+          <a:bodyPr/>
+          <a:lstStyle/>
+          <a:p>
+            <a:endParaRPr lang="es-MX"/>
+          </a:p>
+        </p:txBody>
+      </p:sp>
+      <p:sp>
+        <p:nvSpPr>
+          <p:cNvPr id="3" name="Freeform 3"/>
           <p:cNvSpPr/>
           <p:nvPr/>
         </p:nvSpPr>
         <p:spPr>
-          <a:xfrm flipH="false" flipV="false" rot="0">
+          <a:xfrm>
             <a:off x="10131255" y="2507012"/>
             <a:ext cx="8156745" cy="6117559"/>
           </a:xfrm>
@@ -3325,9 +3337,9 @@
             <a:gdLst/>
             <a:ahLst/>
             <a:cxnLst/>
-            <a:rect r="r" b="b" t="t" l="l"/>
+            <a:rect l="l" t="t" r="r" b="b"/>
             <a:pathLst>
-              <a:path h="6117559" w="8156745">
+              <a:path w="8156745" h="6117559">
                 <a:moveTo>
                   <a:pt x="0" y="0"/>
                 </a:moveTo>
@@ -3350,19 +3362,26 @@
           <a:blipFill>
             <a:blip r:embed="rId2"/>
             <a:stretch>
-              <a:fillRect l="0" t="0" r="0" b="0"/>
+              <a:fillRect/>
             </a:stretch>
           </a:blipFill>
         </p:spPr>
-      </p:sp>
-      <p:sp>
-        <p:nvSpPr>
-          <p:cNvPr name="TextBox 4" id="4"/>
-          <p:cNvSpPr txBox="true"/>
+        <p:txBody>
+          <a:bodyPr/>
+          <a:lstStyle/>
+          <a:p>
+            <a:endParaRPr lang="es-MX"/>
+          </a:p>
+        </p:txBody>
+      </p:sp>
+      <p:sp>
+        <p:nvSpPr>
+          <p:cNvPr id="4" name="TextBox 4"/>
+          <p:cNvSpPr txBox="1"/>
           <p:nvPr/>
         </p:nvSpPr>
         <p:spPr>
-          <a:xfrm rot="0">
+          <a:xfrm>
             <a:off x="1711603" y="2507012"/>
             <a:ext cx="9492694" cy="1371600"/>
           </a:xfrm>
@@ -3371,36 +3390,36 @@
           </a:prstGeom>
         </p:spPr>
         <p:txBody>
-          <a:bodyPr anchor="t" rtlCol="false" tIns="0" lIns="0" bIns="0" rIns="0">
+          <a:bodyPr lIns="0" tIns="0" rIns="0" bIns="0" rtlCol="0" anchor="t">
             <a:spAutoFit/>
           </a:bodyPr>
           <a:lstStyle/>
           <a:p>
-            <a:pPr marL="0" indent="0" lvl="0">
+            <a:pPr marL="0" lvl="0" indent="0">
               <a:lnSpc>
                 <a:spcPts val="10800"/>
               </a:lnSpc>
             </a:pPr>
             <a:r>
-              <a:rPr lang="en-US" sz="9000">
+              <a:rPr lang="en-US" sz="9000" dirty="0">
                 <a:solidFill>
                   <a:srgbClr val="2E2E2E"/>
                 </a:solidFill>
                 <a:latin typeface="Open Sans"/>
               </a:rPr>
-              <a:t>Histograma</a:t>
-            </a:r>
-          </a:p>
-        </p:txBody>
-      </p:sp>
-      <p:sp>
-        <p:nvSpPr>
-          <p:cNvPr name="TextBox 5" id="5"/>
-          <p:cNvSpPr txBox="true"/>
+              <a:t>Boxplot</a:t>
+            </a:r>
+          </a:p>
+        </p:txBody>
+      </p:sp>
+      <p:sp>
+        <p:nvSpPr>
+          <p:cNvPr id="5" name="TextBox 5"/>
+          <p:cNvSpPr txBox="1"/>
           <p:nvPr/>
         </p:nvSpPr>
         <p:spPr>
-          <a:xfrm rot="0">
+          <a:xfrm>
             <a:off x="1490376" y="4354862"/>
             <a:ext cx="9162757" cy="5434330"/>
           </a:xfrm>
@@ -3409,7 +3428,7 @@
           </a:prstGeom>
         </p:spPr>
         <p:txBody>
-          <a:bodyPr anchor="t" rtlCol="false" tIns="0" lIns="0" bIns="0" rIns="0">
+          <a:bodyPr lIns="0" tIns="0" rIns="0" bIns="0" rtlCol="0" anchor="t">
             <a:spAutoFit/>
           </a:bodyPr>
           <a:lstStyle/>
@@ -3443,7 +3462,7 @@
 </file>
 
 <file path=ppt/slides/slide11.xml><?xml version="1.0" encoding="utf-8"?>
-<p:sld xmlns:p="http://schemas.openxmlformats.org/presentationml/2006/main" xmlns:a="http://schemas.openxmlformats.org/drawingml/2006/main" xmlns:r="http://schemas.openxmlformats.org/officeDocument/2006/relationships">
+<p:sld xmlns:a="http://schemas.openxmlformats.org/drawingml/2006/main" xmlns:r="http://schemas.openxmlformats.org/officeDocument/2006/relationships" xmlns:p="http://schemas.openxmlformats.org/presentationml/2006/main">
   <p:cSld>
     <p:spTree>
       <p:nvGrpSpPr>
@@ -3461,12 +3480,12 @@
       </p:grpSpPr>
       <p:sp>
         <p:nvSpPr>
-          <p:cNvPr name="AutoShape 2" id="2"/>
+          <p:cNvPr id="2" name="AutoShape 2"/>
           <p:cNvSpPr/>
           <p:nvPr/>
         </p:nvSpPr>
         <p:spPr>
-          <a:xfrm rot="0">
+          <a:xfrm>
             <a:off x="1711603" y="1912588"/>
             <a:ext cx="1104900" cy="57150"/>
           </a:xfrm>
@@ -3477,15 +3496,22 @@
             <a:srgbClr val="F4806B"/>
           </a:solidFill>
         </p:spPr>
-      </p:sp>
-      <p:sp>
-        <p:nvSpPr>
-          <p:cNvPr name="Freeform 3" id="3"/>
+        <p:txBody>
+          <a:bodyPr/>
+          <a:lstStyle/>
+          <a:p>
+            <a:endParaRPr lang="es-MX"/>
+          </a:p>
+        </p:txBody>
+      </p:sp>
+      <p:sp>
+        <p:nvSpPr>
+          <p:cNvPr id="3" name="Freeform 3"/>
           <p:cNvSpPr/>
           <p:nvPr/>
         </p:nvSpPr>
         <p:spPr>
-          <a:xfrm flipH="false" flipV="false" rot="0">
+          <a:xfrm>
             <a:off x="9653719" y="2507012"/>
             <a:ext cx="7605581" cy="5704186"/>
           </a:xfrm>
@@ -3494,9 +3520,9 @@
             <a:gdLst/>
             <a:ahLst/>
             <a:cxnLst/>
-            <a:rect r="r" b="b" t="t" l="l"/>
+            <a:rect l="l" t="t" r="r" b="b"/>
             <a:pathLst>
-              <a:path h="5704186" w="7605581">
+              <a:path w="7605581" h="5704186">
                 <a:moveTo>
                   <a:pt x="0" y="0"/>
                 </a:moveTo>
@@ -3519,19 +3545,26 @@
           <a:blipFill>
             <a:blip r:embed="rId2"/>
             <a:stretch>
-              <a:fillRect l="0" t="0" r="0" b="0"/>
+              <a:fillRect/>
             </a:stretch>
           </a:blipFill>
         </p:spPr>
-      </p:sp>
-      <p:sp>
-        <p:nvSpPr>
-          <p:cNvPr name="TextBox 4" id="4"/>
-          <p:cNvSpPr txBox="true"/>
+        <p:txBody>
+          <a:bodyPr/>
+          <a:lstStyle/>
+          <a:p>
+            <a:endParaRPr lang="es-MX"/>
+          </a:p>
+        </p:txBody>
+      </p:sp>
+      <p:sp>
+        <p:nvSpPr>
+          <p:cNvPr id="4" name="TextBox 4"/>
+          <p:cNvSpPr txBox="1"/>
           <p:nvPr/>
         </p:nvSpPr>
         <p:spPr>
-          <a:xfrm rot="0">
+          <a:xfrm>
             <a:off x="1711603" y="2507012"/>
             <a:ext cx="9492694" cy="1371600"/>
           </a:xfrm>
@@ -3540,36 +3573,36 @@
           </a:prstGeom>
         </p:spPr>
         <p:txBody>
-          <a:bodyPr anchor="t" rtlCol="false" tIns="0" lIns="0" bIns="0" rIns="0">
+          <a:bodyPr lIns="0" tIns="0" rIns="0" bIns="0" rtlCol="0" anchor="t">
             <a:spAutoFit/>
           </a:bodyPr>
           <a:lstStyle/>
           <a:p>
-            <a:pPr marL="0" indent="0" lvl="0">
+            <a:pPr marL="0" lvl="0" indent="0">
               <a:lnSpc>
                 <a:spcPts val="10800"/>
               </a:lnSpc>
             </a:pPr>
             <a:r>
-              <a:rPr lang="en-US" sz="9000">
+              <a:rPr lang="es-MX" sz="9000" dirty="0">
                 <a:solidFill>
                   <a:srgbClr val="2E2E2E"/>
                 </a:solidFill>
                 <a:latin typeface="Open Sans"/>
               </a:rPr>
-              <a:t>Histograma</a:t>
-            </a:r>
-          </a:p>
-        </p:txBody>
-      </p:sp>
-      <p:sp>
-        <p:nvSpPr>
-          <p:cNvPr name="TextBox 5" id="5"/>
-          <p:cNvSpPr txBox="true"/>
+              <a:t>Correlación</a:t>
+            </a:r>
+          </a:p>
+        </p:txBody>
+      </p:sp>
+      <p:sp>
+        <p:nvSpPr>
+          <p:cNvPr id="5" name="TextBox 5"/>
+          <p:cNvSpPr txBox="1"/>
           <p:nvPr/>
         </p:nvSpPr>
         <p:spPr>
-          <a:xfrm rot="0">
+          <a:xfrm>
             <a:off x="1490376" y="4354862"/>
             <a:ext cx="7062474" cy="5314950"/>
           </a:xfrm>
@@ -3578,7 +3611,7 @@
           </a:prstGeom>
         </p:spPr>
         <p:txBody>
-          <a:bodyPr anchor="t" rtlCol="false" tIns="0" lIns="0" bIns="0" rIns="0">
+          <a:bodyPr lIns="0" tIns="0" rIns="0" bIns="0" rtlCol="0" anchor="t">
             <a:spAutoFit/>
           </a:bodyPr>
           <a:lstStyle/>
@@ -3612,7 +3645,7 @@
 </file>
 
 <file path=ppt/slides/slide12.xml><?xml version="1.0" encoding="utf-8"?>
-<p:sld xmlns:p="http://schemas.openxmlformats.org/presentationml/2006/main" xmlns:a="http://schemas.openxmlformats.org/drawingml/2006/main">
+<p:sld xmlns:a="http://schemas.openxmlformats.org/drawingml/2006/main" xmlns:r="http://schemas.openxmlformats.org/officeDocument/2006/relationships" xmlns:p="http://schemas.openxmlformats.org/presentationml/2006/main">
   <p:cSld>
     <p:spTree>
       <p:nvGrpSpPr>
@@ -3630,12 +3663,12 @@
       </p:grpSpPr>
       <p:sp>
         <p:nvSpPr>
-          <p:cNvPr name="TextBox 2" id="2"/>
-          <p:cNvSpPr txBox="true"/>
+          <p:cNvPr id="2" name="TextBox 2"/>
+          <p:cNvSpPr txBox="1"/>
           <p:nvPr/>
         </p:nvSpPr>
         <p:spPr>
-          <a:xfrm rot="0">
+          <a:xfrm>
             <a:off x="1711603" y="2507012"/>
             <a:ext cx="12465586" cy="1371600"/>
           </a:xfrm>
@@ -3644,12 +3677,12 @@
           </a:prstGeom>
         </p:spPr>
         <p:txBody>
-          <a:bodyPr anchor="t" rtlCol="false" tIns="0" lIns="0" bIns="0" rIns="0">
+          <a:bodyPr lIns="0" tIns="0" rIns="0" bIns="0" rtlCol="0" anchor="t">
             <a:spAutoFit/>
           </a:bodyPr>
           <a:lstStyle/>
           <a:p>
-            <a:pPr marL="0" indent="0" lvl="0">
+            <a:pPr marL="0" lvl="0" indent="0">
               <a:lnSpc>
                 <a:spcPts val="10800"/>
               </a:lnSpc>
@@ -3668,12 +3701,12 @@
       </p:sp>
       <p:sp>
         <p:nvSpPr>
-          <p:cNvPr name="TextBox 3" id="3"/>
-          <p:cNvSpPr txBox="true"/>
+          <p:cNvPr id="3" name="TextBox 3"/>
+          <p:cNvSpPr txBox="1"/>
           <p:nvPr/>
         </p:nvSpPr>
         <p:spPr>
-          <a:xfrm rot="0">
+          <a:xfrm>
             <a:off x="1490376" y="4354862"/>
             <a:ext cx="15768924" cy="2114550"/>
           </a:xfrm>
@@ -3682,7 +3715,7 @@
           </a:prstGeom>
         </p:spPr>
         <p:txBody>
-          <a:bodyPr anchor="t" rtlCol="false" tIns="0" lIns="0" bIns="0" rIns="0">
+          <a:bodyPr lIns="0" tIns="0" rIns="0" bIns="0" rtlCol="0" anchor="t">
             <a:spAutoFit/>
           </a:bodyPr>
           <a:lstStyle/>
@@ -3706,12 +3739,12 @@
       </p:sp>
       <p:sp>
         <p:nvSpPr>
-          <p:cNvPr name="AutoShape 4" id="4"/>
+          <p:cNvPr id="4" name="AutoShape 4"/>
           <p:cNvSpPr/>
           <p:nvPr/>
         </p:nvSpPr>
         <p:spPr>
-          <a:xfrm rot="0">
+          <a:xfrm>
             <a:off x="1711603" y="1912588"/>
             <a:ext cx="1104900" cy="57150"/>
           </a:xfrm>
@@ -3722,6 +3755,13 @@
             <a:srgbClr val="F4806B"/>
           </a:solidFill>
         </p:spPr>
+        <p:txBody>
+          <a:bodyPr/>
+          <a:lstStyle/>
+          <a:p>
+            <a:endParaRPr lang="es-MX"/>
+          </a:p>
+        </p:txBody>
       </p:sp>
     </p:spTree>
   </p:cSld>
@@ -3732,7 +3772,7 @@
 </file>
 
 <file path=ppt/slides/slide13.xml><?xml version="1.0" encoding="utf-8"?>
-<p:sld xmlns:p="http://schemas.openxmlformats.org/presentationml/2006/main" xmlns:a="http://schemas.openxmlformats.org/drawingml/2006/main" xmlns:r="http://schemas.openxmlformats.org/officeDocument/2006/relationships">
+<p:sld xmlns:a="http://schemas.openxmlformats.org/drawingml/2006/main" xmlns:r="http://schemas.openxmlformats.org/officeDocument/2006/relationships" xmlns:p="http://schemas.openxmlformats.org/presentationml/2006/main">
   <p:cSld>
     <p:spTree>
       <p:nvGrpSpPr>
@@ -3750,12 +3790,12 @@
       </p:grpSpPr>
       <p:sp>
         <p:nvSpPr>
-          <p:cNvPr name="Freeform 2" id="2"/>
+          <p:cNvPr id="2" name="Freeform 2"/>
           <p:cNvSpPr/>
           <p:nvPr/>
         </p:nvSpPr>
         <p:spPr>
-          <a:xfrm flipH="true" flipV="false" rot="0">
+          <a:xfrm flipH="1">
             <a:off x="0" y="0"/>
             <a:ext cx="18288000" cy="10287000"/>
           </a:xfrm>
@@ -3764,9 +3804,9 @@
             <a:gdLst/>
             <a:ahLst/>
             <a:cxnLst/>
-            <a:rect r="r" b="b" t="t" l="l"/>
+            <a:rect l="l" t="t" r="r" b="b"/>
             <a:pathLst>
-              <a:path h="10287000" w="18288000">
+              <a:path w="18288000" h="10287000">
                 <a:moveTo>
                   <a:pt x="18288000" y="0"/>
                 </a:moveTo>
@@ -3789,19 +3829,26 @@
           <a:blipFill>
             <a:blip r:embed="rId2"/>
             <a:stretch>
-              <a:fillRect l="0" t="0" r="0" b="0"/>
+              <a:fillRect/>
             </a:stretch>
           </a:blipFill>
         </p:spPr>
-      </p:sp>
-      <p:sp>
-        <p:nvSpPr>
-          <p:cNvPr name="AutoShape 3" id="3"/>
+        <p:txBody>
+          <a:bodyPr/>
+          <a:lstStyle/>
+          <a:p>
+            <a:endParaRPr lang="es-MX"/>
+          </a:p>
+        </p:txBody>
+      </p:sp>
+      <p:sp>
+        <p:nvSpPr>
+          <p:cNvPr id="3" name="AutoShape 3"/>
           <p:cNvSpPr/>
           <p:nvPr/>
         </p:nvSpPr>
         <p:spPr>
-          <a:xfrm rot="0">
+          <a:xfrm>
             <a:off x="1714500" y="7165737"/>
             <a:ext cx="1104900" cy="57150"/>
           </a:xfrm>
@@ -3812,15 +3859,22 @@
             <a:srgbClr val="FFFFFF"/>
           </a:solidFill>
         </p:spPr>
-      </p:sp>
-      <p:sp>
-        <p:nvSpPr>
-          <p:cNvPr name="TextBox 4" id="4"/>
-          <p:cNvSpPr txBox="true"/>
+        <p:txBody>
+          <a:bodyPr/>
+          <a:lstStyle/>
+          <a:p>
+            <a:endParaRPr lang="es-MX"/>
+          </a:p>
+        </p:txBody>
+      </p:sp>
+      <p:sp>
+        <p:nvSpPr>
+          <p:cNvPr id="4" name="TextBox 4"/>
+          <p:cNvSpPr txBox="1"/>
           <p:nvPr/>
         </p:nvSpPr>
         <p:spPr>
-          <a:xfrm rot="0">
+          <a:xfrm>
             <a:off x="1714500" y="2578302"/>
             <a:ext cx="12556037" cy="3971925"/>
           </a:xfrm>
@@ -3829,7 +3883,7 @@
           </a:prstGeom>
         </p:spPr>
         <p:txBody>
-          <a:bodyPr anchor="t" rtlCol="false" tIns="0" lIns="0" bIns="0" rIns="0">
+          <a:bodyPr lIns="0" tIns="0" rIns="0" bIns="0" rtlCol="0" anchor="t">
             <a:spAutoFit/>
           </a:bodyPr>
           <a:lstStyle/>
@@ -3860,7 +3914,7 @@
 </file>
 
 <file path=ppt/slides/slide2.xml><?xml version="1.0" encoding="utf-8"?>
-<p:sld xmlns:p="http://schemas.openxmlformats.org/presentationml/2006/main" xmlns:a="http://schemas.openxmlformats.org/drawingml/2006/main">
+<p:sld xmlns:a="http://schemas.openxmlformats.org/drawingml/2006/main" xmlns:r="http://schemas.openxmlformats.org/officeDocument/2006/relationships" xmlns:p="http://schemas.openxmlformats.org/presentationml/2006/main">
   <p:cSld>
     <p:spTree>
       <p:nvGrpSpPr>
@@ -3878,12 +3932,12 @@
       </p:grpSpPr>
       <p:sp>
         <p:nvSpPr>
-          <p:cNvPr name="TextBox 2" id="2"/>
-          <p:cNvSpPr txBox="true"/>
+          <p:cNvPr id="2" name="TextBox 2"/>
+          <p:cNvSpPr txBox="1"/>
           <p:nvPr/>
         </p:nvSpPr>
         <p:spPr>
-          <a:xfrm rot="0">
+          <a:xfrm>
             <a:off x="1711603" y="2507012"/>
             <a:ext cx="9492694" cy="1371600"/>
           </a:xfrm>
@@ -3892,12 +3946,12 @@
           </a:prstGeom>
         </p:spPr>
         <p:txBody>
-          <a:bodyPr anchor="t" rtlCol="false" tIns="0" lIns="0" bIns="0" rIns="0">
+          <a:bodyPr lIns="0" tIns="0" rIns="0" bIns="0" rtlCol="0" anchor="t">
             <a:spAutoFit/>
           </a:bodyPr>
           <a:lstStyle/>
           <a:p>
-            <a:pPr marL="0" indent="0" lvl="0">
+            <a:pPr marL="0" lvl="0" indent="0">
               <a:lnSpc>
                 <a:spcPts val="10800"/>
               </a:lnSpc>
@@ -3916,12 +3970,12 @@
       </p:sp>
       <p:sp>
         <p:nvSpPr>
-          <p:cNvPr name="TextBox 3" id="3"/>
-          <p:cNvSpPr txBox="true"/>
+          <p:cNvPr id="3" name="TextBox 3"/>
+          <p:cNvSpPr txBox="1"/>
           <p:nvPr/>
         </p:nvSpPr>
         <p:spPr>
-          <a:xfrm rot="0">
+          <a:xfrm>
             <a:off x="1490376" y="4354862"/>
             <a:ext cx="9492694" cy="1581150"/>
           </a:xfrm>
@@ -3930,12 +3984,12 @@
           </a:prstGeom>
         </p:spPr>
         <p:txBody>
-          <a:bodyPr anchor="t" rtlCol="false" tIns="0" lIns="0" bIns="0" rIns="0">
+          <a:bodyPr lIns="0" tIns="0" rIns="0" bIns="0" rtlCol="0" anchor="t">
             <a:spAutoFit/>
           </a:bodyPr>
           <a:lstStyle/>
           <a:p>
-            <a:pPr algn="l" marL="0" indent="0" lvl="0">
+            <a:pPr marL="0" lvl="0" indent="0" algn="l">
               <a:lnSpc>
                 <a:spcPts val="4200"/>
               </a:lnSpc>
@@ -3944,25 +3998,187 @@
               </a:spcBef>
             </a:pPr>
             <a:r>
+              <a:rPr lang="en-US" sz="3000" dirty="0" err="1">
+                <a:solidFill>
+                  <a:srgbClr val="2E2E2E"/>
+                </a:solidFill>
+                <a:latin typeface="Open Sans"/>
+              </a:rPr>
+              <a:t>Resultados</a:t>
+            </a:r>
+            <a:r>
+              <a:rPr lang="en-US" sz="3000" dirty="0">
+                <a:solidFill>
+                  <a:srgbClr val="2E2E2E"/>
+                </a:solidFill>
+                <a:latin typeface="Open Sans"/>
+              </a:rPr>
+              <a:t> del </a:t>
+            </a:r>
+            <a:r>
+              <a:rPr lang="en-US" sz="3000" dirty="0" err="1">
+                <a:solidFill>
+                  <a:srgbClr val="2E2E2E"/>
+                </a:solidFill>
+                <a:latin typeface="Open Sans"/>
+              </a:rPr>
+              <a:t>análisis</a:t>
+            </a:r>
+            <a:r>
+              <a:rPr lang="en-US" sz="3000" dirty="0">
+                <a:solidFill>
+                  <a:srgbClr val="2E2E2E"/>
+                </a:solidFill>
+                <a:latin typeface="Open Sans"/>
+              </a:rPr>
+              <a:t> de las horas </a:t>
+            </a:r>
+            <a:r>
+              <a:rPr lang="en-US" sz="3000" dirty="0" err="1">
+                <a:solidFill>
+                  <a:srgbClr val="2E2E2E"/>
+                </a:solidFill>
+                <a:latin typeface="Open Sans"/>
+              </a:rPr>
+              <a:t>dedicadas</a:t>
+            </a:r>
+            <a:r>
+              <a:rPr lang="en-US" sz="3000" dirty="0">
+                <a:solidFill>
+                  <a:srgbClr val="2E2E2E"/>
+                </a:solidFill>
+                <a:latin typeface="Open Sans"/>
+              </a:rPr>
+              <a:t> y las </a:t>
+            </a:r>
+            <a:r>
+              <a:rPr lang="en-US" sz="3000" dirty="0" err="1">
+                <a:solidFill>
+                  <a:srgbClr val="2E2E2E"/>
+                </a:solidFill>
+                <a:latin typeface="Open Sans"/>
+              </a:rPr>
+              <a:t>calificaciones</a:t>
+            </a:r>
+            <a:r>
+              <a:rPr lang="en-US" sz="3000" dirty="0">
+                <a:solidFill>
+                  <a:srgbClr val="2E2E2E"/>
+                </a:solidFill>
+                <a:latin typeface="Open Sans"/>
+              </a:rPr>
+              <a:t> </a:t>
+            </a:r>
+            <a:r>
+              <a:rPr lang="en-US" sz="3000" dirty="0" err="1">
+                <a:solidFill>
+                  <a:srgbClr val="2E2E2E"/>
+                </a:solidFill>
+                <a:latin typeface="Open Sans"/>
+              </a:rPr>
+              <a:t>obtenidas</a:t>
+            </a:r>
+            <a:r>
+              <a:rPr lang="en-US" sz="3000" dirty="0">
+                <a:solidFill>
+                  <a:srgbClr val="2E2E2E"/>
+                </a:solidFill>
+                <a:latin typeface="Open Sans"/>
+              </a:rPr>
+              <a:t> </a:t>
+            </a:r>
+            <a:r>
+              <a:rPr lang="en-US" sz="3000" dirty="0" err="1">
+                <a:solidFill>
+                  <a:srgbClr val="2E2E2E"/>
+                </a:solidFill>
+                <a:latin typeface="Open Sans"/>
+              </a:rPr>
+              <a:t>por</a:t>
+            </a:r>
+            <a:r>
+              <a:rPr lang="en-US" sz="3000" dirty="0">
+                <a:solidFill>
+                  <a:srgbClr val="2E2E2E"/>
+                </a:solidFill>
+                <a:latin typeface="Open Sans"/>
+              </a:rPr>
+              <a:t> </a:t>
+            </a:r>
+            <a:r>
+              <a:rPr lang="en-US" sz="3000" dirty="0" err="1">
+                <a:solidFill>
+                  <a:srgbClr val="2E2E2E"/>
+                </a:solidFill>
+                <a:latin typeface="Open Sans"/>
+              </a:rPr>
+              <a:t>los</a:t>
+            </a:r>
+            <a:r>
+              <a:rPr lang="en-US" sz="3000" dirty="0">
+                <a:solidFill>
+                  <a:srgbClr val="2E2E2E"/>
+                </a:solidFill>
+                <a:latin typeface="Open Sans"/>
+              </a:rPr>
+              <a:t> </a:t>
+            </a:r>
+            <a:r>
+              <a:rPr lang="en-US" sz="3000" dirty="0" err="1">
+                <a:solidFill>
+                  <a:srgbClr val="2E2E2E"/>
+                </a:solidFill>
+                <a:latin typeface="Open Sans"/>
+              </a:rPr>
+              <a:t>estudiantes</a:t>
+            </a:r>
+            <a:r>
+              <a:rPr lang="en-US" sz="3000" dirty="0">
+                <a:solidFill>
+                  <a:srgbClr val="2E2E2E"/>
+                </a:solidFill>
+                <a:latin typeface="Open Sans"/>
+              </a:rPr>
+              <a:t> </a:t>
+            </a:r>
+            <a:r>
+              <a:rPr lang="en-US" sz="3000" dirty="0" err="1">
+                <a:solidFill>
+                  <a:srgbClr val="2E2E2E"/>
+                </a:solidFill>
+                <a:latin typeface="Open Sans"/>
+              </a:rPr>
+              <a:t>utilizando</a:t>
+            </a:r>
+            <a:r>
               <a:rPr lang="en-US" sz="3000">
                 <a:solidFill>
                   <a:srgbClr val="2E2E2E"/>
                 </a:solidFill>
                 <a:latin typeface="Open Sans"/>
               </a:rPr>
-              <a:t>Resultados del análisis de las horas dedicadas y las calificaciones obtenidas por los estudiantes utilizando la biblioteca de pandas en Python.</a:t>
-            </a:r>
-          </a:p>
-        </p:txBody>
-      </p:sp>
-      <p:sp>
-        <p:nvSpPr>
-          <p:cNvPr name="AutoShape 4" id="4"/>
+              <a:t> Python</a:t>
+            </a:r>
+            <a:r>
+              <a:rPr lang="en-US" sz="3000" dirty="0">
+                <a:solidFill>
+                  <a:srgbClr val="2E2E2E"/>
+                </a:solidFill>
+                <a:latin typeface="Open Sans"/>
+              </a:rPr>
+              <a:t>.</a:t>
+            </a:r>
+          </a:p>
+        </p:txBody>
+      </p:sp>
+      <p:sp>
+        <p:nvSpPr>
+          <p:cNvPr id="4" name="AutoShape 4"/>
           <p:cNvSpPr/>
           <p:nvPr/>
         </p:nvSpPr>
         <p:spPr>
-          <a:xfrm rot="0">
+          <a:xfrm>
             <a:off x="1711603" y="1912588"/>
             <a:ext cx="1104900" cy="57150"/>
           </a:xfrm>
@@ -3973,6 +4189,13 @@
             <a:srgbClr val="F4806B"/>
           </a:solidFill>
         </p:spPr>
+        <p:txBody>
+          <a:bodyPr/>
+          <a:lstStyle/>
+          <a:p>
+            <a:endParaRPr lang="es-MX"/>
+          </a:p>
+        </p:txBody>
       </p:sp>
     </p:spTree>
   </p:cSld>
@@ -3983,7 +4206,7 @@
 </file>
 
 <file path=ppt/slides/slide3.xml><?xml version="1.0" encoding="utf-8"?>
-<p:sld xmlns:p="http://schemas.openxmlformats.org/presentationml/2006/main" xmlns:a="http://schemas.openxmlformats.org/drawingml/2006/main">
+<p:sld xmlns:a="http://schemas.openxmlformats.org/drawingml/2006/main" xmlns:r="http://schemas.openxmlformats.org/officeDocument/2006/relationships" xmlns:p="http://schemas.openxmlformats.org/presentationml/2006/main">
   <p:cSld>
     <p:spTree>
       <p:nvGrpSpPr>
@@ -4001,12 +4224,12 @@
       </p:grpSpPr>
       <p:sp>
         <p:nvSpPr>
-          <p:cNvPr name="TextBox 2" id="2"/>
-          <p:cNvSpPr txBox="true"/>
+          <p:cNvPr id="2" name="TextBox 2"/>
+          <p:cNvSpPr txBox="1"/>
           <p:nvPr/>
         </p:nvSpPr>
         <p:spPr>
-          <a:xfrm rot="0">
+          <a:xfrm>
             <a:off x="1711603" y="2507012"/>
             <a:ext cx="9492694" cy="1371600"/>
           </a:xfrm>
@@ -4015,12 +4238,12 @@
           </a:prstGeom>
         </p:spPr>
         <p:txBody>
-          <a:bodyPr anchor="t" rtlCol="false" tIns="0" lIns="0" bIns="0" rIns="0">
+          <a:bodyPr lIns="0" tIns="0" rIns="0" bIns="0" rtlCol="0" anchor="t">
             <a:spAutoFit/>
           </a:bodyPr>
           <a:lstStyle/>
           <a:p>
-            <a:pPr marL="0" indent="0" lvl="0">
+            <a:pPr marL="0" lvl="0" indent="0">
               <a:lnSpc>
                 <a:spcPts val="10800"/>
               </a:lnSpc>
@@ -4039,12 +4262,12 @@
       </p:sp>
       <p:sp>
         <p:nvSpPr>
-          <p:cNvPr name="TextBox 3" id="3"/>
-          <p:cNvSpPr txBox="true"/>
+          <p:cNvPr id="3" name="TextBox 3"/>
+          <p:cNvSpPr txBox="1"/>
           <p:nvPr/>
         </p:nvSpPr>
         <p:spPr>
-          <a:xfrm rot="0">
+          <a:xfrm>
             <a:off x="1490376" y="4354862"/>
             <a:ext cx="9492694" cy="2647950"/>
           </a:xfrm>
@@ -4053,7 +4276,7 @@
           </a:prstGeom>
         </p:spPr>
         <p:txBody>
-          <a:bodyPr anchor="t" rtlCol="false" tIns="0" lIns="0" bIns="0" rIns="0">
+          <a:bodyPr lIns="0" tIns="0" rIns="0" bIns="0" rtlCol="0" anchor="t">
             <a:spAutoFit/>
           </a:bodyPr>
           <a:lstStyle/>
@@ -4074,7 +4297,7 @@
             </a:r>
           </a:p>
           <a:p>
-            <a:pPr marL="647700" indent="-323850" lvl="1">
+            <a:pPr marL="647700" lvl="1" indent="-323850">
               <a:lnSpc>
                 <a:spcPts val="4200"/>
               </a:lnSpc>
@@ -4092,7 +4315,7 @@
             </a:r>
           </a:p>
           <a:p>
-            <a:pPr marL="647700" indent="-323850" lvl="1">
+            <a:pPr marL="647700" lvl="1" indent="-323850">
               <a:lnSpc>
                 <a:spcPts val="4200"/>
               </a:lnSpc>
@@ -4110,7 +4333,7 @@
             </a:r>
           </a:p>
           <a:p>
-            <a:pPr algn="l" marL="647700" indent="-323850" lvl="1">
+            <a:pPr marL="647700" lvl="1" indent="-323850" algn="l">
               <a:lnSpc>
                 <a:spcPts val="4200"/>
               </a:lnSpc>
@@ -4134,12 +4357,12 @@
       </p:sp>
       <p:sp>
         <p:nvSpPr>
-          <p:cNvPr name="AutoShape 4" id="4"/>
+          <p:cNvPr id="4" name="AutoShape 4"/>
           <p:cNvSpPr/>
           <p:nvPr/>
         </p:nvSpPr>
         <p:spPr>
-          <a:xfrm rot="0">
+          <a:xfrm>
             <a:off x="1711603" y="1912588"/>
             <a:ext cx="1104900" cy="57150"/>
           </a:xfrm>
@@ -4150,6 +4373,13 @@
             <a:srgbClr val="F4806B"/>
           </a:solidFill>
         </p:spPr>
+        <p:txBody>
+          <a:bodyPr/>
+          <a:lstStyle/>
+          <a:p>
+            <a:endParaRPr lang="es-MX"/>
+          </a:p>
+        </p:txBody>
       </p:sp>
     </p:spTree>
   </p:cSld>
@@ -4160,7 +4390,7 @@
 </file>
 
 <file path=ppt/slides/slide4.xml><?xml version="1.0" encoding="utf-8"?>
-<p:sld xmlns:p="http://schemas.openxmlformats.org/presentationml/2006/main" xmlns:a="http://schemas.openxmlformats.org/drawingml/2006/main">
+<p:sld xmlns:a="http://schemas.openxmlformats.org/drawingml/2006/main" xmlns:r="http://schemas.openxmlformats.org/officeDocument/2006/relationships" xmlns:p="http://schemas.openxmlformats.org/presentationml/2006/main">
   <p:cSld>
     <p:spTree>
       <p:nvGrpSpPr>
@@ -4178,12 +4408,12 @@
       </p:grpSpPr>
       <p:sp>
         <p:nvSpPr>
-          <p:cNvPr name="AutoShape 2" id="2"/>
+          <p:cNvPr id="2" name="AutoShape 2"/>
           <p:cNvSpPr/>
           <p:nvPr/>
         </p:nvSpPr>
         <p:spPr>
-          <a:xfrm rot="0">
+          <a:xfrm>
             <a:off x="1711603" y="1912588"/>
             <a:ext cx="1104900" cy="57150"/>
           </a:xfrm>
@@ -4194,14 +4424,27 @@
             <a:srgbClr val="F4806B"/>
           </a:solidFill>
         </p:spPr>
+        <p:txBody>
+          <a:bodyPr/>
+          <a:lstStyle/>
+          <a:p>
+            <a:endParaRPr lang="es-MX"/>
+          </a:p>
+        </p:txBody>
       </p:sp>
       <p:graphicFrame>
         <p:nvGraphicFramePr>
-          <p:cNvPr name="Table 3" id="3"/>
+          <p:cNvPr id="3" name="Table 3"/>
           <p:cNvGraphicFramePr>
-            <a:graphicFrameLocks noGrp="true"/>
+            <a:graphicFrameLocks noGrp="1"/>
           </p:cNvGraphicFramePr>
-          <p:nvPr/>
+          <p:nvPr>
+            <p:extLst>
+              <p:ext uri="{D42A27DB-BD31-4B8C-83A1-F6EECF244321}">
+                <p14:modId xmlns:p14="http://schemas.microsoft.com/office/powerpoint/2010/main" val="4091464700"/>
+              </p:ext>
+            </p:extLst>
+          </p:nvPr>
         </p:nvGraphicFramePr>
         <p:xfrm>
           <a:off x="11484173" y="2507012"/>
@@ -4212,14 +4455,32 @@
             <a:tbl>
               <a:tblPr/>
               <a:tblGrid>
-                <a:gridCol w="1539994"/>
-                <a:gridCol w="2660382"/>
-                <a:gridCol w="1574751"/>
+                <a:gridCol w="1539994">
+                  <a:extLst>
+                    <a:ext uri="{9D8B030D-6E8A-4147-A177-3AD203B41FA5}">
+                      <a16:colId xmlns:a16="http://schemas.microsoft.com/office/drawing/2014/main" val="20000"/>
+                    </a:ext>
+                  </a:extLst>
+                </a:gridCol>
+                <a:gridCol w="2660382">
+                  <a:extLst>
+                    <a:ext uri="{9D8B030D-6E8A-4147-A177-3AD203B41FA5}">
+                      <a16:colId xmlns:a16="http://schemas.microsoft.com/office/drawing/2014/main" val="20001"/>
+                    </a:ext>
+                  </a:extLst>
+                </a:gridCol>
+                <a:gridCol w="1574751">
+                  <a:extLst>
+                    <a:ext uri="{9D8B030D-6E8A-4147-A177-3AD203B41FA5}">
+                      <a16:colId xmlns:a16="http://schemas.microsoft.com/office/drawing/2014/main" val="20002"/>
+                    </a:ext>
+                  </a:extLst>
+                </a:gridCol>
               </a:tblGrid>
               <a:tr h="1055370">
                 <a:tc>
                   <a:txBody>
-                    <a:bodyPr anchor="t" rtlCol="false"/>
+                    <a:bodyPr/>
                     <a:lstStyle/>
                     <a:p>
                       <a:pPr algn="ctr">
@@ -4229,19 +4490,19 @@
                         <a:defRPr/>
                       </a:pPr>
                       <a:r>
-                        <a:rPr lang="en-US" sz="3000">
+                        <a:rPr lang="en-US" sz="3000" dirty="0">
                           <a:solidFill>
                             <a:srgbClr val="000000"/>
                           </a:solidFill>
                           <a:latin typeface="Open Sans Bold"/>
                         </a:rPr>
-                        <a:t>Fecha</a:t>
+                        <a:t>Name</a:t>
                       </a:r>
-                      <a:endParaRPr lang="en-US" sz="1100"/>
+                      <a:endParaRPr lang="en-US" sz="1100" dirty="0"/>
                     </a:p>
                   </a:txBody>
                   <a:tcPr marL="190500" marR="190500" marT="190500" marB="190500" anchor="ctr">
-                    <a:lnL cmpd="sng" algn="ctr" cap="flat" w="38100">
+                    <a:lnL w="38100" cap="flat" cmpd="sng" algn="ctr">
                       <a:solidFill>
                         <a:srgbClr val="000000"/>
                       </a:solidFill>
@@ -4250,7 +4511,7 @@
                       <a:headEnd type="none" w="med" len="med"/>
                       <a:tailEnd type="none" w="med" len="med"/>
                     </a:lnL>
-                    <a:lnR cmpd="sng" algn="ctr" cap="flat" w="38100">
+                    <a:lnR w="38100" cap="flat" cmpd="sng" algn="ctr">
                       <a:solidFill>
                         <a:srgbClr val="000000"/>
                       </a:solidFill>
@@ -4259,7 +4520,7 @@
                       <a:headEnd type="none" w="med" len="med"/>
                       <a:tailEnd type="none" w="med" len="med"/>
                     </a:lnR>
-                    <a:lnT cmpd="sng" algn="ctr" cap="flat" w="38100">
+                    <a:lnT w="38100" cap="flat" cmpd="sng" algn="ctr">
                       <a:solidFill>
                         <a:srgbClr val="000000"/>
                       </a:solidFill>
@@ -4268,7 +4529,7 @@
                       <a:headEnd type="none" w="med" len="med"/>
                       <a:tailEnd type="none" w="med" len="med"/>
                     </a:lnT>
-                    <a:lnB cmpd="sng" algn="ctr" cap="flat" w="38100">
+                    <a:lnB w="38100" cap="flat" cmpd="sng" algn="ctr">
                       <a:solidFill>
                         <a:srgbClr val="000000"/>
                       </a:solidFill>
@@ -4284,7 +4545,7 @@
                 </a:tc>
                 <a:tc>
                   <a:txBody>
-                    <a:bodyPr anchor="t" rtlCol="false"/>
+                    <a:bodyPr/>
                     <a:lstStyle/>
                     <a:p>
                       <a:pPr algn="ctr">
@@ -4306,7 +4567,7 @@
                     </a:p>
                   </a:txBody>
                   <a:tcPr marL="190500" marR="190500" marT="190500" marB="190500" anchor="ctr">
-                    <a:lnL cmpd="sng" algn="ctr" cap="flat" w="38100">
+                    <a:lnL w="38100" cap="flat" cmpd="sng" algn="ctr">
                       <a:solidFill>
                         <a:srgbClr val="000000"/>
                       </a:solidFill>
@@ -4315,7 +4576,7 @@
                       <a:headEnd type="none" w="med" len="med"/>
                       <a:tailEnd type="none" w="med" len="med"/>
                     </a:lnL>
-                    <a:lnR cmpd="sng" algn="ctr" cap="flat" w="38100">
+                    <a:lnR w="38100" cap="flat" cmpd="sng" algn="ctr">
                       <a:solidFill>
                         <a:srgbClr val="000000"/>
                       </a:solidFill>
@@ -4324,7 +4585,7 @@
                       <a:headEnd type="none" w="med" len="med"/>
                       <a:tailEnd type="none" w="med" len="med"/>
                     </a:lnR>
-                    <a:lnT cmpd="sng" algn="ctr" cap="flat" w="38100">
+                    <a:lnT w="38100" cap="flat" cmpd="sng" algn="ctr">
                       <a:solidFill>
                         <a:srgbClr val="000000"/>
                       </a:solidFill>
@@ -4333,7 +4594,7 @@
                       <a:headEnd type="none" w="med" len="med"/>
                       <a:tailEnd type="none" w="med" len="med"/>
                     </a:lnT>
-                    <a:lnB cmpd="sng" algn="ctr" cap="flat" w="38100">
+                    <a:lnB w="38100" cap="flat" cmpd="sng" algn="ctr">
                       <a:solidFill>
                         <a:srgbClr val="000000"/>
                       </a:solidFill>
@@ -4349,7 +4610,7 @@
                 </a:tc>
                 <a:tc>
                   <a:txBody>
-                    <a:bodyPr anchor="t" rtlCol="false"/>
+                    <a:bodyPr/>
                     <a:lstStyle/>
                     <a:p>
                       <a:pPr algn="ctr">
@@ -4371,7 +4632,7 @@
                     </a:p>
                   </a:txBody>
                   <a:tcPr marL="190500" marR="190500" marT="190500" marB="190500" anchor="ctr">
-                    <a:lnL cmpd="sng" algn="ctr" cap="flat" w="38100">
+                    <a:lnL w="38100" cap="flat" cmpd="sng" algn="ctr">
                       <a:solidFill>
                         <a:srgbClr val="000000"/>
                       </a:solidFill>
@@ -4380,7 +4641,7 @@
                       <a:headEnd type="none" w="med" len="med"/>
                       <a:tailEnd type="none" w="med" len="med"/>
                     </a:lnL>
-                    <a:lnR cmpd="sng" algn="ctr" cap="flat" w="38100">
+                    <a:lnR w="38100" cap="flat" cmpd="sng" algn="ctr">
                       <a:solidFill>
                         <a:srgbClr val="000000"/>
                       </a:solidFill>
@@ -4389,7 +4650,7 @@
                       <a:headEnd type="none" w="med" len="med"/>
                       <a:tailEnd type="none" w="med" len="med"/>
                     </a:lnR>
-                    <a:lnT cmpd="sng" algn="ctr" cap="flat" w="38100">
+                    <a:lnT w="38100" cap="flat" cmpd="sng" algn="ctr">
                       <a:solidFill>
                         <a:srgbClr val="000000"/>
                       </a:solidFill>
@@ -4398,7 +4659,7 @@
                       <a:headEnd type="none" w="med" len="med"/>
                       <a:tailEnd type="none" w="med" len="med"/>
                     </a:lnT>
-                    <a:lnB cmpd="sng" algn="ctr" cap="flat" w="38100">
+                    <a:lnB w="38100" cap="flat" cmpd="sng" algn="ctr">
                       <a:solidFill>
                         <a:srgbClr val="000000"/>
                       </a:solidFill>
@@ -4412,11 +4673,16 @@
                     </a:solidFill>
                   </a:tcPr>
                 </a:tc>
+                <a:extLst>
+                  <a:ext uri="{0D108BD9-81ED-4DB2-BD59-A6C34878D82A}">
+                    <a16:rowId xmlns:a16="http://schemas.microsoft.com/office/drawing/2014/main" val="10000"/>
+                  </a:ext>
+                </a:extLst>
               </a:tr>
               <a:tr h="1055370">
                 <a:tc>
                   <a:txBody>
-                    <a:bodyPr anchor="t" rtlCol="false"/>
+                    <a:bodyPr/>
                     <a:lstStyle/>
                     <a:p>
                       <a:pPr algn="ctr">
@@ -4438,7 +4704,7 @@
                     </a:p>
                   </a:txBody>
                   <a:tcPr marL="190500" marR="190500" marT="190500" marB="190500" anchor="ctr">
-                    <a:lnL cmpd="sng" algn="ctr" cap="flat" w="38100">
+                    <a:lnL w="38100" cap="flat" cmpd="sng" algn="ctr">
                       <a:solidFill>
                         <a:srgbClr val="000000"/>
                       </a:solidFill>
@@ -4447,7 +4713,7 @@
                       <a:headEnd type="none" w="med" len="med"/>
                       <a:tailEnd type="none" w="med" len="med"/>
                     </a:lnL>
-                    <a:lnR cmpd="sng" algn="ctr" cap="flat" w="38100">
+                    <a:lnR w="38100" cap="flat" cmpd="sng" algn="ctr">
                       <a:solidFill>
                         <a:srgbClr val="000000"/>
                       </a:solidFill>
@@ -4456,7 +4722,7 @@
                       <a:headEnd type="none" w="med" len="med"/>
                       <a:tailEnd type="none" w="med" len="med"/>
                     </a:lnR>
-                    <a:lnT cmpd="sng" algn="ctr" cap="flat" w="38100">
+                    <a:lnT w="38100" cap="flat" cmpd="sng" algn="ctr">
                       <a:solidFill>
                         <a:srgbClr val="000000"/>
                       </a:solidFill>
@@ -4465,7 +4731,7 @@
                       <a:headEnd type="none" w="med" len="med"/>
                       <a:tailEnd type="none" w="med" len="med"/>
                     </a:lnT>
-                    <a:lnB cmpd="sng" algn="ctr" cap="flat" w="38100">
+                    <a:lnB w="38100" cap="flat" cmpd="sng" algn="ctr">
                       <a:solidFill>
                         <a:srgbClr val="000000"/>
                       </a:solidFill>
@@ -4481,7 +4747,7 @@
                 </a:tc>
                 <a:tc>
                   <a:txBody>
-                    <a:bodyPr anchor="t" rtlCol="false"/>
+                    <a:bodyPr/>
                     <a:lstStyle/>
                     <a:p>
                       <a:pPr algn="ctr">
@@ -4503,7 +4769,7 @@
                     </a:p>
                   </a:txBody>
                   <a:tcPr marL="190500" marR="190500" marT="190500" marB="190500" anchor="ctr">
-                    <a:lnL cmpd="sng" algn="ctr" cap="flat" w="38100">
+                    <a:lnL w="38100" cap="flat" cmpd="sng" algn="ctr">
                       <a:solidFill>
                         <a:srgbClr val="000000"/>
                       </a:solidFill>
@@ -4512,7 +4778,7 @@
                       <a:headEnd type="none" w="med" len="med"/>
                       <a:tailEnd type="none" w="med" len="med"/>
                     </a:lnL>
-                    <a:lnR cmpd="sng" algn="ctr" cap="flat" w="38100">
+                    <a:lnR w="38100" cap="flat" cmpd="sng" algn="ctr">
                       <a:solidFill>
                         <a:srgbClr val="000000"/>
                       </a:solidFill>
@@ -4521,7 +4787,7 @@
                       <a:headEnd type="none" w="med" len="med"/>
                       <a:tailEnd type="none" w="med" len="med"/>
                     </a:lnR>
-                    <a:lnT cmpd="sng" algn="ctr" cap="flat" w="38100">
+                    <a:lnT w="38100" cap="flat" cmpd="sng" algn="ctr">
                       <a:solidFill>
                         <a:srgbClr val="000000"/>
                       </a:solidFill>
@@ -4530,7 +4796,7 @@
                       <a:headEnd type="none" w="med" len="med"/>
                       <a:tailEnd type="none" w="med" len="med"/>
                     </a:lnT>
-                    <a:lnB cmpd="sng" algn="ctr" cap="flat" w="38100">
+                    <a:lnB w="38100" cap="flat" cmpd="sng" algn="ctr">
                       <a:solidFill>
                         <a:srgbClr val="000000"/>
                       </a:solidFill>
@@ -4546,7 +4812,7 @@
                 </a:tc>
                 <a:tc>
                   <a:txBody>
-                    <a:bodyPr anchor="t" rtlCol="false"/>
+                    <a:bodyPr/>
                     <a:lstStyle/>
                     <a:p>
                       <a:pPr algn="ctr">
@@ -4568,7 +4834,7 @@
                     </a:p>
                   </a:txBody>
                   <a:tcPr marL="190500" marR="190500" marT="190500" marB="190500" anchor="ctr">
-                    <a:lnL cmpd="sng" algn="ctr" cap="flat" w="38100">
+                    <a:lnL w="38100" cap="flat" cmpd="sng" algn="ctr">
                       <a:solidFill>
                         <a:srgbClr val="000000"/>
                       </a:solidFill>
@@ -4577,7 +4843,7 @@
                       <a:headEnd type="none" w="med" len="med"/>
                       <a:tailEnd type="none" w="med" len="med"/>
                     </a:lnL>
-                    <a:lnR cmpd="sng" algn="ctr" cap="flat" w="38100">
+                    <a:lnR w="38100" cap="flat" cmpd="sng" algn="ctr">
                       <a:solidFill>
                         <a:srgbClr val="000000"/>
                       </a:solidFill>
@@ -4586,7 +4852,7 @@
                       <a:headEnd type="none" w="med" len="med"/>
                       <a:tailEnd type="none" w="med" len="med"/>
                     </a:lnR>
-                    <a:lnT cmpd="sng" algn="ctr" cap="flat" w="38100">
+                    <a:lnT w="38100" cap="flat" cmpd="sng" algn="ctr">
                       <a:solidFill>
                         <a:srgbClr val="000000"/>
                       </a:solidFill>
@@ -4595,7 +4861,7 @@
                       <a:headEnd type="none" w="med" len="med"/>
                       <a:tailEnd type="none" w="med" len="med"/>
                     </a:lnT>
-                    <a:lnB cmpd="sng" algn="ctr" cap="flat" w="38100">
+                    <a:lnB w="38100" cap="flat" cmpd="sng" algn="ctr">
                       <a:solidFill>
                         <a:srgbClr val="000000"/>
                       </a:solidFill>
@@ -4609,11 +4875,16 @@
                     </a:solidFill>
                   </a:tcPr>
                 </a:tc>
+                <a:extLst>
+                  <a:ext uri="{0D108BD9-81ED-4DB2-BD59-A6C34878D82A}">
+                    <a16:rowId xmlns:a16="http://schemas.microsoft.com/office/drawing/2014/main" val="10001"/>
+                  </a:ext>
+                </a:extLst>
               </a:tr>
               <a:tr h="1055370">
                 <a:tc>
                   <a:txBody>
-                    <a:bodyPr anchor="t" rtlCol="false"/>
+                    <a:bodyPr/>
                     <a:lstStyle/>
                     <a:p>
                       <a:pPr algn="ctr">
@@ -4635,7 +4906,7 @@
                     </a:p>
                   </a:txBody>
                   <a:tcPr marL="190500" marR="190500" marT="190500" marB="190500" anchor="ctr">
-                    <a:lnL cmpd="sng" algn="ctr" cap="flat" w="38100">
+                    <a:lnL w="38100" cap="flat" cmpd="sng" algn="ctr">
                       <a:solidFill>
                         <a:srgbClr val="000000"/>
                       </a:solidFill>
@@ -4644,7 +4915,7 @@
                       <a:headEnd type="none" w="med" len="med"/>
                       <a:tailEnd type="none" w="med" len="med"/>
                     </a:lnL>
-                    <a:lnR cmpd="sng" algn="ctr" cap="flat" w="38100">
+                    <a:lnR w="38100" cap="flat" cmpd="sng" algn="ctr">
                       <a:solidFill>
                         <a:srgbClr val="000000"/>
                       </a:solidFill>
@@ -4653,7 +4924,7 @@
                       <a:headEnd type="none" w="med" len="med"/>
                       <a:tailEnd type="none" w="med" len="med"/>
                     </a:lnR>
-                    <a:lnT cmpd="sng" algn="ctr" cap="flat" w="38100">
+                    <a:lnT w="38100" cap="flat" cmpd="sng" algn="ctr">
                       <a:solidFill>
                         <a:srgbClr val="000000"/>
                       </a:solidFill>
@@ -4662,7 +4933,7 @@
                       <a:headEnd type="none" w="med" len="med"/>
                       <a:tailEnd type="none" w="med" len="med"/>
                     </a:lnT>
-                    <a:lnB cmpd="sng" algn="ctr" cap="flat" w="38100">
+                    <a:lnB w="38100" cap="flat" cmpd="sng" algn="ctr">
                       <a:solidFill>
                         <a:srgbClr val="000000"/>
                       </a:solidFill>
@@ -4678,7 +4949,7 @@
                 </a:tc>
                 <a:tc>
                   <a:txBody>
-                    <a:bodyPr anchor="t" rtlCol="false"/>
+                    <a:bodyPr/>
                     <a:lstStyle/>
                     <a:p>
                       <a:pPr algn="ctr">
@@ -4700,7 +4971,7 @@
                     </a:p>
                   </a:txBody>
                   <a:tcPr marL="190500" marR="190500" marT="190500" marB="190500" anchor="ctr">
-                    <a:lnL cmpd="sng" algn="ctr" cap="flat" w="38100">
+                    <a:lnL w="38100" cap="flat" cmpd="sng" algn="ctr">
                       <a:solidFill>
                         <a:srgbClr val="000000"/>
                       </a:solidFill>
@@ -4709,7 +4980,7 @@
                       <a:headEnd type="none" w="med" len="med"/>
                       <a:tailEnd type="none" w="med" len="med"/>
                     </a:lnL>
-                    <a:lnR cmpd="sng" algn="ctr" cap="flat" w="38100">
+                    <a:lnR w="38100" cap="flat" cmpd="sng" algn="ctr">
                       <a:solidFill>
                         <a:srgbClr val="000000"/>
                       </a:solidFill>
@@ -4718,7 +4989,7 @@
                       <a:headEnd type="none" w="med" len="med"/>
                       <a:tailEnd type="none" w="med" len="med"/>
                     </a:lnR>
-                    <a:lnT cmpd="sng" algn="ctr" cap="flat" w="38100">
+                    <a:lnT w="38100" cap="flat" cmpd="sng" algn="ctr">
                       <a:solidFill>
                         <a:srgbClr val="000000"/>
                       </a:solidFill>
@@ -4727,7 +4998,7 @@
                       <a:headEnd type="none" w="med" len="med"/>
                       <a:tailEnd type="none" w="med" len="med"/>
                     </a:lnT>
-                    <a:lnB cmpd="sng" algn="ctr" cap="flat" w="38100">
+                    <a:lnB w="38100" cap="flat" cmpd="sng" algn="ctr">
                       <a:solidFill>
                         <a:srgbClr val="000000"/>
                       </a:solidFill>
@@ -4743,7 +5014,7 @@
                 </a:tc>
                 <a:tc>
                   <a:txBody>
-                    <a:bodyPr anchor="t" rtlCol="false"/>
+                    <a:bodyPr/>
                     <a:lstStyle/>
                     <a:p>
                       <a:pPr algn="ctr">
@@ -4765,7 +5036,7 @@
                     </a:p>
                   </a:txBody>
                   <a:tcPr marL="190500" marR="190500" marT="190500" marB="190500" anchor="ctr">
-                    <a:lnL cmpd="sng" algn="ctr" cap="flat" w="38100">
+                    <a:lnL w="38100" cap="flat" cmpd="sng" algn="ctr">
                       <a:solidFill>
                         <a:srgbClr val="000000"/>
                       </a:solidFill>
@@ -4774,7 +5045,7 @@
                       <a:headEnd type="none" w="med" len="med"/>
                       <a:tailEnd type="none" w="med" len="med"/>
                     </a:lnL>
-                    <a:lnR cmpd="sng" algn="ctr" cap="flat" w="38100">
+                    <a:lnR w="38100" cap="flat" cmpd="sng" algn="ctr">
                       <a:solidFill>
                         <a:srgbClr val="000000"/>
                       </a:solidFill>
@@ -4783,7 +5054,7 @@
                       <a:headEnd type="none" w="med" len="med"/>
                       <a:tailEnd type="none" w="med" len="med"/>
                     </a:lnR>
-                    <a:lnT cmpd="sng" algn="ctr" cap="flat" w="38100">
+                    <a:lnT w="38100" cap="flat" cmpd="sng" algn="ctr">
                       <a:solidFill>
                         <a:srgbClr val="000000"/>
                       </a:solidFill>
@@ -4792,7 +5063,7 @@
                       <a:headEnd type="none" w="med" len="med"/>
                       <a:tailEnd type="none" w="med" len="med"/>
                     </a:lnT>
-                    <a:lnB cmpd="sng" algn="ctr" cap="flat" w="38100">
+                    <a:lnB w="38100" cap="flat" cmpd="sng" algn="ctr">
                       <a:solidFill>
                         <a:srgbClr val="000000"/>
                       </a:solidFill>
@@ -4806,11 +5077,16 @@
                     </a:solidFill>
                   </a:tcPr>
                 </a:tc>
+                <a:extLst>
+                  <a:ext uri="{0D108BD9-81ED-4DB2-BD59-A6C34878D82A}">
+                    <a16:rowId xmlns:a16="http://schemas.microsoft.com/office/drawing/2014/main" val="10002"/>
+                  </a:ext>
+                </a:extLst>
               </a:tr>
               <a:tr h="1055370">
                 <a:tc>
                   <a:txBody>
-                    <a:bodyPr anchor="t" rtlCol="false"/>
+                    <a:bodyPr/>
                     <a:lstStyle/>
                     <a:p>
                       <a:pPr algn="ctr">
@@ -4832,7 +5108,7 @@
                     </a:p>
                   </a:txBody>
                   <a:tcPr marL="190500" marR="190500" marT="190500" marB="190500" anchor="ctr">
-                    <a:lnL cmpd="sng" algn="ctr" cap="flat" w="38100">
+                    <a:lnL w="38100" cap="flat" cmpd="sng" algn="ctr">
                       <a:solidFill>
                         <a:srgbClr val="000000"/>
                       </a:solidFill>
@@ -4841,7 +5117,7 @@
                       <a:headEnd type="none" w="med" len="med"/>
                       <a:tailEnd type="none" w="med" len="med"/>
                     </a:lnL>
-                    <a:lnR cmpd="sng" algn="ctr" cap="flat" w="38100">
+                    <a:lnR w="38100" cap="flat" cmpd="sng" algn="ctr">
                       <a:solidFill>
                         <a:srgbClr val="000000"/>
                       </a:solidFill>
@@ -4850,7 +5126,7 @@
                       <a:headEnd type="none" w="med" len="med"/>
                       <a:tailEnd type="none" w="med" len="med"/>
                     </a:lnR>
-                    <a:lnT cmpd="sng" algn="ctr" cap="flat" w="38100">
+                    <a:lnT w="38100" cap="flat" cmpd="sng" algn="ctr">
                       <a:solidFill>
                         <a:srgbClr val="000000"/>
                       </a:solidFill>
@@ -4859,7 +5135,7 @@
                       <a:headEnd type="none" w="med" len="med"/>
                       <a:tailEnd type="none" w="med" len="med"/>
                     </a:lnT>
-                    <a:lnB cmpd="sng" algn="ctr" cap="flat" w="38100">
+                    <a:lnB w="38100" cap="flat" cmpd="sng" algn="ctr">
                       <a:solidFill>
                         <a:srgbClr val="000000"/>
                       </a:solidFill>
@@ -4875,7 +5151,7 @@
                 </a:tc>
                 <a:tc>
                   <a:txBody>
-                    <a:bodyPr anchor="t" rtlCol="false"/>
+                    <a:bodyPr/>
                     <a:lstStyle/>
                     <a:p>
                       <a:pPr algn="ctr">
@@ -4897,7 +5173,7 @@
                     </a:p>
                   </a:txBody>
                   <a:tcPr marL="190500" marR="190500" marT="190500" marB="190500" anchor="ctr">
-                    <a:lnL cmpd="sng" algn="ctr" cap="flat" w="38100">
+                    <a:lnL w="38100" cap="flat" cmpd="sng" algn="ctr">
                       <a:solidFill>
                         <a:srgbClr val="000000"/>
                       </a:solidFill>
@@ -4906,7 +5182,7 @@
                       <a:headEnd type="none" w="med" len="med"/>
                       <a:tailEnd type="none" w="med" len="med"/>
                     </a:lnL>
-                    <a:lnR cmpd="sng" algn="ctr" cap="flat" w="38100">
+                    <a:lnR w="38100" cap="flat" cmpd="sng" algn="ctr">
                       <a:solidFill>
                         <a:srgbClr val="000000"/>
                       </a:solidFill>
@@ -4915,7 +5191,7 @@
                       <a:headEnd type="none" w="med" len="med"/>
                       <a:tailEnd type="none" w="med" len="med"/>
                     </a:lnR>
-                    <a:lnT cmpd="sng" algn="ctr" cap="flat" w="38100">
+                    <a:lnT w="38100" cap="flat" cmpd="sng" algn="ctr">
                       <a:solidFill>
                         <a:srgbClr val="000000"/>
                       </a:solidFill>
@@ -4924,7 +5200,7 @@
                       <a:headEnd type="none" w="med" len="med"/>
                       <a:tailEnd type="none" w="med" len="med"/>
                     </a:lnT>
-                    <a:lnB cmpd="sng" algn="ctr" cap="flat" w="38100">
+                    <a:lnB w="38100" cap="flat" cmpd="sng" algn="ctr">
                       <a:solidFill>
                         <a:srgbClr val="000000"/>
                       </a:solidFill>
@@ -4940,7 +5216,7 @@
                 </a:tc>
                 <a:tc>
                   <a:txBody>
-                    <a:bodyPr anchor="t" rtlCol="false"/>
+                    <a:bodyPr/>
                     <a:lstStyle/>
                     <a:p>
                       <a:pPr algn="ctr">
@@ -4962,7 +5238,7 @@
                     </a:p>
                   </a:txBody>
                   <a:tcPr marL="190500" marR="190500" marT="190500" marB="190500" anchor="ctr">
-                    <a:lnL cmpd="sng" algn="ctr" cap="flat" w="38100">
+                    <a:lnL w="38100" cap="flat" cmpd="sng" algn="ctr">
                       <a:solidFill>
                         <a:srgbClr val="000000"/>
                       </a:solidFill>
@@ -4971,7 +5247,7 @@
                       <a:headEnd type="none" w="med" len="med"/>
                       <a:tailEnd type="none" w="med" len="med"/>
                     </a:lnL>
-                    <a:lnR cmpd="sng" algn="ctr" cap="flat" w="38100">
+                    <a:lnR w="38100" cap="flat" cmpd="sng" algn="ctr">
                       <a:solidFill>
                         <a:srgbClr val="000000"/>
                       </a:solidFill>
@@ -4980,7 +5256,7 @@
                       <a:headEnd type="none" w="med" len="med"/>
                       <a:tailEnd type="none" w="med" len="med"/>
                     </a:lnR>
-                    <a:lnT cmpd="sng" algn="ctr" cap="flat" w="38100">
+                    <a:lnT w="38100" cap="flat" cmpd="sng" algn="ctr">
                       <a:solidFill>
                         <a:srgbClr val="000000"/>
                       </a:solidFill>
@@ -4989,7 +5265,7 @@
                       <a:headEnd type="none" w="med" len="med"/>
                       <a:tailEnd type="none" w="med" len="med"/>
                     </a:lnT>
-                    <a:lnB cmpd="sng" algn="ctr" cap="flat" w="38100">
+                    <a:lnB w="38100" cap="flat" cmpd="sng" algn="ctr">
                       <a:solidFill>
                         <a:srgbClr val="000000"/>
                       </a:solidFill>
@@ -5003,11 +5279,16 @@
                     </a:solidFill>
                   </a:tcPr>
                 </a:tc>
+                <a:extLst>
+                  <a:ext uri="{0D108BD9-81ED-4DB2-BD59-A6C34878D82A}">
+                    <a16:rowId xmlns:a16="http://schemas.microsoft.com/office/drawing/2014/main" val="10003"/>
+                  </a:ext>
+                </a:extLst>
               </a:tr>
               <a:tr h="1055370">
                 <a:tc>
                   <a:txBody>
-                    <a:bodyPr anchor="t" rtlCol="false"/>
+                    <a:bodyPr/>
                     <a:lstStyle/>
                     <a:p>
                       <a:pPr algn="ctr">
@@ -5029,7 +5310,7 @@
                     </a:p>
                   </a:txBody>
                   <a:tcPr marL="190500" marR="190500" marT="190500" marB="190500" anchor="ctr">
-                    <a:lnL cmpd="sng" algn="ctr" cap="flat" w="38100">
+                    <a:lnL w="38100" cap="flat" cmpd="sng" algn="ctr">
                       <a:solidFill>
                         <a:srgbClr val="000000"/>
                       </a:solidFill>
@@ -5038,7 +5319,7 @@
                       <a:headEnd type="none" w="med" len="med"/>
                       <a:tailEnd type="none" w="med" len="med"/>
                     </a:lnL>
-                    <a:lnR cmpd="sng" algn="ctr" cap="flat" w="38100">
+                    <a:lnR w="38100" cap="flat" cmpd="sng" algn="ctr">
                       <a:solidFill>
                         <a:srgbClr val="000000"/>
                       </a:solidFill>
@@ -5047,7 +5328,7 @@
                       <a:headEnd type="none" w="med" len="med"/>
                       <a:tailEnd type="none" w="med" len="med"/>
                     </a:lnR>
-                    <a:lnT cmpd="sng" algn="ctr" cap="flat" w="38100">
+                    <a:lnT w="38100" cap="flat" cmpd="sng" algn="ctr">
                       <a:solidFill>
                         <a:srgbClr val="000000"/>
                       </a:solidFill>
@@ -5056,7 +5337,7 @@
                       <a:headEnd type="none" w="med" len="med"/>
                       <a:tailEnd type="none" w="med" len="med"/>
                     </a:lnT>
-                    <a:lnB cmpd="sng" algn="ctr" cap="flat" w="38100">
+                    <a:lnB w="38100" cap="flat" cmpd="sng" algn="ctr">
                       <a:solidFill>
                         <a:srgbClr val="000000"/>
                       </a:solidFill>
@@ -5072,7 +5353,7 @@
                 </a:tc>
                 <a:tc>
                   <a:txBody>
-                    <a:bodyPr anchor="t" rtlCol="false"/>
+                    <a:bodyPr/>
                     <a:lstStyle/>
                     <a:p>
                       <a:pPr algn="ctr">
@@ -5094,7 +5375,7 @@
                     </a:p>
                   </a:txBody>
                   <a:tcPr marL="190500" marR="190500" marT="190500" marB="190500" anchor="ctr">
-                    <a:lnL cmpd="sng" algn="ctr" cap="flat" w="38100">
+                    <a:lnL w="38100" cap="flat" cmpd="sng" algn="ctr">
                       <a:solidFill>
                         <a:srgbClr val="000000"/>
                       </a:solidFill>
@@ -5103,7 +5384,7 @@
                       <a:headEnd type="none" w="med" len="med"/>
                       <a:tailEnd type="none" w="med" len="med"/>
                     </a:lnL>
-                    <a:lnR cmpd="sng" algn="ctr" cap="flat" w="38100">
+                    <a:lnR w="38100" cap="flat" cmpd="sng" algn="ctr">
                       <a:solidFill>
                         <a:srgbClr val="000000"/>
                       </a:solidFill>
@@ -5112,7 +5393,7 @@
                       <a:headEnd type="none" w="med" len="med"/>
                       <a:tailEnd type="none" w="med" len="med"/>
                     </a:lnR>
-                    <a:lnT cmpd="sng" algn="ctr" cap="flat" w="38100">
+                    <a:lnT w="38100" cap="flat" cmpd="sng" algn="ctr">
                       <a:solidFill>
                         <a:srgbClr val="000000"/>
                       </a:solidFill>
@@ -5121,7 +5402,7 @@
                       <a:headEnd type="none" w="med" len="med"/>
                       <a:tailEnd type="none" w="med" len="med"/>
                     </a:lnT>
-                    <a:lnB cmpd="sng" algn="ctr" cap="flat" w="38100">
+                    <a:lnB w="38100" cap="flat" cmpd="sng" algn="ctr">
                       <a:solidFill>
                         <a:srgbClr val="000000"/>
                       </a:solidFill>
@@ -5137,7 +5418,7 @@
                 </a:tc>
                 <a:tc>
                   <a:txBody>
-                    <a:bodyPr anchor="t" rtlCol="false"/>
+                    <a:bodyPr/>
                     <a:lstStyle/>
                     <a:p>
                       <a:pPr algn="ctr">
@@ -5147,7 +5428,7 @@
                         <a:defRPr/>
                       </a:pPr>
                       <a:r>
-                        <a:rPr lang="en-US" sz="3000">
+                        <a:rPr lang="en-US" sz="3000" dirty="0">
                           <a:solidFill>
                             <a:srgbClr val="000000"/>
                           </a:solidFill>
@@ -5155,11 +5436,11 @@
                         </a:rPr>
                         <a:t>97.0</a:t>
                       </a:r>
-                      <a:endParaRPr lang="en-US" sz="1100"/>
+                      <a:endParaRPr lang="en-US" sz="1100" dirty="0"/>
                     </a:p>
                   </a:txBody>
                   <a:tcPr marL="190500" marR="190500" marT="190500" marB="190500" anchor="ctr">
-                    <a:lnL cmpd="sng" algn="ctr" cap="flat" w="38100">
+                    <a:lnL w="38100" cap="flat" cmpd="sng" algn="ctr">
                       <a:solidFill>
                         <a:srgbClr val="000000"/>
                       </a:solidFill>
@@ -5168,7 +5449,7 @@
                       <a:headEnd type="none" w="med" len="med"/>
                       <a:tailEnd type="none" w="med" len="med"/>
                     </a:lnL>
-                    <a:lnR cmpd="sng" algn="ctr" cap="flat" w="38100">
+                    <a:lnR w="38100" cap="flat" cmpd="sng" algn="ctr">
                       <a:solidFill>
                         <a:srgbClr val="000000"/>
                       </a:solidFill>
@@ -5177,7 +5458,7 @@
                       <a:headEnd type="none" w="med" len="med"/>
                       <a:tailEnd type="none" w="med" len="med"/>
                     </a:lnR>
-                    <a:lnT cmpd="sng" algn="ctr" cap="flat" w="38100">
+                    <a:lnT w="38100" cap="flat" cmpd="sng" algn="ctr">
                       <a:solidFill>
                         <a:srgbClr val="000000"/>
                       </a:solidFill>
@@ -5186,7 +5467,7 @@
                       <a:headEnd type="none" w="med" len="med"/>
                       <a:tailEnd type="none" w="med" len="med"/>
                     </a:lnT>
-                    <a:lnB cmpd="sng" algn="ctr" cap="flat" w="38100">
+                    <a:lnB w="38100" cap="flat" cmpd="sng" algn="ctr">
                       <a:solidFill>
                         <a:srgbClr val="000000"/>
                       </a:solidFill>
@@ -5200,6 +5481,11 @@
                     </a:solidFill>
                   </a:tcPr>
                 </a:tc>
+                <a:extLst>
+                  <a:ext uri="{0D108BD9-81ED-4DB2-BD59-A6C34878D82A}">
+                    <a16:rowId xmlns:a16="http://schemas.microsoft.com/office/drawing/2014/main" val="10004"/>
+                  </a:ext>
+                </a:extLst>
               </a:tr>
             </a:tbl>
           </a:graphicData>
@@ -5207,12 +5493,12 @@
       </p:graphicFrame>
       <p:sp>
         <p:nvSpPr>
-          <p:cNvPr name="TextBox 4" id="4"/>
-          <p:cNvSpPr txBox="true"/>
+          <p:cNvPr id="4" name="TextBox 4"/>
+          <p:cNvSpPr txBox="1"/>
           <p:nvPr/>
         </p:nvSpPr>
         <p:spPr>
-          <a:xfrm rot="0">
+          <a:xfrm>
             <a:off x="1711603" y="2507012"/>
             <a:ext cx="9492694" cy="1371600"/>
           </a:xfrm>
@@ -5221,12 +5507,12 @@
           </a:prstGeom>
         </p:spPr>
         <p:txBody>
-          <a:bodyPr anchor="t" rtlCol="false" tIns="0" lIns="0" bIns="0" rIns="0">
+          <a:bodyPr lIns="0" tIns="0" rIns="0" bIns="0" rtlCol="0" anchor="t">
             <a:spAutoFit/>
           </a:bodyPr>
           <a:lstStyle/>
           <a:p>
-            <a:pPr marL="0" indent="0" lvl="0">
+            <a:pPr marL="0" lvl="0" indent="0">
               <a:lnSpc>
                 <a:spcPts val="10800"/>
               </a:lnSpc>
@@ -5245,12 +5531,12 @@
       </p:sp>
       <p:sp>
         <p:nvSpPr>
-          <p:cNvPr name="TextBox 5" id="5"/>
-          <p:cNvSpPr txBox="true"/>
+          <p:cNvPr id="5" name="TextBox 5"/>
+          <p:cNvSpPr txBox="1"/>
           <p:nvPr/>
         </p:nvSpPr>
         <p:spPr>
-          <a:xfrm rot="0">
+          <a:xfrm>
             <a:off x="1490376" y="4354862"/>
             <a:ext cx="9492694" cy="3714750"/>
           </a:xfrm>
@@ -5259,7 +5545,7 @@
           </a:prstGeom>
         </p:spPr>
         <p:txBody>
-          <a:bodyPr anchor="t" rtlCol="false" tIns="0" lIns="0" bIns="0" rIns="0">
+          <a:bodyPr lIns="0" tIns="0" rIns="0" bIns="0" rtlCol="0" anchor="t">
             <a:spAutoFit/>
           </a:bodyPr>
           <a:lstStyle/>
@@ -5293,7 +5579,7 @@
 </file>
 
 <file path=ppt/slides/slide5.xml><?xml version="1.0" encoding="utf-8"?>
-<p:sld xmlns:p="http://schemas.openxmlformats.org/presentationml/2006/main" xmlns:a="http://schemas.openxmlformats.org/drawingml/2006/main">
+<p:sld xmlns:a="http://schemas.openxmlformats.org/drawingml/2006/main" xmlns:r="http://schemas.openxmlformats.org/officeDocument/2006/relationships" xmlns:p="http://schemas.openxmlformats.org/presentationml/2006/main">
   <p:cSld>
     <p:spTree>
       <p:nvGrpSpPr>
@@ -5311,12 +5597,12 @@
       </p:grpSpPr>
       <p:sp>
         <p:nvSpPr>
-          <p:cNvPr name="AutoShape 2" id="2"/>
+          <p:cNvPr id="2" name="AutoShape 2"/>
           <p:cNvSpPr/>
           <p:nvPr/>
         </p:nvSpPr>
         <p:spPr>
-          <a:xfrm rot="0">
+          <a:xfrm>
             <a:off x="1711603" y="1912588"/>
             <a:ext cx="1104900" cy="57150"/>
           </a:xfrm>
@@ -5327,14 +5613,27 @@
             <a:srgbClr val="F4806B"/>
           </a:solidFill>
         </p:spPr>
+        <p:txBody>
+          <a:bodyPr/>
+          <a:lstStyle/>
+          <a:p>
+            <a:endParaRPr lang="es-MX"/>
+          </a:p>
+        </p:txBody>
       </p:sp>
       <p:graphicFrame>
         <p:nvGraphicFramePr>
-          <p:cNvPr name="Table 3" id="3"/>
+          <p:cNvPr id="3" name="Table 3"/>
           <p:cNvGraphicFramePr>
-            <a:graphicFrameLocks noGrp="true"/>
+            <a:graphicFrameLocks noGrp="1"/>
           </p:cNvGraphicFramePr>
-          <p:nvPr/>
+          <p:nvPr>
+            <p:extLst>
+              <p:ext uri="{D42A27DB-BD31-4B8C-83A1-F6EECF244321}">
+                <p14:modId xmlns:p14="http://schemas.microsoft.com/office/powerpoint/2010/main" val="3748763597"/>
+              </p:ext>
+            </p:extLst>
+          </p:nvPr>
         </p:nvGraphicFramePr>
         <p:xfrm>
           <a:off x="11484173" y="2507012"/>
@@ -5345,14 +5644,32 @@
             <a:tbl>
               <a:tblPr/>
               <a:tblGrid>
-                <a:gridCol w="1539994"/>
-                <a:gridCol w="2660382"/>
-                <a:gridCol w="1574751"/>
+                <a:gridCol w="1539994">
+                  <a:extLst>
+                    <a:ext uri="{9D8B030D-6E8A-4147-A177-3AD203B41FA5}">
+                      <a16:colId xmlns:a16="http://schemas.microsoft.com/office/drawing/2014/main" val="20000"/>
+                    </a:ext>
+                  </a:extLst>
+                </a:gridCol>
+                <a:gridCol w="2660382">
+                  <a:extLst>
+                    <a:ext uri="{9D8B030D-6E8A-4147-A177-3AD203B41FA5}">
+                      <a16:colId xmlns:a16="http://schemas.microsoft.com/office/drawing/2014/main" val="20001"/>
+                    </a:ext>
+                  </a:extLst>
+                </a:gridCol>
+                <a:gridCol w="1574751">
+                  <a:extLst>
+                    <a:ext uri="{9D8B030D-6E8A-4147-A177-3AD203B41FA5}">
+                      <a16:colId xmlns:a16="http://schemas.microsoft.com/office/drawing/2014/main" val="20002"/>
+                    </a:ext>
+                  </a:extLst>
+                </a:gridCol>
               </a:tblGrid>
               <a:tr h="1060450">
                 <a:tc>
                   <a:txBody>
-                    <a:bodyPr anchor="t" rtlCol="false"/>
+                    <a:bodyPr/>
                     <a:lstStyle/>
                     <a:p>
                       <a:pPr algn="ctr">
@@ -5362,19 +5679,19 @@
                         <a:defRPr/>
                       </a:pPr>
                       <a:r>
-                        <a:rPr lang="en-US" sz="3000">
+                        <a:rPr lang="en-US" sz="3000" dirty="0">
                           <a:solidFill>
                             <a:srgbClr val="000000"/>
                           </a:solidFill>
                           <a:latin typeface="Open Sans Bold"/>
                         </a:rPr>
-                        <a:t>Fecha</a:t>
+                        <a:t>Name</a:t>
                       </a:r>
-                      <a:endParaRPr lang="en-US" sz="1100"/>
+                      <a:endParaRPr lang="en-US" sz="1100" dirty="0"/>
                     </a:p>
                   </a:txBody>
                   <a:tcPr marL="190500" marR="190500" marT="190500" marB="190500" anchor="ctr">
-                    <a:lnL cmpd="sng" algn="ctr" cap="flat" w="38100">
+                    <a:lnL w="38100" cap="flat" cmpd="sng" algn="ctr">
                       <a:solidFill>
                         <a:srgbClr val="000000"/>
                       </a:solidFill>
@@ -5383,7 +5700,7 @@
                       <a:headEnd type="none" w="med" len="med"/>
                       <a:tailEnd type="none" w="med" len="med"/>
                     </a:lnL>
-                    <a:lnR cmpd="sng" algn="ctr" cap="flat" w="38100">
+                    <a:lnR w="38100" cap="flat" cmpd="sng" algn="ctr">
                       <a:solidFill>
                         <a:srgbClr val="000000"/>
                       </a:solidFill>
@@ -5392,7 +5709,7 @@
                       <a:headEnd type="none" w="med" len="med"/>
                       <a:tailEnd type="none" w="med" len="med"/>
                     </a:lnR>
-                    <a:lnT cmpd="sng" algn="ctr" cap="flat" w="38100">
+                    <a:lnT w="38100" cap="flat" cmpd="sng" algn="ctr">
                       <a:solidFill>
                         <a:srgbClr val="000000"/>
                       </a:solidFill>
@@ -5401,7 +5718,7 @@
                       <a:headEnd type="none" w="med" len="med"/>
                       <a:tailEnd type="none" w="med" len="med"/>
                     </a:lnT>
-                    <a:lnB cmpd="sng" algn="ctr" cap="flat" w="38100">
+                    <a:lnB w="38100" cap="flat" cmpd="sng" algn="ctr">
                       <a:solidFill>
                         <a:srgbClr val="000000"/>
                       </a:solidFill>
@@ -5417,7 +5734,7 @@
                 </a:tc>
                 <a:tc>
                   <a:txBody>
-                    <a:bodyPr anchor="t" rtlCol="false"/>
+                    <a:bodyPr/>
                     <a:lstStyle/>
                     <a:p>
                       <a:pPr algn="ctr">
@@ -5439,7 +5756,7 @@
                     </a:p>
                   </a:txBody>
                   <a:tcPr marL="190500" marR="190500" marT="190500" marB="190500" anchor="ctr">
-                    <a:lnL cmpd="sng" algn="ctr" cap="flat" w="38100">
+                    <a:lnL w="38100" cap="flat" cmpd="sng" algn="ctr">
                       <a:solidFill>
                         <a:srgbClr val="000000"/>
                       </a:solidFill>
@@ -5448,7 +5765,7 @@
                       <a:headEnd type="none" w="med" len="med"/>
                       <a:tailEnd type="none" w="med" len="med"/>
                     </a:lnL>
-                    <a:lnR cmpd="sng" algn="ctr" cap="flat" w="38100">
+                    <a:lnR w="38100" cap="flat" cmpd="sng" algn="ctr">
                       <a:solidFill>
                         <a:srgbClr val="000000"/>
                       </a:solidFill>
@@ -5457,7 +5774,7 @@
                       <a:headEnd type="none" w="med" len="med"/>
                       <a:tailEnd type="none" w="med" len="med"/>
                     </a:lnR>
-                    <a:lnT cmpd="sng" algn="ctr" cap="flat" w="38100">
+                    <a:lnT w="38100" cap="flat" cmpd="sng" algn="ctr">
                       <a:solidFill>
                         <a:srgbClr val="000000"/>
                       </a:solidFill>
@@ -5466,7 +5783,7 @@
                       <a:headEnd type="none" w="med" len="med"/>
                       <a:tailEnd type="none" w="med" len="med"/>
                     </a:lnT>
-                    <a:lnB cmpd="sng" algn="ctr" cap="flat" w="38100">
+                    <a:lnB w="38100" cap="flat" cmpd="sng" algn="ctr">
                       <a:solidFill>
                         <a:srgbClr val="000000"/>
                       </a:solidFill>
@@ -5482,7 +5799,7 @@
                 </a:tc>
                 <a:tc>
                   <a:txBody>
-                    <a:bodyPr anchor="t" rtlCol="false"/>
+                    <a:bodyPr/>
                     <a:lstStyle/>
                     <a:p>
                       <a:pPr algn="ctr">
@@ -5504,7 +5821,7 @@
                     </a:p>
                   </a:txBody>
                   <a:tcPr marL="190500" marR="190500" marT="190500" marB="190500" anchor="ctr">
-                    <a:lnL cmpd="sng" algn="ctr" cap="flat" w="38100">
+                    <a:lnL w="38100" cap="flat" cmpd="sng" algn="ctr">
                       <a:solidFill>
                         <a:srgbClr val="000000"/>
                       </a:solidFill>
@@ -5513,7 +5830,7 @@
                       <a:headEnd type="none" w="med" len="med"/>
                       <a:tailEnd type="none" w="med" len="med"/>
                     </a:lnL>
-                    <a:lnR cmpd="sng" algn="ctr" cap="flat" w="38100">
+                    <a:lnR w="38100" cap="flat" cmpd="sng" algn="ctr">
                       <a:solidFill>
                         <a:srgbClr val="000000"/>
                       </a:solidFill>
@@ -5522,7 +5839,7 @@
                       <a:headEnd type="none" w="med" len="med"/>
                       <a:tailEnd type="none" w="med" len="med"/>
                     </a:lnR>
-                    <a:lnT cmpd="sng" algn="ctr" cap="flat" w="38100">
+                    <a:lnT w="38100" cap="flat" cmpd="sng" algn="ctr">
                       <a:solidFill>
                         <a:srgbClr val="000000"/>
                       </a:solidFill>
@@ -5531,7 +5848,7 @@
                       <a:headEnd type="none" w="med" len="med"/>
                       <a:tailEnd type="none" w="med" len="med"/>
                     </a:lnT>
-                    <a:lnB cmpd="sng" algn="ctr" cap="flat" w="38100">
+                    <a:lnB w="38100" cap="flat" cmpd="sng" algn="ctr">
                       <a:solidFill>
                         <a:srgbClr val="000000"/>
                       </a:solidFill>
@@ -5545,11 +5862,16 @@
                     </a:solidFill>
                   </a:tcPr>
                 </a:tc>
+                <a:extLst>
+                  <a:ext uri="{0D108BD9-81ED-4DB2-BD59-A6C34878D82A}">
+                    <a16:rowId xmlns:a16="http://schemas.microsoft.com/office/drawing/2014/main" val="10000"/>
+                  </a:ext>
+                </a:extLst>
               </a:tr>
               <a:tr h="1060450">
                 <a:tc>
                   <a:txBody>
-                    <a:bodyPr anchor="t" rtlCol="false"/>
+                    <a:bodyPr/>
                     <a:lstStyle/>
                     <a:p>
                       <a:pPr algn="ctr">
@@ -5571,7 +5893,7 @@
                     </a:p>
                   </a:txBody>
                   <a:tcPr marL="190500" marR="190500" marT="190500" marB="190500" anchor="ctr">
-                    <a:lnL cmpd="sng" algn="ctr" cap="flat" w="38100">
+                    <a:lnL w="38100" cap="flat" cmpd="sng" algn="ctr">
                       <a:solidFill>
                         <a:srgbClr val="000000"/>
                       </a:solidFill>
@@ -5580,7 +5902,7 @@
                       <a:headEnd type="none" w="med" len="med"/>
                       <a:tailEnd type="none" w="med" len="med"/>
                     </a:lnL>
-                    <a:lnR cmpd="sng" algn="ctr" cap="flat" w="38100">
+                    <a:lnR w="38100" cap="flat" cmpd="sng" algn="ctr">
                       <a:solidFill>
                         <a:srgbClr val="000000"/>
                       </a:solidFill>
@@ -5589,7 +5911,7 @@
                       <a:headEnd type="none" w="med" len="med"/>
                       <a:tailEnd type="none" w="med" len="med"/>
                     </a:lnR>
-                    <a:lnT cmpd="sng" algn="ctr" cap="flat" w="38100">
+                    <a:lnT w="38100" cap="flat" cmpd="sng" algn="ctr">
                       <a:solidFill>
                         <a:srgbClr val="000000"/>
                       </a:solidFill>
@@ -5598,7 +5920,7 @@
                       <a:headEnd type="none" w="med" len="med"/>
                       <a:tailEnd type="none" w="med" len="med"/>
                     </a:lnT>
-                    <a:lnB cmpd="sng" algn="ctr" cap="flat" w="38100">
+                    <a:lnB w="38100" cap="flat" cmpd="sng" algn="ctr">
                       <a:solidFill>
                         <a:srgbClr val="000000"/>
                       </a:solidFill>
@@ -5614,7 +5936,7 @@
                 </a:tc>
                 <a:tc>
                   <a:txBody>
-                    <a:bodyPr anchor="t" rtlCol="false"/>
+                    <a:bodyPr/>
                     <a:lstStyle/>
                     <a:p>
                       <a:pPr algn="ctr">
@@ -5636,7 +5958,7 @@
                     </a:p>
                   </a:txBody>
                   <a:tcPr marL="190500" marR="190500" marT="190500" marB="190500" anchor="ctr">
-                    <a:lnL cmpd="sng" algn="ctr" cap="flat" w="38100">
+                    <a:lnL w="38100" cap="flat" cmpd="sng" algn="ctr">
                       <a:solidFill>
                         <a:srgbClr val="000000"/>
                       </a:solidFill>
@@ -5645,7 +5967,7 @@
                       <a:headEnd type="none" w="med" len="med"/>
                       <a:tailEnd type="none" w="med" len="med"/>
                     </a:lnL>
-                    <a:lnR cmpd="sng" algn="ctr" cap="flat" w="38100">
+                    <a:lnR w="38100" cap="flat" cmpd="sng" algn="ctr">
                       <a:solidFill>
                         <a:srgbClr val="000000"/>
                       </a:solidFill>
@@ -5654,7 +5976,7 @@
                       <a:headEnd type="none" w="med" len="med"/>
                       <a:tailEnd type="none" w="med" len="med"/>
                     </a:lnR>
-                    <a:lnT cmpd="sng" algn="ctr" cap="flat" w="38100">
+                    <a:lnT w="38100" cap="flat" cmpd="sng" algn="ctr">
                       <a:solidFill>
                         <a:srgbClr val="000000"/>
                       </a:solidFill>
@@ -5663,7 +5985,7 @@
                       <a:headEnd type="none" w="med" len="med"/>
                       <a:tailEnd type="none" w="med" len="med"/>
                     </a:lnT>
-                    <a:lnB cmpd="sng" algn="ctr" cap="flat" w="38100">
+                    <a:lnB w="38100" cap="flat" cmpd="sng" algn="ctr">
                       <a:solidFill>
                         <a:srgbClr val="000000"/>
                       </a:solidFill>
@@ -5679,7 +6001,7 @@
                 </a:tc>
                 <a:tc>
                   <a:txBody>
-                    <a:bodyPr anchor="t" rtlCol="false"/>
+                    <a:bodyPr/>
                     <a:lstStyle/>
                     <a:p>
                       <a:pPr algn="ctr">
@@ -5701,7 +6023,7 @@
                     </a:p>
                   </a:txBody>
                   <a:tcPr marL="190500" marR="190500" marT="190500" marB="190500" anchor="ctr">
-                    <a:lnL cmpd="sng" algn="ctr" cap="flat" w="38100">
+                    <a:lnL w="38100" cap="flat" cmpd="sng" algn="ctr">
                       <a:solidFill>
                         <a:srgbClr val="000000"/>
                       </a:solidFill>
@@ -5710,7 +6032,7 @@
                       <a:headEnd type="none" w="med" len="med"/>
                       <a:tailEnd type="none" w="med" len="med"/>
                     </a:lnL>
-                    <a:lnR cmpd="sng" algn="ctr" cap="flat" w="38100">
+                    <a:lnR w="38100" cap="flat" cmpd="sng" algn="ctr">
                       <a:solidFill>
                         <a:srgbClr val="000000"/>
                       </a:solidFill>
@@ -5719,7 +6041,7 @@
                       <a:headEnd type="none" w="med" len="med"/>
                       <a:tailEnd type="none" w="med" len="med"/>
                     </a:lnR>
-                    <a:lnT cmpd="sng" algn="ctr" cap="flat" w="38100">
+                    <a:lnT w="38100" cap="flat" cmpd="sng" algn="ctr">
                       <a:solidFill>
                         <a:srgbClr val="000000"/>
                       </a:solidFill>
@@ -5728,7 +6050,7 @@
                       <a:headEnd type="none" w="med" len="med"/>
                       <a:tailEnd type="none" w="med" len="med"/>
                     </a:lnT>
-                    <a:lnB cmpd="sng" algn="ctr" cap="flat" w="38100">
+                    <a:lnB w="38100" cap="flat" cmpd="sng" algn="ctr">
                       <a:solidFill>
                         <a:srgbClr val="000000"/>
                       </a:solidFill>
@@ -5742,11 +6064,16 @@
                     </a:solidFill>
                   </a:tcPr>
                 </a:tc>
+                <a:extLst>
+                  <a:ext uri="{0D108BD9-81ED-4DB2-BD59-A6C34878D82A}">
+                    <a16:rowId xmlns:a16="http://schemas.microsoft.com/office/drawing/2014/main" val="10001"/>
+                  </a:ext>
+                </a:extLst>
               </a:tr>
               <a:tr h="1060450">
                 <a:tc>
                   <a:txBody>
-                    <a:bodyPr anchor="t" rtlCol="false"/>
+                    <a:bodyPr/>
                     <a:lstStyle/>
                     <a:p>
                       <a:pPr algn="ctr">
@@ -5768,7 +6095,7 @@
                     </a:p>
                   </a:txBody>
                   <a:tcPr marL="190500" marR="190500" marT="190500" marB="190500" anchor="ctr">
-                    <a:lnL cmpd="sng" algn="ctr" cap="flat" w="38100">
+                    <a:lnL w="38100" cap="flat" cmpd="sng" algn="ctr">
                       <a:solidFill>
                         <a:srgbClr val="000000"/>
                       </a:solidFill>
@@ -5777,7 +6104,7 @@
                       <a:headEnd type="none" w="med" len="med"/>
                       <a:tailEnd type="none" w="med" len="med"/>
                     </a:lnL>
-                    <a:lnR cmpd="sng" algn="ctr" cap="flat" w="38100">
+                    <a:lnR w="38100" cap="flat" cmpd="sng" algn="ctr">
                       <a:solidFill>
                         <a:srgbClr val="000000"/>
                       </a:solidFill>
@@ -5786,7 +6113,7 @@
                       <a:headEnd type="none" w="med" len="med"/>
                       <a:tailEnd type="none" w="med" len="med"/>
                     </a:lnR>
-                    <a:lnT cmpd="sng" algn="ctr" cap="flat" w="38100">
+                    <a:lnT w="38100" cap="flat" cmpd="sng" algn="ctr">
                       <a:solidFill>
                         <a:srgbClr val="000000"/>
                       </a:solidFill>
@@ -5795,7 +6122,7 @@
                       <a:headEnd type="none" w="med" len="med"/>
                       <a:tailEnd type="none" w="med" len="med"/>
                     </a:lnT>
-                    <a:lnB cmpd="sng" algn="ctr" cap="flat" w="38100">
+                    <a:lnB w="38100" cap="flat" cmpd="sng" algn="ctr">
                       <a:solidFill>
                         <a:srgbClr val="000000"/>
                       </a:solidFill>
@@ -5811,7 +6138,7 @@
                 </a:tc>
                 <a:tc>
                   <a:txBody>
-                    <a:bodyPr anchor="t" rtlCol="false"/>
+                    <a:bodyPr/>
                     <a:lstStyle/>
                     <a:p>
                       <a:pPr algn="ctr">
@@ -5833,7 +6160,7 @@
                     </a:p>
                   </a:txBody>
                   <a:tcPr marL="190500" marR="190500" marT="190500" marB="190500" anchor="ctr">
-                    <a:lnL cmpd="sng" algn="ctr" cap="flat" w="38100">
+                    <a:lnL w="38100" cap="flat" cmpd="sng" algn="ctr">
                       <a:solidFill>
                         <a:srgbClr val="000000"/>
                       </a:solidFill>
@@ -5842,7 +6169,7 @@
                       <a:headEnd type="none" w="med" len="med"/>
                       <a:tailEnd type="none" w="med" len="med"/>
                     </a:lnL>
-                    <a:lnR cmpd="sng" algn="ctr" cap="flat" w="38100">
+                    <a:lnR w="38100" cap="flat" cmpd="sng" algn="ctr">
                       <a:solidFill>
                         <a:srgbClr val="000000"/>
                       </a:solidFill>
@@ -5851,7 +6178,7 @@
                       <a:headEnd type="none" w="med" len="med"/>
                       <a:tailEnd type="none" w="med" len="med"/>
                     </a:lnR>
-                    <a:lnT cmpd="sng" algn="ctr" cap="flat" w="38100">
+                    <a:lnT w="38100" cap="flat" cmpd="sng" algn="ctr">
                       <a:solidFill>
                         <a:srgbClr val="000000"/>
                       </a:solidFill>
@@ -5860,7 +6187,7 @@
                       <a:headEnd type="none" w="med" len="med"/>
                       <a:tailEnd type="none" w="med" len="med"/>
                     </a:lnT>
-                    <a:lnB cmpd="sng" algn="ctr" cap="flat" w="38100">
+                    <a:lnB w="38100" cap="flat" cmpd="sng" algn="ctr">
                       <a:solidFill>
                         <a:srgbClr val="000000"/>
                       </a:solidFill>
@@ -5876,7 +6203,7 @@
                 </a:tc>
                 <a:tc>
                   <a:txBody>
-                    <a:bodyPr anchor="t" rtlCol="false"/>
+                    <a:bodyPr/>
                     <a:lstStyle/>
                     <a:p>
                       <a:pPr algn="ctr">
@@ -5886,7 +6213,7 @@
                         <a:defRPr/>
                       </a:pPr>
                       <a:r>
-                        <a:rPr lang="en-US" sz="3000">
+                        <a:rPr lang="en-US" sz="3000" dirty="0">
                           <a:solidFill>
                             <a:srgbClr val="000000"/>
                           </a:solidFill>
@@ -5894,11 +6221,11 @@
                         </a:rPr>
                         <a:t>Nan</a:t>
                       </a:r>
-                      <a:endParaRPr lang="en-US" sz="1100"/>
+                      <a:endParaRPr lang="en-US" sz="1100" dirty="0"/>
                     </a:p>
                   </a:txBody>
                   <a:tcPr marL="190500" marR="190500" marT="190500" marB="190500" anchor="ctr">
-                    <a:lnL cmpd="sng" algn="ctr" cap="flat" w="38100">
+                    <a:lnL w="38100" cap="flat" cmpd="sng" algn="ctr">
                       <a:solidFill>
                         <a:srgbClr val="000000"/>
                       </a:solidFill>
@@ -5907,7 +6234,7 @@
                       <a:headEnd type="none" w="med" len="med"/>
                       <a:tailEnd type="none" w="med" len="med"/>
                     </a:lnL>
-                    <a:lnR cmpd="sng" algn="ctr" cap="flat" w="38100">
+                    <a:lnR w="38100" cap="flat" cmpd="sng" algn="ctr">
                       <a:solidFill>
                         <a:srgbClr val="000000"/>
                       </a:solidFill>
@@ -5916,7 +6243,7 @@
                       <a:headEnd type="none" w="med" len="med"/>
                       <a:tailEnd type="none" w="med" len="med"/>
                     </a:lnR>
-                    <a:lnT cmpd="sng" algn="ctr" cap="flat" w="38100">
+                    <a:lnT w="38100" cap="flat" cmpd="sng" algn="ctr">
                       <a:solidFill>
                         <a:srgbClr val="000000"/>
                       </a:solidFill>
@@ -5925,7 +6252,7 @@
                       <a:headEnd type="none" w="med" len="med"/>
                       <a:tailEnd type="none" w="med" len="med"/>
                     </a:lnT>
-                    <a:lnB cmpd="sng" algn="ctr" cap="flat" w="38100">
+                    <a:lnB w="38100" cap="flat" cmpd="sng" algn="ctr">
                       <a:solidFill>
                         <a:srgbClr val="000000"/>
                       </a:solidFill>
@@ -5939,6 +6266,11 @@
                     </a:solidFill>
                   </a:tcPr>
                 </a:tc>
+                <a:extLst>
+                  <a:ext uri="{0D108BD9-81ED-4DB2-BD59-A6C34878D82A}">
+                    <a16:rowId xmlns:a16="http://schemas.microsoft.com/office/drawing/2014/main" val="10002"/>
+                  </a:ext>
+                </a:extLst>
               </a:tr>
             </a:tbl>
           </a:graphicData>
@@ -5946,12 +6278,12 @@
       </p:graphicFrame>
       <p:sp>
         <p:nvSpPr>
-          <p:cNvPr name="TextBox 4" id="4"/>
-          <p:cNvSpPr txBox="true"/>
+          <p:cNvPr id="4" name="TextBox 4"/>
+          <p:cNvSpPr txBox="1"/>
           <p:nvPr/>
         </p:nvSpPr>
         <p:spPr>
-          <a:xfrm rot="0">
+          <a:xfrm>
             <a:off x="1711603" y="2507012"/>
             <a:ext cx="9492694" cy="1371600"/>
           </a:xfrm>
@@ -5960,12 +6292,12 @@
           </a:prstGeom>
         </p:spPr>
         <p:txBody>
-          <a:bodyPr anchor="t" rtlCol="false" tIns="0" lIns="0" bIns="0" rIns="0">
+          <a:bodyPr lIns="0" tIns="0" rIns="0" bIns="0" rtlCol="0" anchor="t">
             <a:spAutoFit/>
           </a:bodyPr>
           <a:lstStyle/>
           <a:p>
-            <a:pPr marL="0" indent="0" lvl="0">
+            <a:pPr marL="0" lvl="0" indent="0">
               <a:lnSpc>
                 <a:spcPts val="10800"/>
               </a:lnSpc>
@@ -5984,12 +6316,12 @@
       </p:sp>
       <p:sp>
         <p:nvSpPr>
-          <p:cNvPr name="TextBox 5" id="5"/>
-          <p:cNvSpPr txBox="true"/>
+          <p:cNvPr id="5" name="TextBox 5"/>
+          <p:cNvSpPr txBox="1"/>
           <p:nvPr/>
         </p:nvSpPr>
         <p:spPr>
-          <a:xfrm rot="0">
+          <a:xfrm>
             <a:off x="1490376" y="4354862"/>
             <a:ext cx="9492694" cy="1047750"/>
           </a:xfrm>
@@ -5998,7 +6330,7 @@
           </a:prstGeom>
         </p:spPr>
         <p:txBody>
-          <a:bodyPr anchor="t" rtlCol="false" tIns="0" lIns="0" bIns="0" rIns="0">
+          <a:bodyPr lIns="0" tIns="0" rIns="0" bIns="0" rtlCol="0" anchor="t">
             <a:spAutoFit/>
           </a:bodyPr>
           <a:lstStyle/>
@@ -6032,7 +6364,7 @@
 </file>
 
 <file path=ppt/slides/slide6.xml><?xml version="1.0" encoding="utf-8"?>
-<p:sld xmlns:p="http://schemas.openxmlformats.org/presentationml/2006/main" xmlns:a="http://schemas.openxmlformats.org/drawingml/2006/main">
+<p:sld xmlns:a="http://schemas.openxmlformats.org/drawingml/2006/main" xmlns:r="http://schemas.openxmlformats.org/officeDocument/2006/relationships" xmlns:p="http://schemas.openxmlformats.org/presentationml/2006/main">
   <p:cSld>
     <p:spTree>
       <p:nvGrpSpPr>
@@ -6050,12 +6382,12 @@
       </p:grpSpPr>
       <p:sp>
         <p:nvSpPr>
-          <p:cNvPr name="AutoShape 2" id="2"/>
+          <p:cNvPr id="2" name="AutoShape 2"/>
           <p:cNvSpPr/>
           <p:nvPr/>
         </p:nvSpPr>
         <p:spPr>
-          <a:xfrm rot="0">
+          <a:xfrm>
             <a:off x="1711603" y="1912588"/>
             <a:ext cx="1104900" cy="57150"/>
           </a:xfrm>
@@ -6066,32 +6398,57 @@
             <a:srgbClr val="F4806B"/>
           </a:solidFill>
         </p:spPr>
+        <p:txBody>
+          <a:bodyPr/>
+          <a:lstStyle/>
+          <a:p>
+            <a:endParaRPr lang="es-MX"/>
+          </a:p>
+        </p:txBody>
       </p:sp>
       <p:graphicFrame>
         <p:nvGraphicFramePr>
-          <p:cNvPr name="Table 3" id="3"/>
+          <p:cNvPr id="3" name="Table 3"/>
           <p:cNvGraphicFramePr>
-            <a:graphicFrameLocks noGrp="true"/>
+            <a:graphicFrameLocks noGrp="1"/>
           </p:cNvGraphicFramePr>
           <p:nvPr/>
         </p:nvGraphicFramePr>
         <p:xfrm>
           <a:off x="10425683" y="2507012"/>
-          <a:ext cx="6882051" cy="4762500"/>
+          <a:ext cx="6882051" cy="4762501"/>
         </p:xfrm>
         <a:graphic>
           <a:graphicData uri="http://schemas.openxmlformats.org/drawingml/2006/table">
             <a:tbl>
               <a:tblPr/>
               <a:tblGrid>
-                <a:gridCol w="1566965"/>
-                <a:gridCol w="2657543"/>
-                <a:gridCol w="2657543"/>
+                <a:gridCol w="1566965">
+                  <a:extLst>
+                    <a:ext uri="{9D8B030D-6E8A-4147-A177-3AD203B41FA5}">
+                      <a16:colId xmlns:a16="http://schemas.microsoft.com/office/drawing/2014/main" val="20000"/>
+                    </a:ext>
+                  </a:extLst>
+                </a:gridCol>
+                <a:gridCol w="2657543">
+                  <a:extLst>
+                    <a:ext uri="{9D8B030D-6E8A-4147-A177-3AD203B41FA5}">
+                      <a16:colId xmlns:a16="http://schemas.microsoft.com/office/drawing/2014/main" val="20001"/>
+                    </a:ext>
+                  </a:extLst>
+                </a:gridCol>
+                <a:gridCol w="2657543">
+                  <a:extLst>
+                    <a:ext uri="{9D8B030D-6E8A-4147-A177-3AD203B41FA5}">
+                      <a16:colId xmlns:a16="http://schemas.microsoft.com/office/drawing/2014/main" val="20002"/>
+                    </a:ext>
+                  </a:extLst>
+                </a:gridCol>
               </a:tblGrid>
               <a:tr h="1593901">
                 <a:tc>
                   <a:txBody>
-                    <a:bodyPr anchor="t" rtlCol="false"/>
+                    <a:bodyPr/>
                     <a:lstStyle/>
                     <a:p>
                       <a:pPr algn="ctr">
@@ -6113,7 +6470,7 @@
                     </a:p>
                   </a:txBody>
                   <a:tcPr marL="190500" marR="190500" marT="190500" marB="190500" anchor="ctr">
-                    <a:lnL cmpd="sng" algn="ctr" cap="flat" w="38100">
+                    <a:lnL w="38100" cap="flat" cmpd="sng" algn="ctr">
                       <a:solidFill>
                         <a:srgbClr val="000000"/>
                       </a:solidFill>
@@ -6122,7 +6479,7 @@
                       <a:headEnd type="none" w="med" len="med"/>
                       <a:tailEnd type="none" w="med" len="med"/>
                     </a:lnL>
-                    <a:lnR cmpd="sng" algn="ctr" cap="flat" w="38100">
+                    <a:lnR w="38100" cap="flat" cmpd="sng" algn="ctr">
                       <a:solidFill>
                         <a:srgbClr val="000000"/>
                       </a:solidFill>
@@ -6131,7 +6488,7 @@
                       <a:headEnd type="none" w="med" len="med"/>
                       <a:tailEnd type="none" w="med" len="med"/>
                     </a:lnR>
-                    <a:lnT cmpd="sng" algn="ctr" cap="flat" w="38100">
+                    <a:lnT w="38100" cap="flat" cmpd="sng" algn="ctr">
                       <a:solidFill>
                         <a:srgbClr val="000000"/>
                       </a:solidFill>
@@ -6140,7 +6497,7 @@
                       <a:headEnd type="none" w="med" len="med"/>
                       <a:tailEnd type="none" w="med" len="med"/>
                     </a:lnT>
-                    <a:lnB cmpd="sng" algn="ctr" cap="flat" w="38100">
+                    <a:lnB w="38100" cap="flat" cmpd="sng" algn="ctr">
                       <a:solidFill>
                         <a:srgbClr val="000000"/>
                       </a:solidFill>
@@ -6156,7 +6513,7 @@
                 </a:tc>
                 <a:tc>
                   <a:txBody>
-                    <a:bodyPr anchor="t" rtlCol="false"/>
+                    <a:bodyPr/>
                     <a:lstStyle/>
                     <a:p>
                       <a:pPr algn="ctr">
@@ -6178,7 +6535,7 @@
                     </a:p>
                   </a:txBody>
                   <a:tcPr marL="190500" marR="190500" marT="190500" marB="190500" anchor="ctr">
-                    <a:lnL cmpd="sng" algn="ctr" cap="flat" w="38100">
+                    <a:lnL w="38100" cap="flat" cmpd="sng" algn="ctr">
                       <a:solidFill>
                         <a:srgbClr val="000000"/>
                       </a:solidFill>
@@ -6187,7 +6544,7 @@
                       <a:headEnd type="none" w="med" len="med"/>
                       <a:tailEnd type="none" w="med" len="med"/>
                     </a:lnL>
-                    <a:lnR cmpd="sng" algn="ctr" cap="flat" w="38100">
+                    <a:lnR w="38100" cap="flat" cmpd="sng" algn="ctr">
                       <a:solidFill>
                         <a:srgbClr val="000000"/>
                       </a:solidFill>
@@ -6196,7 +6553,7 @@
                       <a:headEnd type="none" w="med" len="med"/>
                       <a:tailEnd type="none" w="med" len="med"/>
                     </a:lnR>
-                    <a:lnT cmpd="sng" algn="ctr" cap="flat" w="38100">
+                    <a:lnT w="38100" cap="flat" cmpd="sng" algn="ctr">
                       <a:solidFill>
                         <a:srgbClr val="000000"/>
                       </a:solidFill>
@@ -6205,7 +6562,7 @@
                       <a:headEnd type="none" w="med" len="med"/>
                       <a:tailEnd type="none" w="med" len="med"/>
                     </a:lnT>
-                    <a:lnB cmpd="sng" algn="ctr" cap="flat" w="38100">
+                    <a:lnB w="38100" cap="flat" cmpd="sng" algn="ctr">
                       <a:solidFill>
                         <a:srgbClr val="000000"/>
                       </a:solidFill>
@@ -6221,7 +6578,7 @@
                 </a:tc>
                 <a:tc>
                   <a:txBody>
-                    <a:bodyPr anchor="t" rtlCol="false"/>
+                    <a:bodyPr/>
                     <a:lstStyle/>
                     <a:p>
                       <a:pPr algn="ctr">
@@ -6259,7 +6616,7 @@
                     </a:p>
                   </a:txBody>
                   <a:tcPr marL="190500" marR="190500" marT="190500" marB="190500" anchor="ctr">
-                    <a:lnL cmpd="sng" algn="ctr" cap="flat" w="38100">
+                    <a:lnL w="38100" cap="flat" cmpd="sng" algn="ctr">
                       <a:solidFill>
                         <a:srgbClr val="000000"/>
                       </a:solidFill>
@@ -6268,7 +6625,7 @@
                       <a:headEnd type="none" w="med" len="med"/>
                       <a:tailEnd type="none" w="med" len="med"/>
                     </a:lnL>
-                    <a:lnR cmpd="sng" algn="ctr" cap="flat" w="38100">
+                    <a:lnR w="38100" cap="flat" cmpd="sng" algn="ctr">
                       <a:solidFill>
                         <a:srgbClr val="000000"/>
                       </a:solidFill>
@@ -6277,7 +6634,7 @@
                       <a:headEnd type="none" w="med" len="med"/>
                       <a:tailEnd type="none" w="med" len="med"/>
                     </a:lnR>
-                    <a:lnT cmpd="sng" algn="ctr" cap="flat" w="38100">
+                    <a:lnT w="38100" cap="flat" cmpd="sng" algn="ctr">
                       <a:solidFill>
                         <a:srgbClr val="000000"/>
                       </a:solidFill>
@@ -6286,7 +6643,7 @@
                       <a:headEnd type="none" w="med" len="med"/>
                       <a:tailEnd type="none" w="med" len="med"/>
                     </a:lnT>
-                    <a:lnB cmpd="sng" algn="ctr" cap="flat" w="38100">
+                    <a:lnB w="38100" cap="flat" cmpd="sng" algn="ctr">
                       <a:solidFill>
                         <a:srgbClr val="000000"/>
                       </a:solidFill>
@@ -6300,11 +6657,16 @@
                     </a:solidFill>
                   </a:tcPr>
                 </a:tc>
+                <a:extLst>
+                  <a:ext uri="{0D108BD9-81ED-4DB2-BD59-A6C34878D82A}">
+                    <a16:rowId xmlns:a16="http://schemas.microsoft.com/office/drawing/2014/main" val="10000"/>
+                  </a:ext>
+                </a:extLst>
               </a:tr>
               <a:tr h="1056200">
                 <a:tc>
                   <a:txBody>
-                    <a:bodyPr anchor="t" rtlCol="false"/>
+                    <a:bodyPr/>
                     <a:lstStyle/>
                     <a:p>
                       <a:pPr algn="ctr">
@@ -6326,7 +6688,7 @@
                     </a:p>
                   </a:txBody>
                   <a:tcPr marL="190500" marR="190500" marT="190500" marB="190500" anchor="ctr">
-                    <a:lnL cmpd="sng" algn="ctr" cap="flat" w="38100">
+                    <a:lnL w="38100" cap="flat" cmpd="sng" algn="ctr">
                       <a:solidFill>
                         <a:srgbClr val="000000"/>
                       </a:solidFill>
@@ -6335,7 +6697,7 @@
                       <a:headEnd type="none" w="med" len="med"/>
                       <a:tailEnd type="none" w="med" len="med"/>
                     </a:lnL>
-                    <a:lnR cmpd="sng" algn="ctr" cap="flat" w="38100">
+                    <a:lnR w="38100" cap="flat" cmpd="sng" algn="ctr">
                       <a:solidFill>
                         <a:srgbClr val="000000"/>
                       </a:solidFill>
@@ -6344,7 +6706,7 @@
                       <a:headEnd type="none" w="med" len="med"/>
                       <a:tailEnd type="none" w="med" len="med"/>
                     </a:lnR>
-                    <a:lnT cmpd="sng" algn="ctr" cap="flat" w="38100">
+                    <a:lnT w="38100" cap="flat" cmpd="sng" algn="ctr">
                       <a:solidFill>
                         <a:srgbClr val="000000"/>
                       </a:solidFill>
@@ -6353,7 +6715,7 @@
                       <a:headEnd type="none" w="med" len="med"/>
                       <a:tailEnd type="none" w="med" len="med"/>
                     </a:lnT>
-                    <a:lnB cmpd="sng" algn="ctr" cap="flat" w="38100">
+                    <a:lnB w="38100" cap="flat" cmpd="sng" algn="ctr">
                       <a:solidFill>
                         <a:srgbClr val="000000"/>
                       </a:solidFill>
@@ -6369,7 +6731,7 @@
                 </a:tc>
                 <a:tc>
                   <a:txBody>
-                    <a:bodyPr anchor="t" rtlCol="false"/>
+                    <a:bodyPr/>
                     <a:lstStyle/>
                     <a:p>
                       <a:pPr algn="ctr">
@@ -6391,7 +6753,7 @@
                     </a:p>
                   </a:txBody>
                   <a:tcPr marL="190500" marR="190500" marT="190500" marB="190500" anchor="ctr">
-                    <a:lnL cmpd="sng" algn="ctr" cap="flat" w="38100">
+                    <a:lnL w="38100" cap="flat" cmpd="sng" algn="ctr">
                       <a:solidFill>
                         <a:srgbClr val="000000"/>
                       </a:solidFill>
@@ -6400,7 +6762,7 @@
                       <a:headEnd type="none" w="med" len="med"/>
                       <a:tailEnd type="none" w="med" len="med"/>
                     </a:lnL>
-                    <a:lnR cmpd="sng" algn="ctr" cap="flat" w="38100">
+                    <a:lnR w="38100" cap="flat" cmpd="sng" algn="ctr">
                       <a:solidFill>
                         <a:srgbClr val="000000"/>
                       </a:solidFill>
@@ -6409,7 +6771,7 @@
                       <a:headEnd type="none" w="med" len="med"/>
                       <a:tailEnd type="none" w="med" len="med"/>
                     </a:lnR>
-                    <a:lnT cmpd="sng" algn="ctr" cap="flat" w="38100">
+                    <a:lnT w="38100" cap="flat" cmpd="sng" algn="ctr">
                       <a:solidFill>
                         <a:srgbClr val="000000"/>
                       </a:solidFill>
@@ -6418,7 +6780,7 @@
                       <a:headEnd type="none" w="med" len="med"/>
                       <a:tailEnd type="none" w="med" len="med"/>
                     </a:lnT>
-                    <a:lnB cmpd="sng" algn="ctr" cap="flat" w="38100">
+                    <a:lnB w="38100" cap="flat" cmpd="sng" algn="ctr">
                       <a:solidFill>
                         <a:srgbClr val="000000"/>
                       </a:solidFill>
@@ -6434,7 +6796,7 @@
                 </a:tc>
                 <a:tc>
                   <a:txBody>
-                    <a:bodyPr anchor="t" rtlCol="false"/>
+                    <a:bodyPr/>
                     <a:lstStyle/>
                     <a:p>
                       <a:pPr algn="ctr">
@@ -6456,7 +6818,7 @@
                     </a:p>
                   </a:txBody>
                   <a:tcPr marL="190500" marR="190500" marT="190500" marB="190500" anchor="ctr">
-                    <a:lnL cmpd="sng" algn="ctr" cap="flat" w="38100">
+                    <a:lnL w="38100" cap="flat" cmpd="sng" algn="ctr">
                       <a:solidFill>
                         <a:srgbClr val="000000"/>
                       </a:solidFill>
@@ -6465,7 +6827,7 @@
                       <a:headEnd type="none" w="med" len="med"/>
                       <a:tailEnd type="none" w="med" len="med"/>
                     </a:lnL>
-                    <a:lnR cmpd="sng" algn="ctr" cap="flat" w="38100">
+                    <a:lnR w="38100" cap="flat" cmpd="sng" algn="ctr">
                       <a:solidFill>
                         <a:srgbClr val="000000"/>
                       </a:solidFill>
@@ -6474,7 +6836,7 @@
                       <a:headEnd type="none" w="med" len="med"/>
                       <a:tailEnd type="none" w="med" len="med"/>
                     </a:lnR>
-                    <a:lnT cmpd="sng" algn="ctr" cap="flat" w="38100">
+                    <a:lnT w="38100" cap="flat" cmpd="sng" algn="ctr">
                       <a:solidFill>
                         <a:srgbClr val="000000"/>
                       </a:solidFill>
@@ -6483,7 +6845,7 @@
                       <a:headEnd type="none" w="med" len="med"/>
                       <a:tailEnd type="none" w="med" len="med"/>
                     </a:lnT>
-                    <a:lnB cmpd="sng" algn="ctr" cap="flat" w="38100">
+                    <a:lnB w="38100" cap="flat" cmpd="sng" algn="ctr">
                       <a:solidFill>
                         <a:srgbClr val="000000"/>
                       </a:solidFill>
@@ -6497,11 +6859,16 @@
                     </a:solidFill>
                   </a:tcPr>
                 </a:tc>
+                <a:extLst>
+                  <a:ext uri="{0D108BD9-81ED-4DB2-BD59-A6C34878D82A}">
+                    <a16:rowId xmlns:a16="http://schemas.microsoft.com/office/drawing/2014/main" val="10001"/>
+                  </a:ext>
+                </a:extLst>
               </a:tr>
               <a:tr h="1056200">
                 <a:tc>
                   <a:txBody>
-                    <a:bodyPr anchor="t" rtlCol="false"/>
+                    <a:bodyPr/>
                     <a:lstStyle/>
                     <a:p>
                       <a:pPr algn="ctr">
@@ -6523,7 +6890,7 @@
                     </a:p>
                   </a:txBody>
                   <a:tcPr marL="190500" marR="190500" marT="190500" marB="190500" anchor="ctr">
-                    <a:lnL cmpd="sng" algn="ctr" cap="flat" w="38100">
+                    <a:lnL w="38100" cap="flat" cmpd="sng" algn="ctr">
                       <a:solidFill>
                         <a:srgbClr val="000000"/>
                       </a:solidFill>
@@ -6532,7 +6899,7 @@
                       <a:headEnd type="none" w="med" len="med"/>
                       <a:tailEnd type="none" w="med" len="med"/>
                     </a:lnL>
-                    <a:lnR cmpd="sng" algn="ctr" cap="flat" w="38100">
+                    <a:lnR w="38100" cap="flat" cmpd="sng" algn="ctr">
                       <a:solidFill>
                         <a:srgbClr val="000000"/>
                       </a:solidFill>
@@ -6541,7 +6908,7 @@
                       <a:headEnd type="none" w="med" len="med"/>
                       <a:tailEnd type="none" w="med" len="med"/>
                     </a:lnR>
-                    <a:lnT cmpd="sng" algn="ctr" cap="flat" w="38100">
+                    <a:lnT w="38100" cap="flat" cmpd="sng" algn="ctr">
                       <a:solidFill>
                         <a:srgbClr val="000000"/>
                       </a:solidFill>
@@ -6550,7 +6917,7 @@
                       <a:headEnd type="none" w="med" len="med"/>
                       <a:tailEnd type="none" w="med" len="med"/>
                     </a:lnT>
-                    <a:lnB cmpd="sng" algn="ctr" cap="flat" w="38100">
+                    <a:lnB w="38100" cap="flat" cmpd="sng" algn="ctr">
                       <a:solidFill>
                         <a:srgbClr val="000000"/>
                       </a:solidFill>
@@ -6566,7 +6933,7 @@
                 </a:tc>
                 <a:tc>
                   <a:txBody>
-                    <a:bodyPr anchor="t" rtlCol="false"/>
+                    <a:bodyPr/>
                     <a:lstStyle/>
                     <a:p>
                       <a:pPr algn="ctr">
@@ -6588,7 +6955,7 @@
                     </a:p>
                   </a:txBody>
                   <a:tcPr marL="190500" marR="190500" marT="190500" marB="190500" anchor="ctr">
-                    <a:lnL cmpd="sng" algn="ctr" cap="flat" w="38100">
+                    <a:lnL w="38100" cap="flat" cmpd="sng" algn="ctr">
                       <a:solidFill>
                         <a:srgbClr val="000000"/>
                       </a:solidFill>
@@ -6597,7 +6964,7 @@
                       <a:headEnd type="none" w="med" len="med"/>
                       <a:tailEnd type="none" w="med" len="med"/>
                     </a:lnL>
-                    <a:lnR cmpd="sng" algn="ctr" cap="flat" w="38100">
+                    <a:lnR w="38100" cap="flat" cmpd="sng" algn="ctr">
                       <a:solidFill>
                         <a:srgbClr val="000000"/>
                       </a:solidFill>
@@ -6606,7 +6973,7 @@
                       <a:headEnd type="none" w="med" len="med"/>
                       <a:tailEnd type="none" w="med" len="med"/>
                     </a:lnR>
-                    <a:lnT cmpd="sng" algn="ctr" cap="flat" w="38100">
+                    <a:lnT w="38100" cap="flat" cmpd="sng" algn="ctr">
                       <a:solidFill>
                         <a:srgbClr val="000000"/>
                       </a:solidFill>
@@ -6615,7 +6982,7 @@
                       <a:headEnd type="none" w="med" len="med"/>
                       <a:tailEnd type="none" w="med" len="med"/>
                     </a:lnT>
-                    <a:lnB cmpd="sng" algn="ctr" cap="flat" w="38100">
+                    <a:lnB w="38100" cap="flat" cmpd="sng" algn="ctr">
                       <a:solidFill>
                         <a:srgbClr val="000000"/>
                       </a:solidFill>
@@ -6631,7 +6998,7 @@
                 </a:tc>
                 <a:tc>
                   <a:txBody>
-                    <a:bodyPr anchor="t" rtlCol="false"/>
+                    <a:bodyPr/>
                     <a:lstStyle/>
                     <a:p>
                       <a:pPr algn="ctr">
@@ -6653,7 +7020,7 @@
                     </a:p>
                   </a:txBody>
                   <a:tcPr marL="190500" marR="190500" marT="190500" marB="190500" anchor="ctr">
-                    <a:lnL cmpd="sng" algn="ctr" cap="flat" w="38100">
+                    <a:lnL w="38100" cap="flat" cmpd="sng" algn="ctr">
                       <a:solidFill>
                         <a:srgbClr val="000000"/>
                       </a:solidFill>
@@ -6662,7 +7029,7 @@
                       <a:headEnd type="none" w="med" len="med"/>
                       <a:tailEnd type="none" w="med" len="med"/>
                     </a:lnL>
-                    <a:lnR cmpd="sng" algn="ctr" cap="flat" w="38100">
+                    <a:lnR w="38100" cap="flat" cmpd="sng" algn="ctr">
                       <a:solidFill>
                         <a:srgbClr val="000000"/>
                       </a:solidFill>
@@ -6671,7 +7038,7 @@
                       <a:headEnd type="none" w="med" len="med"/>
                       <a:tailEnd type="none" w="med" len="med"/>
                     </a:lnR>
-                    <a:lnT cmpd="sng" algn="ctr" cap="flat" w="38100">
+                    <a:lnT w="38100" cap="flat" cmpd="sng" algn="ctr">
                       <a:solidFill>
                         <a:srgbClr val="000000"/>
                       </a:solidFill>
@@ -6680,7 +7047,7 @@
                       <a:headEnd type="none" w="med" len="med"/>
                       <a:tailEnd type="none" w="med" len="med"/>
                     </a:lnT>
-                    <a:lnB cmpd="sng" algn="ctr" cap="flat" w="38100">
+                    <a:lnB w="38100" cap="flat" cmpd="sng" algn="ctr">
                       <a:solidFill>
                         <a:srgbClr val="000000"/>
                       </a:solidFill>
@@ -6694,11 +7061,16 @@
                     </a:solidFill>
                   </a:tcPr>
                 </a:tc>
+                <a:extLst>
+                  <a:ext uri="{0D108BD9-81ED-4DB2-BD59-A6C34878D82A}">
+                    <a16:rowId xmlns:a16="http://schemas.microsoft.com/office/drawing/2014/main" val="10002"/>
+                  </a:ext>
+                </a:extLst>
               </a:tr>
               <a:tr h="1056200">
                 <a:tc>
                   <a:txBody>
-                    <a:bodyPr anchor="t" rtlCol="false"/>
+                    <a:bodyPr/>
                     <a:lstStyle/>
                     <a:p>
                       <a:pPr algn="ctr">
@@ -6720,7 +7092,7 @@
                     </a:p>
                   </a:txBody>
                   <a:tcPr marL="190500" marR="190500" marT="190500" marB="190500" anchor="ctr">
-                    <a:lnL cmpd="sng" algn="ctr" cap="flat" w="38100">
+                    <a:lnL w="38100" cap="flat" cmpd="sng" algn="ctr">
                       <a:solidFill>
                         <a:srgbClr val="000000"/>
                       </a:solidFill>
@@ -6729,7 +7101,7 @@
                       <a:headEnd type="none" w="med" len="med"/>
                       <a:tailEnd type="none" w="med" len="med"/>
                     </a:lnL>
-                    <a:lnR cmpd="sng" algn="ctr" cap="flat" w="38100">
+                    <a:lnR w="38100" cap="flat" cmpd="sng" algn="ctr">
                       <a:solidFill>
                         <a:srgbClr val="000000"/>
                       </a:solidFill>
@@ -6738,7 +7110,7 @@
                       <a:headEnd type="none" w="med" len="med"/>
                       <a:tailEnd type="none" w="med" len="med"/>
                     </a:lnR>
-                    <a:lnT cmpd="sng" algn="ctr" cap="flat" w="38100">
+                    <a:lnT w="38100" cap="flat" cmpd="sng" algn="ctr">
                       <a:solidFill>
                         <a:srgbClr val="000000"/>
                       </a:solidFill>
@@ -6747,7 +7119,7 @@
                       <a:headEnd type="none" w="med" len="med"/>
                       <a:tailEnd type="none" w="med" len="med"/>
                     </a:lnT>
-                    <a:lnB cmpd="sng" algn="ctr" cap="flat" w="38100">
+                    <a:lnB w="38100" cap="flat" cmpd="sng" algn="ctr">
                       <a:solidFill>
                         <a:srgbClr val="000000"/>
                       </a:solidFill>
@@ -6763,7 +7135,7 @@
                 </a:tc>
                 <a:tc>
                   <a:txBody>
-                    <a:bodyPr anchor="t" rtlCol="false"/>
+                    <a:bodyPr/>
                     <a:lstStyle/>
                     <a:p>
                       <a:pPr algn="ctr">
@@ -6785,7 +7157,7 @@
                     </a:p>
                   </a:txBody>
                   <a:tcPr marL="190500" marR="190500" marT="190500" marB="190500" anchor="ctr">
-                    <a:lnL cmpd="sng" algn="ctr" cap="flat" w="38100">
+                    <a:lnL w="38100" cap="flat" cmpd="sng" algn="ctr">
                       <a:solidFill>
                         <a:srgbClr val="000000"/>
                       </a:solidFill>
@@ -6794,7 +7166,7 @@
                       <a:headEnd type="none" w="med" len="med"/>
                       <a:tailEnd type="none" w="med" len="med"/>
                     </a:lnL>
-                    <a:lnR cmpd="sng" algn="ctr" cap="flat" w="38100">
+                    <a:lnR w="38100" cap="flat" cmpd="sng" algn="ctr">
                       <a:solidFill>
                         <a:srgbClr val="000000"/>
                       </a:solidFill>
@@ -6803,7 +7175,7 @@
                       <a:headEnd type="none" w="med" len="med"/>
                       <a:tailEnd type="none" w="med" len="med"/>
                     </a:lnR>
-                    <a:lnT cmpd="sng" algn="ctr" cap="flat" w="38100">
+                    <a:lnT w="38100" cap="flat" cmpd="sng" algn="ctr">
                       <a:solidFill>
                         <a:srgbClr val="000000"/>
                       </a:solidFill>
@@ -6812,7 +7184,7 @@
                       <a:headEnd type="none" w="med" len="med"/>
                       <a:tailEnd type="none" w="med" len="med"/>
                     </a:lnT>
-                    <a:lnB cmpd="sng" algn="ctr" cap="flat" w="38100">
+                    <a:lnB w="38100" cap="flat" cmpd="sng" algn="ctr">
                       <a:solidFill>
                         <a:srgbClr val="000000"/>
                       </a:solidFill>
@@ -6828,7 +7200,7 @@
                 </a:tc>
                 <a:tc>
                   <a:txBody>
-                    <a:bodyPr anchor="t" rtlCol="false"/>
+                    <a:bodyPr/>
                     <a:lstStyle/>
                     <a:p>
                       <a:pPr algn="ctr">
@@ -6850,7 +7222,7 @@
                     </a:p>
                   </a:txBody>
                   <a:tcPr marL="190500" marR="190500" marT="190500" marB="190500" anchor="ctr">
-                    <a:lnL cmpd="sng" algn="ctr" cap="flat" w="38100">
+                    <a:lnL w="38100" cap="flat" cmpd="sng" algn="ctr">
                       <a:solidFill>
                         <a:srgbClr val="000000"/>
                       </a:solidFill>
@@ -6859,7 +7231,7 @@
                       <a:headEnd type="none" w="med" len="med"/>
                       <a:tailEnd type="none" w="med" len="med"/>
                     </a:lnL>
-                    <a:lnR cmpd="sng" algn="ctr" cap="flat" w="38100">
+                    <a:lnR w="38100" cap="flat" cmpd="sng" algn="ctr">
                       <a:solidFill>
                         <a:srgbClr val="000000"/>
                       </a:solidFill>
@@ -6868,7 +7240,7 @@
                       <a:headEnd type="none" w="med" len="med"/>
                       <a:tailEnd type="none" w="med" len="med"/>
                     </a:lnR>
-                    <a:lnT cmpd="sng" algn="ctr" cap="flat" w="38100">
+                    <a:lnT w="38100" cap="flat" cmpd="sng" algn="ctr">
                       <a:solidFill>
                         <a:srgbClr val="000000"/>
                       </a:solidFill>
@@ -6877,7 +7249,7 @@
                       <a:headEnd type="none" w="med" len="med"/>
                       <a:tailEnd type="none" w="med" len="med"/>
                     </a:lnT>
-                    <a:lnB cmpd="sng" algn="ctr" cap="flat" w="38100">
+                    <a:lnB w="38100" cap="flat" cmpd="sng" algn="ctr">
                       <a:solidFill>
                         <a:srgbClr val="000000"/>
                       </a:solidFill>
@@ -6891,6 +7263,11 @@
                     </a:solidFill>
                   </a:tcPr>
                 </a:tc>
+                <a:extLst>
+                  <a:ext uri="{0D108BD9-81ED-4DB2-BD59-A6C34878D82A}">
+                    <a16:rowId xmlns:a16="http://schemas.microsoft.com/office/drawing/2014/main" val="10003"/>
+                  </a:ext>
+                </a:extLst>
               </a:tr>
             </a:tbl>
           </a:graphicData>
@@ -6898,12 +7275,12 @@
       </p:graphicFrame>
       <p:sp>
         <p:nvSpPr>
-          <p:cNvPr name="TextBox 4" id="4"/>
-          <p:cNvSpPr txBox="true"/>
+          <p:cNvPr id="4" name="TextBox 4"/>
+          <p:cNvSpPr txBox="1"/>
           <p:nvPr/>
         </p:nvSpPr>
         <p:spPr>
-          <a:xfrm rot="0">
+          <a:xfrm>
             <a:off x="1711603" y="2507012"/>
             <a:ext cx="9492694" cy="1371600"/>
           </a:xfrm>
@@ -6912,12 +7289,12 @@
           </a:prstGeom>
         </p:spPr>
         <p:txBody>
-          <a:bodyPr anchor="t" rtlCol="false" tIns="0" lIns="0" bIns="0" rIns="0">
+          <a:bodyPr lIns="0" tIns="0" rIns="0" bIns="0" rtlCol="0" anchor="t">
             <a:spAutoFit/>
           </a:bodyPr>
           <a:lstStyle/>
           <a:p>
-            <a:pPr marL="0" indent="0" lvl="0">
+            <a:pPr marL="0" lvl="0" indent="0">
               <a:lnSpc>
                 <a:spcPts val="10800"/>
               </a:lnSpc>
@@ -6936,12 +7313,12 @@
       </p:sp>
       <p:sp>
         <p:nvSpPr>
-          <p:cNvPr name="TextBox 5" id="5"/>
-          <p:cNvSpPr txBox="true"/>
+          <p:cNvPr id="5" name="TextBox 5"/>
+          <p:cNvSpPr txBox="1"/>
           <p:nvPr/>
         </p:nvSpPr>
         <p:spPr>
-          <a:xfrm rot="0">
+          <a:xfrm>
             <a:off x="1490376" y="4354862"/>
             <a:ext cx="8454542" cy="5314950"/>
           </a:xfrm>
@@ -6950,7 +7327,7 @@
           </a:prstGeom>
         </p:spPr>
         <p:txBody>
-          <a:bodyPr anchor="t" rtlCol="false" tIns="0" lIns="0" bIns="0" rIns="0">
+          <a:bodyPr lIns="0" tIns="0" rIns="0" bIns="0" rtlCol="0" anchor="t">
             <a:spAutoFit/>
           </a:bodyPr>
           <a:lstStyle/>
@@ -6976,6 +7353,12 @@
                 <a:spcPts val="4200"/>
               </a:lnSpc>
             </a:pPr>
+            <a:endParaRPr lang="en-US" sz="3000">
+              <a:solidFill>
+                <a:srgbClr val="2E2E2E"/>
+              </a:solidFill>
+              <a:latin typeface="Open Sans"/>
+            </a:endParaRPr>
           </a:p>
           <a:p>
             <a:pPr>
@@ -6999,6 +7382,12 @@
                 <a:spcPts val="4200"/>
               </a:lnSpc>
             </a:pPr>
+            <a:endParaRPr lang="en-US" sz="3000">
+              <a:solidFill>
+                <a:srgbClr val="2E2E2E"/>
+              </a:solidFill>
+              <a:latin typeface="Open Sans"/>
+            </a:endParaRPr>
           </a:p>
           <a:p>
             <a:pPr algn="l">
@@ -7030,7 +7419,7 @@
 </file>
 
 <file path=ppt/slides/slide7.xml><?xml version="1.0" encoding="utf-8"?>
-<p:sld xmlns:p="http://schemas.openxmlformats.org/presentationml/2006/main" xmlns:a="http://schemas.openxmlformats.org/drawingml/2006/main">
+<p:sld xmlns:a="http://schemas.openxmlformats.org/drawingml/2006/main" xmlns:r="http://schemas.openxmlformats.org/officeDocument/2006/relationships" xmlns:p="http://schemas.openxmlformats.org/presentationml/2006/main">
   <p:cSld>
     <p:spTree>
       <p:nvGrpSpPr>
@@ -7048,12 +7437,12 @@
       </p:grpSpPr>
       <p:sp>
         <p:nvSpPr>
-          <p:cNvPr name="AutoShape 2" id="2"/>
+          <p:cNvPr id="2" name="AutoShape 2"/>
           <p:cNvSpPr/>
           <p:nvPr/>
         </p:nvSpPr>
         <p:spPr>
-          <a:xfrm rot="0">
+          <a:xfrm>
             <a:off x="1711603" y="1912588"/>
             <a:ext cx="1104900" cy="57150"/>
           </a:xfrm>
@@ -7064,12 +7453,19 @@
             <a:srgbClr val="F4806B"/>
           </a:solidFill>
         </p:spPr>
+        <p:txBody>
+          <a:bodyPr/>
+          <a:lstStyle/>
+          <a:p>
+            <a:endParaRPr lang="es-MX"/>
+          </a:p>
+        </p:txBody>
       </p:sp>
       <p:graphicFrame>
         <p:nvGraphicFramePr>
-          <p:cNvPr name="Table 3" id="3"/>
+          <p:cNvPr id="3" name="Table 3"/>
           <p:cNvGraphicFramePr>
-            <a:graphicFrameLocks noGrp="true"/>
+            <a:graphicFrameLocks noGrp="1"/>
           </p:cNvGraphicFramePr>
           <p:nvPr/>
         </p:nvGraphicFramePr>
@@ -7082,15 +7478,39 @@
             <a:tbl>
               <a:tblPr/>
               <a:tblGrid>
-                <a:gridCol w="2196947"/>
-                <a:gridCol w="2654634"/>
-                <a:gridCol w="1571349"/>
-                <a:gridCol w="2145760"/>
+                <a:gridCol w="2196947">
+                  <a:extLst>
+                    <a:ext uri="{9D8B030D-6E8A-4147-A177-3AD203B41FA5}">
+                      <a16:colId xmlns:a16="http://schemas.microsoft.com/office/drawing/2014/main" val="20000"/>
+                    </a:ext>
+                  </a:extLst>
+                </a:gridCol>
+                <a:gridCol w="2654634">
+                  <a:extLst>
+                    <a:ext uri="{9D8B030D-6E8A-4147-A177-3AD203B41FA5}">
+                      <a16:colId xmlns:a16="http://schemas.microsoft.com/office/drawing/2014/main" val="20001"/>
+                    </a:ext>
+                  </a:extLst>
+                </a:gridCol>
+                <a:gridCol w="1571349">
+                  <a:extLst>
+                    <a:ext uri="{9D8B030D-6E8A-4147-A177-3AD203B41FA5}">
+                      <a16:colId xmlns:a16="http://schemas.microsoft.com/office/drawing/2014/main" val="20002"/>
+                    </a:ext>
+                  </a:extLst>
+                </a:gridCol>
+                <a:gridCol w="2145760">
+                  <a:extLst>
+                    <a:ext uri="{9D8B030D-6E8A-4147-A177-3AD203B41FA5}">
+                      <a16:colId xmlns:a16="http://schemas.microsoft.com/office/drawing/2014/main" val="20003"/>
+                    </a:ext>
+                  </a:extLst>
+                </a:gridCol>
               </a:tblGrid>
               <a:tr h="1055370">
                 <a:tc>
                   <a:txBody>
-                    <a:bodyPr anchor="t" rtlCol="false"/>
+                    <a:bodyPr/>
                     <a:lstStyle/>
                     <a:p>
                       <a:pPr algn="ctr">
@@ -7112,7 +7532,7 @@
                     </a:p>
                   </a:txBody>
                   <a:tcPr marL="190500" marR="190500" marT="190500" marB="190500" anchor="ctr">
-                    <a:lnL cmpd="sng" algn="ctr" cap="flat" w="38100">
+                    <a:lnL w="38100" cap="flat" cmpd="sng" algn="ctr">
                       <a:solidFill>
                         <a:srgbClr val="000000"/>
                       </a:solidFill>
@@ -7121,7 +7541,7 @@
                       <a:headEnd type="none" w="med" len="med"/>
                       <a:tailEnd type="none" w="med" len="med"/>
                     </a:lnL>
-                    <a:lnR cmpd="sng" algn="ctr" cap="flat" w="38100">
+                    <a:lnR w="38100" cap="flat" cmpd="sng" algn="ctr">
                       <a:solidFill>
                         <a:srgbClr val="000000"/>
                       </a:solidFill>
@@ -7130,7 +7550,7 @@
                       <a:headEnd type="none" w="med" len="med"/>
                       <a:tailEnd type="none" w="med" len="med"/>
                     </a:lnR>
-                    <a:lnT cmpd="sng" algn="ctr" cap="flat" w="38100">
+                    <a:lnT w="38100" cap="flat" cmpd="sng" algn="ctr">
                       <a:solidFill>
                         <a:srgbClr val="000000"/>
                       </a:solidFill>
@@ -7139,7 +7559,7 @@
                       <a:headEnd type="none" w="med" len="med"/>
                       <a:tailEnd type="none" w="med" len="med"/>
                     </a:lnT>
-                    <a:lnB cmpd="sng" algn="ctr" cap="flat" w="38100">
+                    <a:lnB w="38100" cap="flat" cmpd="sng" algn="ctr">
                       <a:solidFill>
                         <a:srgbClr val="000000"/>
                       </a:solidFill>
@@ -7155,7 +7575,7 @@
                 </a:tc>
                 <a:tc>
                   <a:txBody>
-                    <a:bodyPr anchor="t" rtlCol="false"/>
+                    <a:bodyPr/>
                     <a:lstStyle/>
                     <a:p>
                       <a:pPr algn="ctr">
@@ -7177,7 +7597,7 @@
                     </a:p>
                   </a:txBody>
                   <a:tcPr marL="190500" marR="190500" marT="190500" marB="190500" anchor="ctr">
-                    <a:lnL cmpd="sng" algn="ctr" cap="flat" w="38100">
+                    <a:lnL w="38100" cap="flat" cmpd="sng" algn="ctr">
                       <a:solidFill>
                         <a:srgbClr val="000000"/>
                       </a:solidFill>
@@ -7186,7 +7606,7 @@
                       <a:headEnd type="none" w="med" len="med"/>
                       <a:tailEnd type="none" w="med" len="med"/>
                     </a:lnL>
-                    <a:lnR cmpd="sng" algn="ctr" cap="flat" w="38100">
+                    <a:lnR w="38100" cap="flat" cmpd="sng" algn="ctr">
                       <a:solidFill>
                         <a:srgbClr val="000000"/>
                       </a:solidFill>
@@ -7195,7 +7615,7 @@
                       <a:headEnd type="none" w="med" len="med"/>
                       <a:tailEnd type="none" w="med" len="med"/>
                     </a:lnR>
-                    <a:lnT cmpd="sng" algn="ctr" cap="flat" w="38100">
+                    <a:lnT w="38100" cap="flat" cmpd="sng" algn="ctr">
                       <a:solidFill>
                         <a:srgbClr val="000000"/>
                       </a:solidFill>
@@ -7204,7 +7624,7 @@
                       <a:headEnd type="none" w="med" len="med"/>
                       <a:tailEnd type="none" w="med" len="med"/>
                     </a:lnT>
-                    <a:lnB cmpd="sng" algn="ctr" cap="flat" w="38100">
+                    <a:lnB w="38100" cap="flat" cmpd="sng" algn="ctr">
                       <a:solidFill>
                         <a:srgbClr val="000000"/>
                       </a:solidFill>
@@ -7220,7 +7640,7 @@
                 </a:tc>
                 <a:tc>
                   <a:txBody>
-                    <a:bodyPr anchor="t" rtlCol="false"/>
+                    <a:bodyPr/>
                     <a:lstStyle/>
                     <a:p>
                       <a:pPr algn="ctr">
@@ -7242,7 +7662,7 @@
                     </a:p>
                   </a:txBody>
                   <a:tcPr marL="190500" marR="190500" marT="190500" marB="190500" anchor="ctr">
-                    <a:lnL cmpd="sng" algn="ctr" cap="flat" w="38100">
+                    <a:lnL w="38100" cap="flat" cmpd="sng" algn="ctr">
                       <a:solidFill>
                         <a:srgbClr val="000000"/>
                       </a:solidFill>
@@ -7251,7 +7671,7 @@
                       <a:headEnd type="none" w="med" len="med"/>
                       <a:tailEnd type="none" w="med" len="med"/>
                     </a:lnL>
-                    <a:lnR cmpd="sng" algn="ctr" cap="flat" w="38100">
+                    <a:lnR w="38100" cap="flat" cmpd="sng" algn="ctr">
                       <a:solidFill>
                         <a:srgbClr val="000000"/>
                       </a:solidFill>
@@ -7260,7 +7680,7 @@
                       <a:headEnd type="none" w="med" len="med"/>
                       <a:tailEnd type="none" w="med" len="med"/>
                     </a:lnR>
-                    <a:lnT cmpd="sng" algn="ctr" cap="flat" w="38100">
+                    <a:lnT w="38100" cap="flat" cmpd="sng" algn="ctr">
                       <a:solidFill>
                         <a:srgbClr val="000000"/>
                       </a:solidFill>
@@ -7269,7 +7689,7 @@
                       <a:headEnd type="none" w="med" len="med"/>
                       <a:tailEnd type="none" w="med" len="med"/>
                     </a:lnT>
-                    <a:lnB cmpd="sng" algn="ctr" cap="flat" w="38100">
+                    <a:lnB w="38100" cap="flat" cmpd="sng" algn="ctr">
                       <a:solidFill>
                         <a:srgbClr val="000000"/>
                       </a:solidFill>
@@ -7285,7 +7705,7 @@
                 </a:tc>
                 <a:tc>
                   <a:txBody>
-                    <a:bodyPr anchor="t" rtlCol="false"/>
+                    <a:bodyPr/>
                     <a:lstStyle/>
                     <a:p>
                       <a:pPr algn="ctr">
@@ -7307,7 +7727,7 @@
                     </a:p>
                   </a:txBody>
                   <a:tcPr marL="190500" marR="190500" marT="190500" marB="190500" anchor="ctr">
-                    <a:lnL cmpd="sng" algn="ctr" cap="flat" w="38100">
+                    <a:lnL w="38100" cap="flat" cmpd="sng" algn="ctr">
                       <a:solidFill>
                         <a:srgbClr val="000000"/>
                       </a:solidFill>
@@ -7316,7 +7736,7 @@
                       <a:headEnd type="none" w="med" len="med"/>
                       <a:tailEnd type="none" w="med" len="med"/>
                     </a:lnL>
-                    <a:lnR cmpd="sng" algn="ctr" cap="flat" w="38100">
+                    <a:lnR w="38100" cap="flat" cmpd="sng" algn="ctr">
                       <a:solidFill>
                         <a:srgbClr val="000000"/>
                       </a:solidFill>
@@ -7325,7 +7745,7 @@
                       <a:headEnd type="none" w="med" len="med"/>
                       <a:tailEnd type="none" w="med" len="med"/>
                     </a:lnR>
-                    <a:lnT cmpd="sng" algn="ctr" cap="flat" w="38100">
+                    <a:lnT w="38100" cap="flat" cmpd="sng" algn="ctr">
                       <a:solidFill>
                         <a:srgbClr val="000000"/>
                       </a:solidFill>
@@ -7334,7 +7754,7 @@
                       <a:headEnd type="none" w="med" len="med"/>
                       <a:tailEnd type="none" w="med" len="med"/>
                     </a:lnT>
-                    <a:lnB cmpd="sng" algn="ctr" cap="flat" w="38100">
+                    <a:lnB w="38100" cap="flat" cmpd="sng" algn="ctr">
                       <a:solidFill>
                         <a:srgbClr val="000000"/>
                       </a:solidFill>
@@ -7348,11 +7768,16 @@
                     </a:solidFill>
                   </a:tcPr>
                 </a:tc>
+                <a:extLst>
+                  <a:ext uri="{0D108BD9-81ED-4DB2-BD59-A6C34878D82A}">
+                    <a16:rowId xmlns:a16="http://schemas.microsoft.com/office/drawing/2014/main" val="10000"/>
+                  </a:ext>
+                </a:extLst>
               </a:tr>
               <a:tr h="1055370">
                 <a:tc>
                   <a:txBody>
-                    <a:bodyPr anchor="t" rtlCol="false"/>
+                    <a:bodyPr/>
                     <a:lstStyle/>
                     <a:p>
                       <a:pPr algn="ctr">
@@ -7374,7 +7799,7 @@
                     </a:p>
                   </a:txBody>
                   <a:tcPr marL="190500" marR="190500" marT="190500" marB="190500" anchor="ctr">
-                    <a:lnL cmpd="sng" algn="ctr" cap="flat" w="38100">
+                    <a:lnL w="38100" cap="flat" cmpd="sng" algn="ctr">
                       <a:solidFill>
                         <a:srgbClr val="000000"/>
                       </a:solidFill>
@@ -7383,7 +7808,7 @@
                       <a:headEnd type="none" w="med" len="med"/>
                       <a:tailEnd type="none" w="med" len="med"/>
                     </a:lnL>
-                    <a:lnR cmpd="sng" algn="ctr" cap="flat" w="38100">
+                    <a:lnR w="38100" cap="flat" cmpd="sng" algn="ctr">
                       <a:solidFill>
                         <a:srgbClr val="000000"/>
                       </a:solidFill>
@@ -7392,7 +7817,7 @@
                       <a:headEnd type="none" w="med" len="med"/>
                       <a:tailEnd type="none" w="med" len="med"/>
                     </a:lnR>
-                    <a:lnT cmpd="sng" algn="ctr" cap="flat" w="38100">
+                    <a:lnT w="38100" cap="flat" cmpd="sng" algn="ctr">
                       <a:solidFill>
                         <a:srgbClr val="000000"/>
                       </a:solidFill>
@@ -7401,7 +7826,7 @@
                       <a:headEnd type="none" w="med" len="med"/>
                       <a:tailEnd type="none" w="med" len="med"/>
                     </a:lnT>
-                    <a:lnB cmpd="sng" algn="ctr" cap="flat" w="38100">
+                    <a:lnB w="38100" cap="flat" cmpd="sng" algn="ctr">
                       <a:solidFill>
                         <a:srgbClr val="000000"/>
                       </a:solidFill>
@@ -7417,7 +7842,7 @@
                 </a:tc>
                 <a:tc>
                   <a:txBody>
-                    <a:bodyPr anchor="t" rtlCol="false"/>
+                    <a:bodyPr/>
                     <a:lstStyle/>
                     <a:p>
                       <a:pPr algn="ctr">
@@ -7439,7 +7864,7 @@
                     </a:p>
                   </a:txBody>
                   <a:tcPr marL="190500" marR="190500" marT="190500" marB="190500" anchor="ctr">
-                    <a:lnL cmpd="sng" algn="ctr" cap="flat" w="38100">
+                    <a:lnL w="38100" cap="flat" cmpd="sng" algn="ctr">
                       <a:solidFill>
                         <a:srgbClr val="000000"/>
                       </a:solidFill>
@@ -7448,7 +7873,7 @@
                       <a:headEnd type="none" w="med" len="med"/>
                       <a:tailEnd type="none" w="med" len="med"/>
                     </a:lnL>
-                    <a:lnR cmpd="sng" algn="ctr" cap="flat" w="38100">
+                    <a:lnR w="38100" cap="flat" cmpd="sng" algn="ctr">
                       <a:solidFill>
                         <a:srgbClr val="000000"/>
                       </a:solidFill>
@@ -7457,7 +7882,7 @@
                       <a:headEnd type="none" w="med" len="med"/>
                       <a:tailEnd type="none" w="med" len="med"/>
                     </a:lnR>
-                    <a:lnT cmpd="sng" algn="ctr" cap="flat" w="38100">
+                    <a:lnT w="38100" cap="flat" cmpd="sng" algn="ctr">
                       <a:solidFill>
                         <a:srgbClr val="000000"/>
                       </a:solidFill>
@@ -7466,7 +7891,7 @@
                       <a:headEnd type="none" w="med" len="med"/>
                       <a:tailEnd type="none" w="med" len="med"/>
                     </a:lnT>
-                    <a:lnB cmpd="sng" algn="ctr" cap="flat" w="38100">
+                    <a:lnB w="38100" cap="flat" cmpd="sng" algn="ctr">
                       <a:solidFill>
                         <a:srgbClr val="000000"/>
                       </a:solidFill>
@@ -7482,7 +7907,7 @@
                 </a:tc>
                 <a:tc>
                   <a:txBody>
-                    <a:bodyPr anchor="t" rtlCol="false"/>
+                    <a:bodyPr/>
                     <a:lstStyle/>
                     <a:p>
                       <a:pPr algn="ctr">
@@ -7504,7 +7929,7 @@
                     </a:p>
                   </a:txBody>
                   <a:tcPr marL="190500" marR="190500" marT="190500" marB="190500" anchor="ctr">
-                    <a:lnL cmpd="sng" algn="ctr" cap="flat" w="38100">
+                    <a:lnL w="38100" cap="flat" cmpd="sng" algn="ctr">
                       <a:solidFill>
                         <a:srgbClr val="000000"/>
                       </a:solidFill>
@@ -7513,7 +7938,7 @@
                       <a:headEnd type="none" w="med" len="med"/>
                       <a:tailEnd type="none" w="med" len="med"/>
                     </a:lnL>
-                    <a:lnR cmpd="sng" algn="ctr" cap="flat" w="38100">
+                    <a:lnR w="38100" cap="flat" cmpd="sng" algn="ctr">
                       <a:solidFill>
                         <a:srgbClr val="000000"/>
                       </a:solidFill>
@@ -7522,7 +7947,7 @@
                       <a:headEnd type="none" w="med" len="med"/>
                       <a:tailEnd type="none" w="med" len="med"/>
                     </a:lnR>
-                    <a:lnT cmpd="sng" algn="ctr" cap="flat" w="38100">
+                    <a:lnT w="38100" cap="flat" cmpd="sng" algn="ctr">
                       <a:solidFill>
                         <a:srgbClr val="000000"/>
                       </a:solidFill>
@@ -7531,7 +7956,7 @@
                       <a:headEnd type="none" w="med" len="med"/>
                       <a:tailEnd type="none" w="med" len="med"/>
                     </a:lnT>
-                    <a:lnB cmpd="sng" algn="ctr" cap="flat" w="38100">
+                    <a:lnB w="38100" cap="flat" cmpd="sng" algn="ctr">
                       <a:solidFill>
                         <a:srgbClr val="000000"/>
                       </a:solidFill>
@@ -7547,7 +7972,7 @@
                 </a:tc>
                 <a:tc>
                   <a:txBody>
-                    <a:bodyPr anchor="t" rtlCol="false"/>
+                    <a:bodyPr/>
                     <a:lstStyle/>
                     <a:p>
                       <a:pPr algn="ctr">
@@ -7569,7 +7994,7 @@
                     </a:p>
                   </a:txBody>
                   <a:tcPr marL="190500" marR="190500" marT="190500" marB="190500" anchor="ctr">
-                    <a:lnL cmpd="sng" algn="ctr" cap="flat" w="38100">
+                    <a:lnL w="38100" cap="flat" cmpd="sng" algn="ctr">
                       <a:solidFill>
                         <a:srgbClr val="000000"/>
                       </a:solidFill>
@@ -7578,7 +8003,7 @@
                       <a:headEnd type="none" w="med" len="med"/>
                       <a:tailEnd type="none" w="med" len="med"/>
                     </a:lnL>
-                    <a:lnR cmpd="sng" algn="ctr" cap="flat" w="38100">
+                    <a:lnR w="38100" cap="flat" cmpd="sng" algn="ctr">
                       <a:solidFill>
                         <a:srgbClr val="000000"/>
                       </a:solidFill>
@@ -7587,7 +8012,7 @@
                       <a:headEnd type="none" w="med" len="med"/>
                       <a:tailEnd type="none" w="med" len="med"/>
                     </a:lnR>
-                    <a:lnT cmpd="sng" algn="ctr" cap="flat" w="38100">
+                    <a:lnT w="38100" cap="flat" cmpd="sng" algn="ctr">
                       <a:solidFill>
                         <a:srgbClr val="000000"/>
                       </a:solidFill>
@@ -7596,7 +8021,7 @@
                       <a:headEnd type="none" w="med" len="med"/>
                       <a:tailEnd type="none" w="med" len="med"/>
                     </a:lnT>
-                    <a:lnB cmpd="sng" algn="ctr" cap="flat" w="38100">
+                    <a:lnB w="38100" cap="flat" cmpd="sng" algn="ctr">
                       <a:solidFill>
                         <a:srgbClr val="000000"/>
                       </a:solidFill>
@@ -7610,11 +8035,16 @@
                     </a:solidFill>
                   </a:tcPr>
                 </a:tc>
+                <a:extLst>
+                  <a:ext uri="{0D108BD9-81ED-4DB2-BD59-A6C34878D82A}">
+                    <a16:rowId xmlns:a16="http://schemas.microsoft.com/office/drawing/2014/main" val="10001"/>
+                  </a:ext>
+                </a:extLst>
               </a:tr>
               <a:tr h="1055370">
                 <a:tc>
                   <a:txBody>
-                    <a:bodyPr anchor="t" rtlCol="false"/>
+                    <a:bodyPr/>
                     <a:lstStyle/>
                     <a:p>
                       <a:pPr algn="ctr">
@@ -7636,7 +8066,7 @@
                     </a:p>
                   </a:txBody>
                   <a:tcPr marL="190500" marR="190500" marT="190500" marB="190500" anchor="ctr">
-                    <a:lnL cmpd="sng" algn="ctr" cap="flat" w="38100">
+                    <a:lnL w="38100" cap="flat" cmpd="sng" algn="ctr">
                       <a:solidFill>
                         <a:srgbClr val="000000"/>
                       </a:solidFill>
@@ -7645,7 +8075,7 @@
                       <a:headEnd type="none" w="med" len="med"/>
                       <a:tailEnd type="none" w="med" len="med"/>
                     </a:lnL>
-                    <a:lnR cmpd="sng" algn="ctr" cap="flat" w="38100">
+                    <a:lnR w="38100" cap="flat" cmpd="sng" algn="ctr">
                       <a:solidFill>
                         <a:srgbClr val="000000"/>
                       </a:solidFill>
@@ -7654,7 +8084,7 @@
                       <a:headEnd type="none" w="med" len="med"/>
                       <a:tailEnd type="none" w="med" len="med"/>
                     </a:lnR>
-                    <a:lnT cmpd="sng" algn="ctr" cap="flat" w="38100">
+                    <a:lnT w="38100" cap="flat" cmpd="sng" algn="ctr">
                       <a:solidFill>
                         <a:srgbClr val="000000"/>
                       </a:solidFill>
@@ -7663,7 +8093,7 @@
                       <a:headEnd type="none" w="med" len="med"/>
                       <a:tailEnd type="none" w="med" len="med"/>
                     </a:lnT>
-                    <a:lnB cmpd="sng" algn="ctr" cap="flat" w="38100">
+                    <a:lnB w="38100" cap="flat" cmpd="sng" algn="ctr">
                       <a:solidFill>
                         <a:srgbClr val="000000"/>
                       </a:solidFill>
@@ -7679,7 +8109,7 @@
                 </a:tc>
                 <a:tc>
                   <a:txBody>
-                    <a:bodyPr anchor="t" rtlCol="false"/>
+                    <a:bodyPr/>
                     <a:lstStyle/>
                     <a:p>
                       <a:pPr algn="ctr">
@@ -7701,7 +8131,7 @@
                     </a:p>
                   </a:txBody>
                   <a:tcPr marL="190500" marR="190500" marT="190500" marB="190500" anchor="ctr">
-                    <a:lnL cmpd="sng" algn="ctr" cap="flat" w="38100">
+                    <a:lnL w="38100" cap="flat" cmpd="sng" algn="ctr">
                       <a:solidFill>
                         <a:srgbClr val="000000"/>
                       </a:solidFill>
@@ -7710,7 +8140,7 @@
                       <a:headEnd type="none" w="med" len="med"/>
                       <a:tailEnd type="none" w="med" len="med"/>
                     </a:lnL>
-                    <a:lnR cmpd="sng" algn="ctr" cap="flat" w="38100">
+                    <a:lnR w="38100" cap="flat" cmpd="sng" algn="ctr">
                       <a:solidFill>
                         <a:srgbClr val="000000"/>
                       </a:solidFill>
@@ -7719,7 +8149,7 @@
                       <a:headEnd type="none" w="med" len="med"/>
                       <a:tailEnd type="none" w="med" len="med"/>
                     </a:lnR>
-                    <a:lnT cmpd="sng" algn="ctr" cap="flat" w="38100">
+                    <a:lnT w="38100" cap="flat" cmpd="sng" algn="ctr">
                       <a:solidFill>
                         <a:srgbClr val="000000"/>
                       </a:solidFill>
@@ -7728,7 +8158,7 @@
                       <a:headEnd type="none" w="med" len="med"/>
                       <a:tailEnd type="none" w="med" len="med"/>
                     </a:lnT>
-                    <a:lnB cmpd="sng" algn="ctr" cap="flat" w="38100">
+                    <a:lnB w="38100" cap="flat" cmpd="sng" algn="ctr">
                       <a:solidFill>
                         <a:srgbClr val="000000"/>
                       </a:solidFill>
@@ -7744,7 +8174,7 @@
                 </a:tc>
                 <a:tc>
                   <a:txBody>
-                    <a:bodyPr anchor="t" rtlCol="false"/>
+                    <a:bodyPr/>
                     <a:lstStyle/>
                     <a:p>
                       <a:pPr algn="ctr">
@@ -7766,7 +8196,7 @@
                     </a:p>
                   </a:txBody>
                   <a:tcPr marL="190500" marR="190500" marT="190500" marB="190500" anchor="ctr">
-                    <a:lnL cmpd="sng" algn="ctr" cap="flat" w="38100">
+                    <a:lnL w="38100" cap="flat" cmpd="sng" algn="ctr">
                       <a:solidFill>
                         <a:srgbClr val="000000"/>
                       </a:solidFill>
@@ -7775,7 +8205,7 @@
                       <a:headEnd type="none" w="med" len="med"/>
                       <a:tailEnd type="none" w="med" len="med"/>
                     </a:lnL>
-                    <a:lnR cmpd="sng" algn="ctr" cap="flat" w="38100">
+                    <a:lnR w="38100" cap="flat" cmpd="sng" algn="ctr">
                       <a:solidFill>
                         <a:srgbClr val="000000"/>
                       </a:solidFill>
@@ -7784,7 +8214,7 @@
                       <a:headEnd type="none" w="med" len="med"/>
                       <a:tailEnd type="none" w="med" len="med"/>
                     </a:lnR>
-                    <a:lnT cmpd="sng" algn="ctr" cap="flat" w="38100">
+                    <a:lnT w="38100" cap="flat" cmpd="sng" algn="ctr">
                       <a:solidFill>
                         <a:srgbClr val="000000"/>
                       </a:solidFill>
@@ -7793,7 +8223,7 @@
                       <a:headEnd type="none" w="med" len="med"/>
                       <a:tailEnd type="none" w="med" len="med"/>
                     </a:lnT>
-                    <a:lnB cmpd="sng" algn="ctr" cap="flat" w="38100">
+                    <a:lnB w="38100" cap="flat" cmpd="sng" algn="ctr">
                       <a:solidFill>
                         <a:srgbClr val="000000"/>
                       </a:solidFill>
@@ -7809,7 +8239,7 @@
                 </a:tc>
                 <a:tc>
                   <a:txBody>
-                    <a:bodyPr anchor="t" rtlCol="false"/>
+                    <a:bodyPr/>
                     <a:lstStyle/>
                     <a:p>
                       <a:pPr algn="ctr">
@@ -7831,7 +8261,7 @@
                     </a:p>
                   </a:txBody>
                   <a:tcPr marL="190500" marR="190500" marT="190500" marB="190500" anchor="ctr">
-                    <a:lnL cmpd="sng" algn="ctr" cap="flat" w="38100">
+                    <a:lnL w="38100" cap="flat" cmpd="sng" algn="ctr">
                       <a:solidFill>
                         <a:srgbClr val="000000"/>
                       </a:solidFill>
@@ -7840,7 +8270,7 @@
                       <a:headEnd type="none" w="med" len="med"/>
                       <a:tailEnd type="none" w="med" len="med"/>
                     </a:lnL>
-                    <a:lnR cmpd="sng" algn="ctr" cap="flat" w="38100">
+                    <a:lnR w="38100" cap="flat" cmpd="sng" algn="ctr">
                       <a:solidFill>
                         <a:srgbClr val="000000"/>
                       </a:solidFill>
@@ -7849,7 +8279,7 @@
                       <a:headEnd type="none" w="med" len="med"/>
                       <a:tailEnd type="none" w="med" len="med"/>
                     </a:lnR>
-                    <a:lnT cmpd="sng" algn="ctr" cap="flat" w="38100">
+                    <a:lnT w="38100" cap="flat" cmpd="sng" algn="ctr">
                       <a:solidFill>
                         <a:srgbClr val="000000"/>
                       </a:solidFill>
@@ -7858,7 +8288,7 @@
                       <a:headEnd type="none" w="med" len="med"/>
                       <a:tailEnd type="none" w="med" len="med"/>
                     </a:lnT>
-                    <a:lnB cmpd="sng" algn="ctr" cap="flat" w="38100">
+                    <a:lnB w="38100" cap="flat" cmpd="sng" algn="ctr">
                       <a:solidFill>
                         <a:srgbClr val="000000"/>
                       </a:solidFill>
@@ -7872,11 +8302,16 @@
                     </a:solidFill>
                   </a:tcPr>
                 </a:tc>
+                <a:extLst>
+                  <a:ext uri="{0D108BD9-81ED-4DB2-BD59-A6C34878D82A}">
+                    <a16:rowId xmlns:a16="http://schemas.microsoft.com/office/drawing/2014/main" val="10002"/>
+                  </a:ext>
+                </a:extLst>
               </a:tr>
               <a:tr h="1055370">
                 <a:tc>
                   <a:txBody>
-                    <a:bodyPr anchor="t" rtlCol="false"/>
+                    <a:bodyPr/>
                     <a:lstStyle/>
                     <a:p>
                       <a:pPr algn="ctr">
@@ -7898,7 +8333,7 @@
                     </a:p>
                   </a:txBody>
                   <a:tcPr marL="190500" marR="190500" marT="190500" marB="190500" anchor="ctr">
-                    <a:lnL cmpd="sng" algn="ctr" cap="flat" w="38100">
+                    <a:lnL w="38100" cap="flat" cmpd="sng" algn="ctr">
                       <a:solidFill>
                         <a:srgbClr val="000000"/>
                       </a:solidFill>
@@ -7907,7 +8342,7 @@
                       <a:headEnd type="none" w="med" len="med"/>
                       <a:tailEnd type="none" w="med" len="med"/>
                     </a:lnL>
-                    <a:lnR cmpd="sng" algn="ctr" cap="flat" w="38100">
+                    <a:lnR w="38100" cap="flat" cmpd="sng" algn="ctr">
                       <a:solidFill>
                         <a:srgbClr val="000000"/>
                       </a:solidFill>
@@ -7916,7 +8351,7 @@
                       <a:headEnd type="none" w="med" len="med"/>
                       <a:tailEnd type="none" w="med" len="med"/>
                     </a:lnR>
-                    <a:lnT cmpd="sng" algn="ctr" cap="flat" w="38100">
+                    <a:lnT w="38100" cap="flat" cmpd="sng" algn="ctr">
                       <a:solidFill>
                         <a:srgbClr val="000000"/>
                       </a:solidFill>
@@ -7925,7 +8360,7 @@
                       <a:headEnd type="none" w="med" len="med"/>
                       <a:tailEnd type="none" w="med" len="med"/>
                     </a:lnT>
-                    <a:lnB cmpd="sng" algn="ctr" cap="flat" w="38100">
+                    <a:lnB w="38100" cap="flat" cmpd="sng" algn="ctr">
                       <a:solidFill>
                         <a:srgbClr val="000000"/>
                       </a:solidFill>
@@ -7941,7 +8376,7 @@
                 </a:tc>
                 <a:tc>
                   <a:txBody>
-                    <a:bodyPr anchor="t" rtlCol="false"/>
+                    <a:bodyPr/>
                     <a:lstStyle/>
                     <a:p>
                       <a:pPr algn="ctr">
@@ -7963,7 +8398,7 @@
                     </a:p>
                   </a:txBody>
                   <a:tcPr marL="190500" marR="190500" marT="190500" marB="190500" anchor="ctr">
-                    <a:lnL cmpd="sng" algn="ctr" cap="flat" w="38100">
+                    <a:lnL w="38100" cap="flat" cmpd="sng" algn="ctr">
                       <a:solidFill>
                         <a:srgbClr val="000000"/>
                       </a:solidFill>
@@ -7972,7 +8407,7 @@
                       <a:headEnd type="none" w="med" len="med"/>
                       <a:tailEnd type="none" w="med" len="med"/>
                     </a:lnL>
-                    <a:lnR cmpd="sng" algn="ctr" cap="flat" w="38100">
+                    <a:lnR w="38100" cap="flat" cmpd="sng" algn="ctr">
                       <a:solidFill>
                         <a:srgbClr val="000000"/>
                       </a:solidFill>
@@ -7981,7 +8416,7 @@
                       <a:headEnd type="none" w="med" len="med"/>
                       <a:tailEnd type="none" w="med" len="med"/>
                     </a:lnR>
-                    <a:lnT cmpd="sng" algn="ctr" cap="flat" w="38100">
+                    <a:lnT w="38100" cap="flat" cmpd="sng" algn="ctr">
                       <a:solidFill>
                         <a:srgbClr val="000000"/>
                       </a:solidFill>
@@ -7990,7 +8425,7 @@
                       <a:headEnd type="none" w="med" len="med"/>
                       <a:tailEnd type="none" w="med" len="med"/>
                     </a:lnT>
-                    <a:lnB cmpd="sng" algn="ctr" cap="flat" w="38100">
+                    <a:lnB w="38100" cap="flat" cmpd="sng" algn="ctr">
                       <a:solidFill>
                         <a:srgbClr val="000000"/>
                       </a:solidFill>
@@ -8006,7 +8441,7 @@
                 </a:tc>
                 <a:tc>
                   <a:txBody>
-                    <a:bodyPr anchor="t" rtlCol="false"/>
+                    <a:bodyPr/>
                     <a:lstStyle/>
                     <a:p>
                       <a:pPr algn="ctr">
@@ -8028,7 +8463,7 @@
                     </a:p>
                   </a:txBody>
                   <a:tcPr marL="190500" marR="190500" marT="190500" marB="190500" anchor="ctr">
-                    <a:lnL cmpd="sng" algn="ctr" cap="flat" w="38100">
+                    <a:lnL w="38100" cap="flat" cmpd="sng" algn="ctr">
                       <a:solidFill>
                         <a:srgbClr val="000000"/>
                       </a:solidFill>
@@ -8037,7 +8472,7 @@
                       <a:headEnd type="none" w="med" len="med"/>
                       <a:tailEnd type="none" w="med" len="med"/>
                     </a:lnL>
-                    <a:lnR cmpd="sng" algn="ctr" cap="flat" w="38100">
+                    <a:lnR w="38100" cap="flat" cmpd="sng" algn="ctr">
                       <a:solidFill>
                         <a:srgbClr val="000000"/>
                       </a:solidFill>
@@ -8046,7 +8481,7 @@
                       <a:headEnd type="none" w="med" len="med"/>
                       <a:tailEnd type="none" w="med" len="med"/>
                     </a:lnR>
-                    <a:lnT cmpd="sng" algn="ctr" cap="flat" w="38100">
+                    <a:lnT w="38100" cap="flat" cmpd="sng" algn="ctr">
                       <a:solidFill>
                         <a:srgbClr val="000000"/>
                       </a:solidFill>
@@ -8055,7 +8490,7 @@
                       <a:headEnd type="none" w="med" len="med"/>
                       <a:tailEnd type="none" w="med" len="med"/>
                     </a:lnT>
-                    <a:lnB cmpd="sng" algn="ctr" cap="flat" w="38100">
+                    <a:lnB w="38100" cap="flat" cmpd="sng" algn="ctr">
                       <a:solidFill>
                         <a:srgbClr val="000000"/>
                       </a:solidFill>
@@ -8071,7 +8506,7 @@
                 </a:tc>
                 <a:tc>
                   <a:txBody>
-                    <a:bodyPr anchor="t" rtlCol="false"/>
+                    <a:bodyPr/>
                     <a:lstStyle/>
                     <a:p>
                       <a:pPr algn="ctr">
@@ -8093,7 +8528,7 @@
                     </a:p>
                   </a:txBody>
                   <a:tcPr marL="190500" marR="190500" marT="190500" marB="190500" anchor="ctr">
-                    <a:lnL cmpd="sng" algn="ctr" cap="flat" w="38100">
+                    <a:lnL w="38100" cap="flat" cmpd="sng" algn="ctr">
                       <a:solidFill>
                         <a:srgbClr val="000000"/>
                       </a:solidFill>
@@ -8102,7 +8537,7 @@
                       <a:headEnd type="none" w="med" len="med"/>
                       <a:tailEnd type="none" w="med" len="med"/>
                     </a:lnL>
-                    <a:lnR cmpd="sng" algn="ctr" cap="flat" w="38100">
+                    <a:lnR w="38100" cap="flat" cmpd="sng" algn="ctr">
                       <a:solidFill>
                         <a:srgbClr val="000000"/>
                       </a:solidFill>
@@ -8111,7 +8546,7 @@
                       <a:headEnd type="none" w="med" len="med"/>
                       <a:tailEnd type="none" w="med" len="med"/>
                     </a:lnR>
-                    <a:lnT cmpd="sng" algn="ctr" cap="flat" w="38100">
+                    <a:lnT w="38100" cap="flat" cmpd="sng" algn="ctr">
                       <a:solidFill>
                         <a:srgbClr val="000000"/>
                       </a:solidFill>
@@ -8120,7 +8555,7 @@
                       <a:headEnd type="none" w="med" len="med"/>
                       <a:tailEnd type="none" w="med" len="med"/>
                     </a:lnT>
-                    <a:lnB cmpd="sng" algn="ctr" cap="flat" w="38100">
+                    <a:lnB w="38100" cap="flat" cmpd="sng" algn="ctr">
                       <a:solidFill>
                         <a:srgbClr val="000000"/>
                       </a:solidFill>
@@ -8134,11 +8569,16 @@
                     </a:solidFill>
                   </a:tcPr>
                 </a:tc>
+                <a:extLst>
+                  <a:ext uri="{0D108BD9-81ED-4DB2-BD59-A6C34878D82A}">
+                    <a16:rowId xmlns:a16="http://schemas.microsoft.com/office/drawing/2014/main" val="10003"/>
+                  </a:ext>
+                </a:extLst>
               </a:tr>
               <a:tr h="1055370">
                 <a:tc>
                   <a:txBody>
-                    <a:bodyPr anchor="t" rtlCol="false"/>
+                    <a:bodyPr/>
                     <a:lstStyle/>
                     <a:p>
                       <a:pPr algn="ctr">
@@ -8160,7 +8600,7 @@
                     </a:p>
                   </a:txBody>
                   <a:tcPr marL="190500" marR="190500" marT="190500" marB="190500" anchor="ctr">
-                    <a:lnL cmpd="sng" algn="ctr" cap="flat" w="38100">
+                    <a:lnL w="38100" cap="flat" cmpd="sng" algn="ctr">
                       <a:solidFill>
                         <a:srgbClr val="000000"/>
                       </a:solidFill>
@@ -8169,7 +8609,7 @@
                       <a:headEnd type="none" w="med" len="med"/>
                       <a:tailEnd type="none" w="med" len="med"/>
                     </a:lnL>
-                    <a:lnR cmpd="sng" algn="ctr" cap="flat" w="38100">
+                    <a:lnR w="38100" cap="flat" cmpd="sng" algn="ctr">
                       <a:solidFill>
                         <a:srgbClr val="000000"/>
                       </a:solidFill>
@@ -8178,7 +8618,7 @@
                       <a:headEnd type="none" w="med" len="med"/>
                       <a:tailEnd type="none" w="med" len="med"/>
                     </a:lnR>
-                    <a:lnT cmpd="sng" algn="ctr" cap="flat" w="38100">
+                    <a:lnT w="38100" cap="flat" cmpd="sng" algn="ctr">
                       <a:solidFill>
                         <a:srgbClr val="000000"/>
                       </a:solidFill>
@@ -8187,7 +8627,7 @@
                       <a:headEnd type="none" w="med" len="med"/>
                       <a:tailEnd type="none" w="med" len="med"/>
                     </a:lnT>
-                    <a:lnB cmpd="sng" algn="ctr" cap="flat" w="38100">
+                    <a:lnB w="38100" cap="flat" cmpd="sng" algn="ctr">
                       <a:solidFill>
                         <a:srgbClr val="000000"/>
                       </a:solidFill>
@@ -8203,7 +8643,7 @@
                 </a:tc>
                 <a:tc>
                   <a:txBody>
-                    <a:bodyPr anchor="t" rtlCol="false"/>
+                    <a:bodyPr/>
                     <a:lstStyle/>
                     <a:p>
                       <a:pPr algn="ctr">
@@ -8225,7 +8665,7 @@
                     </a:p>
                   </a:txBody>
                   <a:tcPr marL="190500" marR="190500" marT="190500" marB="190500" anchor="ctr">
-                    <a:lnL cmpd="sng" algn="ctr" cap="flat" w="38100">
+                    <a:lnL w="38100" cap="flat" cmpd="sng" algn="ctr">
                       <a:solidFill>
                         <a:srgbClr val="000000"/>
                       </a:solidFill>
@@ -8234,7 +8674,7 @@
                       <a:headEnd type="none" w="med" len="med"/>
                       <a:tailEnd type="none" w="med" len="med"/>
                     </a:lnL>
-                    <a:lnR cmpd="sng" algn="ctr" cap="flat" w="38100">
+                    <a:lnR w="38100" cap="flat" cmpd="sng" algn="ctr">
                       <a:solidFill>
                         <a:srgbClr val="000000"/>
                       </a:solidFill>
@@ -8243,7 +8683,7 @@
                       <a:headEnd type="none" w="med" len="med"/>
                       <a:tailEnd type="none" w="med" len="med"/>
                     </a:lnR>
-                    <a:lnT cmpd="sng" algn="ctr" cap="flat" w="38100">
+                    <a:lnT w="38100" cap="flat" cmpd="sng" algn="ctr">
                       <a:solidFill>
                         <a:srgbClr val="000000"/>
                       </a:solidFill>
@@ -8252,7 +8692,7 @@
                       <a:headEnd type="none" w="med" len="med"/>
                       <a:tailEnd type="none" w="med" len="med"/>
                     </a:lnT>
-                    <a:lnB cmpd="sng" algn="ctr" cap="flat" w="38100">
+                    <a:lnB w="38100" cap="flat" cmpd="sng" algn="ctr">
                       <a:solidFill>
                         <a:srgbClr val="000000"/>
                       </a:solidFill>
@@ -8268,7 +8708,7 @@
                 </a:tc>
                 <a:tc>
                   <a:txBody>
-                    <a:bodyPr anchor="t" rtlCol="false"/>
+                    <a:bodyPr/>
                     <a:lstStyle/>
                     <a:p>
                       <a:pPr algn="ctr">
@@ -8290,7 +8730,7 @@
                     </a:p>
                   </a:txBody>
                   <a:tcPr marL="190500" marR="190500" marT="190500" marB="190500" anchor="ctr">
-                    <a:lnL cmpd="sng" algn="ctr" cap="flat" w="38100">
+                    <a:lnL w="38100" cap="flat" cmpd="sng" algn="ctr">
                       <a:solidFill>
                         <a:srgbClr val="000000"/>
                       </a:solidFill>
@@ -8299,7 +8739,7 @@
                       <a:headEnd type="none" w="med" len="med"/>
                       <a:tailEnd type="none" w="med" len="med"/>
                     </a:lnL>
-                    <a:lnR cmpd="sng" algn="ctr" cap="flat" w="38100">
+                    <a:lnR w="38100" cap="flat" cmpd="sng" algn="ctr">
                       <a:solidFill>
                         <a:srgbClr val="000000"/>
                       </a:solidFill>
@@ -8308,7 +8748,7 @@
                       <a:headEnd type="none" w="med" len="med"/>
                       <a:tailEnd type="none" w="med" len="med"/>
                     </a:lnR>
-                    <a:lnT cmpd="sng" algn="ctr" cap="flat" w="38100">
+                    <a:lnT w="38100" cap="flat" cmpd="sng" algn="ctr">
                       <a:solidFill>
                         <a:srgbClr val="000000"/>
                       </a:solidFill>
@@ -8317,7 +8757,7 @@
                       <a:headEnd type="none" w="med" len="med"/>
                       <a:tailEnd type="none" w="med" len="med"/>
                     </a:lnT>
-                    <a:lnB cmpd="sng" algn="ctr" cap="flat" w="38100">
+                    <a:lnB w="38100" cap="flat" cmpd="sng" algn="ctr">
                       <a:solidFill>
                         <a:srgbClr val="000000"/>
                       </a:solidFill>
@@ -8333,7 +8773,7 @@
                 </a:tc>
                 <a:tc>
                   <a:txBody>
-                    <a:bodyPr anchor="t" rtlCol="false"/>
+                    <a:bodyPr/>
                     <a:lstStyle/>
                     <a:p>
                       <a:pPr algn="ctr">
@@ -8355,7 +8795,7 @@
                     </a:p>
                   </a:txBody>
                   <a:tcPr marL="190500" marR="190500" marT="190500" marB="190500" anchor="ctr">
-                    <a:lnL cmpd="sng" algn="ctr" cap="flat" w="38100">
+                    <a:lnL w="38100" cap="flat" cmpd="sng" algn="ctr">
                       <a:solidFill>
                         <a:srgbClr val="000000"/>
                       </a:solidFill>
@@ -8364,7 +8804,7 @@
                       <a:headEnd type="none" w="med" len="med"/>
                       <a:tailEnd type="none" w="med" len="med"/>
                     </a:lnL>
-                    <a:lnR cmpd="sng" algn="ctr" cap="flat" w="38100">
+                    <a:lnR w="38100" cap="flat" cmpd="sng" algn="ctr">
                       <a:solidFill>
                         <a:srgbClr val="000000"/>
                       </a:solidFill>
@@ -8373,7 +8813,7 @@
                       <a:headEnd type="none" w="med" len="med"/>
                       <a:tailEnd type="none" w="med" len="med"/>
                     </a:lnR>
-                    <a:lnT cmpd="sng" algn="ctr" cap="flat" w="38100">
+                    <a:lnT w="38100" cap="flat" cmpd="sng" algn="ctr">
                       <a:solidFill>
                         <a:srgbClr val="000000"/>
                       </a:solidFill>
@@ -8382,7 +8822,7 @@
                       <a:headEnd type="none" w="med" len="med"/>
                       <a:tailEnd type="none" w="med" len="med"/>
                     </a:lnT>
-                    <a:lnB cmpd="sng" algn="ctr" cap="flat" w="38100">
+                    <a:lnB w="38100" cap="flat" cmpd="sng" algn="ctr">
                       <a:solidFill>
                         <a:srgbClr val="000000"/>
                       </a:solidFill>
@@ -8396,6 +8836,11 @@
                     </a:solidFill>
                   </a:tcPr>
                 </a:tc>
+                <a:extLst>
+                  <a:ext uri="{0D108BD9-81ED-4DB2-BD59-A6C34878D82A}">
+                    <a16:rowId xmlns:a16="http://schemas.microsoft.com/office/drawing/2014/main" val="10004"/>
+                  </a:ext>
+                </a:extLst>
               </a:tr>
             </a:tbl>
           </a:graphicData>
@@ -8403,12 +8848,12 @@
       </p:graphicFrame>
       <p:sp>
         <p:nvSpPr>
-          <p:cNvPr name="TextBox 4" id="4"/>
-          <p:cNvSpPr txBox="true"/>
+          <p:cNvPr id="4" name="TextBox 4"/>
+          <p:cNvSpPr txBox="1"/>
           <p:nvPr/>
         </p:nvSpPr>
         <p:spPr>
-          <a:xfrm rot="0">
+          <a:xfrm>
             <a:off x="1711603" y="2507012"/>
             <a:ext cx="9492694" cy="1371600"/>
           </a:xfrm>
@@ -8417,12 +8862,12 @@
           </a:prstGeom>
         </p:spPr>
         <p:txBody>
-          <a:bodyPr anchor="t" rtlCol="false" tIns="0" lIns="0" bIns="0" rIns="0">
+          <a:bodyPr lIns="0" tIns="0" rIns="0" bIns="0" rtlCol="0" anchor="t">
             <a:spAutoFit/>
           </a:bodyPr>
           <a:lstStyle/>
           <a:p>
-            <a:pPr marL="0" indent="0" lvl="0">
+            <a:pPr marL="0" lvl="0" indent="0">
               <a:lnSpc>
                 <a:spcPts val="10800"/>
               </a:lnSpc>
@@ -8441,12 +8886,12 @@
       </p:sp>
       <p:sp>
         <p:nvSpPr>
-          <p:cNvPr name="TextBox 5" id="5"/>
-          <p:cNvSpPr txBox="true"/>
+          <p:cNvPr id="5" name="TextBox 5"/>
+          <p:cNvSpPr txBox="1"/>
           <p:nvPr/>
         </p:nvSpPr>
         <p:spPr>
-          <a:xfrm rot="0">
+          <a:xfrm>
             <a:off x="1490376" y="4354862"/>
             <a:ext cx="7062474" cy="3181350"/>
           </a:xfrm>
@@ -8455,7 +8900,7 @@
           </a:prstGeom>
         </p:spPr>
         <p:txBody>
-          <a:bodyPr anchor="t" rtlCol="false" tIns="0" lIns="0" bIns="0" rIns="0">
+          <a:bodyPr lIns="0" tIns="0" rIns="0" bIns="0" rtlCol="0" anchor="t">
             <a:spAutoFit/>
           </a:bodyPr>
           <a:lstStyle/>
@@ -8489,7 +8934,7 @@
 </file>
 
 <file path=ppt/slides/slide8.xml><?xml version="1.0" encoding="utf-8"?>
-<p:sld xmlns:p="http://schemas.openxmlformats.org/presentationml/2006/main" xmlns:a="http://schemas.openxmlformats.org/drawingml/2006/main">
+<p:sld xmlns:a="http://schemas.openxmlformats.org/drawingml/2006/main" xmlns:r="http://schemas.openxmlformats.org/officeDocument/2006/relationships" xmlns:p="http://schemas.openxmlformats.org/presentationml/2006/main">
   <p:cSld>
     <p:spTree>
       <p:nvGrpSpPr>
@@ -8507,12 +8952,12 @@
       </p:grpSpPr>
       <p:sp>
         <p:nvSpPr>
-          <p:cNvPr name="TextBox 2" id="2"/>
-          <p:cNvSpPr txBox="true"/>
+          <p:cNvPr id="2" name="TextBox 2"/>
+          <p:cNvSpPr txBox="1"/>
           <p:nvPr/>
         </p:nvSpPr>
         <p:spPr>
-          <a:xfrm rot="0">
+          <a:xfrm>
             <a:off x="1711603" y="2507012"/>
             <a:ext cx="10106148" cy="1371600"/>
           </a:xfrm>
@@ -8521,12 +8966,12 @@
           </a:prstGeom>
         </p:spPr>
         <p:txBody>
-          <a:bodyPr anchor="t" rtlCol="false" tIns="0" lIns="0" bIns="0" rIns="0">
+          <a:bodyPr lIns="0" tIns="0" rIns="0" bIns="0" rtlCol="0" anchor="t">
             <a:spAutoFit/>
           </a:bodyPr>
           <a:lstStyle/>
           <a:p>
-            <a:pPr marL="0" indent="0" lvl="0">
+            <a:pPr marL="0" lvl="0" indent="0">
               <a:lnSpc>
                 <a:spcPts val="10800"/>
               </a:lnSpc>
@@ -8545,12 +8990,12 @@
       </p:sp>
       <p:sp>
         <p:nvSpPr>
-          <p:cNvPr name="TextBox 3" id="3"/>
-          <p:cNvSpPr txBox="true"/>
+          <p:cNvPr id="3" name="TextBox 3"/>
+          <p:cNvSpPr txBox="1"/>
           <p:nvPr/>
         </p:nvSpPr>
         <p:spPr>
-          <a:xfrm rot="0">
+          <a:xfrm>
             <a:off x="1490376" y="4354862"/>
             <a:ext cx="15768924" cy="4248150"/>
           </a:xfrm>
@@ -8559,7 +9004,7 @@
           </a:prstGeom>
         </p:spPr>
         <p:txBody>
-          <a:bodyPr anchor="t" rtlCol="false" tIns="0" lIns="0" bIns="0" rIns="0">
+          <a:bodyPr lIns="0" tIns="0" rIns="0" bIns="0" rtlCol="0" anchor="t">
             <a:spAutoFit/>
           </a:bodyPr>
           <a:lstStyle/>
@@ -8580,7 +9025,7 @@
             </a:r>
           </a:p>
           <a:p>
-            <a:pPr marL="647700" indent="-323850" lvl="1">
+            <a:pPr marL="647700" lvl="1" indent="-323850">
               <a:lnSpc>
                 <a:spcPts val="4200"/>
               </a:lnSpc>
@@ -8598,7 +9043,7 @@
             </a:r>
           </a:p>
           <a:p>
-            <a:pPr marL="647700" indent="-323850" lvl="1">
+            <a:pPr marL="647700" lvl="1" indent="-323850">
               <a:lnSpc>
                 <a:spcPts val="4200"/>
               </a:lnSpc>
@@ -8616,7 +9061,7 @@
             </a:r>
           </a:p>
           <a:p>
-            <a:pPr marL="647700" indent="-323850" lvl="1">
+            <a:pPr marL="647700" lvl="1" indent="-323850">
               <a:lnSpc>
                 <a:spcPts val="4200"/>
               </a:lnSpc>
@@ -8634,7 +9079,7 @@
             </a:r>
           </a:p>
           <a:p>
-            <a:pPr marL="647700" indent="-323850" lvl="1">
+            <a:pPr marL="647700" lvl="1" indent="-323850">
               <a:lnSpc>
                 <a:spcPts val="4200"/>
               </a:lnSpc>
@@ -8652,7 +9097,7 @@
             </a:r>
           </a:p>
           <a:p>
-            <a:pPr algn="l" marL="647700" indent="-323850" lvl="1">
+            <a:pPr marL="647700" lvl="1" indent="-323850" algn="l">
               <a:lnSpc>
                 <a:spcPts val="4200"/>
               </a:lnSpc>
@@ -8673,12 +9118,12 @@
       </p:sp>
       <p:sp>
         <p:nvSpPr>
-          <p:cNvPr name="AutoShape 4" id="4"/>
+          <p:cNvPr id="4" name="AutoShape 4"/>
           <p:cNvSpPr/>
           <p:nvPr/>
         </p:nvSpPr>
         <p:spPr>
-          <a:xfrm rot="0">
+          <a:xfrm>
             <a:off x="1711603" y="1912588"/>
             <a:ext cx="1104900" cy="57150"/>
           </a:xfrm>
@@ -8689,6 +9134,13 @@
             <a:srgbClr val="F4806B"/>
           </a:solidFill>
         </p:spPr>
+        <p:txBody>
+          <a:bodyPr/>
+          <a:lstStyle/>
+          <a:p>
+            <a:endParaRPr lang="es-MX"/>
+          </a:p>
+        </p:txBody>
       </p:sp>
     </p:spTree>
   </p:cSld>
@@ -8699,7 +9151,7 @@
 </file>
 
 <file path=ppt/slides/slide9.xml><?xml version="1.0" encoding="utf-8"?>
-<p:sld xmlns:p="http://schemas.openxmlformats.org/presentationml/2006/main" xmlns:a="http://schemas.openxmlformats.org/drawingml/2006/main" xmlns:r="http://schemas.openxmlformats.org/officeDocument/2006/relationships">
+<p:sld xmlns:a="http://schemas.openxmlformats.org/drawingml/2006/main" xmlns:r="http://schemas.openxmlformats.org/officeDocument/2006/relationships" xmlns:p="http://schemas.openxmlformats.org/presentationml/2006/main">
   <p:cSld>
     <p:spTree>
       <p:nvGrpSpPr>
@@ -8717,12 +9169,12 @@
       </p:grpSpPr>
       <p:sp>
         <p:nvSpPr>
-          <p:cNvPr name="AutoShape 2" id="2"/>
+          <p:cNvPr id="2" name="AutoShape 2"/>
           <p:cNvSpPr/>
           <p:nvPr/>
         </p:nvSpPr>
         <p:spPr>
-          <a:xfrm rot="0">
+          <a:xfrm>
             <a:off x="1711603" y="1912588"/>
             <a:ext cx="1104900" cy="57150"/>
           </a:xfrm>
@@ -8733,15 +9185,22 @@
             <a:srgbClr val="F4806B"/>
           </a:solidFill>
         </p:spPr>
-      </p:sp>
-      <p:sp>
-        <p:nvSpPr>
-          <p:cNvPr name="Freeform 3" id="3"/>
+        <p:txBody>
+          <a:bodyPr/>
+          <a:lstStyle/>
+          <a:p>
+            <a:endParaRPr lang="es-MX"/>
+          </a:p>
+        </p:txBody>
+      </p:sp>
+      <p:sp>
+        <p:nvSpPr>
+          <p:cNvPr id="3" name="Freeform 3"/>
           <p:cNvSpPr/>
           <p:nvPr/>
         </p:nvSpPr>
         <p:spPr>
-          <a:xfrm flipH="false" flipV="false" rot="0">
+          <a:xfrm>
             <a:off x="8400386" y="2507012"/>
             <a:ext cx="8858914" cy="6644185"/>
           </a:xfrm>
@@ -8750,9 +9209,9 @@
             <a:gdLst/>
             <a:ahLst/>
             <a:cxnLst/>
-            <a:rect r="r" b="b" t="t" l="l"/>
+            <a:rect l="l" t="t" r="r" b="b"/>
             <a:pathLst>
-              <a:path h="6644185" w="8858914">
+              <a:path w="8858914" h="6644185">
                 <a:moveTo>
                   <a:pt x="0" y="0"/>
                 </a:moveTo>
@@ -8775,19 +9234,26 @@
           <a:blipFill>
             <a:blip r:embed="rId2"/>
             <a:stretch>
-              <a:fillRect l="0" t="0" r="0" b="0"/>
+              <a:fillRect/>
             </a:stretch>
           </a:blipFill>
         </p:spPr>
-      </p:sp>
-      <p:sp>
-        <p:nvSpPr>
-          <p:cNvPr name="TextBox 4" id="4"/>
-          <p:cNvSpPr txBox="true"/>
+        <p:txBody>
+          <a:bodyPr/>
+          <a:lstStyle/>
+          <a:p>
+            <a:endParaRPr lang="es-MX"/>
+          </a:p>
+        </p:txBody>
+      </p:sp>
+      <p:sp>
+        <p:nvSpPr>
+          <p:cNvPr id="4" name="TextBox 4"/>
+          <p:cNvSpPr txBox="1"/>
           <p:nvPr/>
         </p:nvSpPr>
         <p:spPr>
-          <a:xfrm rot="0">
+          <a:xfrm>
             <a:off x="1711603" y="2507012"/>
             <a:ext cx="9492694" cy="1371600"/>
           </a:xfrm>
@@ -8796,12 +9262,12 @@
           </a:prstGeom>
         </p:spPr>
         <p:txBody>
-          <a:bodyPr anchor="t" rtlCol="false" tIns="0" lIns="0" bIns="0" rIns="0">
+          <a:bodyPr lIns="0" tIns="0" rIns="0" bIns="0" rtlCol="0" anchor="t">
             <a:spAutoFit/>
           </a:bodyPr>
           <a:lstStyle/>
           <a:p>
-            <a:pPr marL="0" indent="0" lvl="0">
+            <a:pPr marL="0" lvl="0" indent="0">
               <a:lnSpc>
                 <a:spcPts val="10800"/>
               </a:lnSpc>
@@ -8820,12 +9286,12 @@
       </p:sp>
       <p:sp>
         <p:nvSpPr>
-          <p:cNvPr name="TextBox 5" id="5"/>
-          <p:cNvSpPr txBox="true"/>
+          <p:cNvPr id="5" name="TextBox 5"/>
+          <p:cNvSpPr txBox="1"/>
           <p:nvPr/>
         </p:nvSpPr>
         <p:spPr>
-          <a:xfrm rot="0">
+          <a:xfrm>
             <a:off x="1490376" y="4354862"/>
             <a:ext cx="7062474" cy="5314950"/>
           </a:xfrm>
@@ -8834,7 +9300,7 @@
           </a:prstGeom>
         </p:spPr>
         <p:txBody>
-          <a:bodyPr anchor="t" rtlCol="false" tIns="0" lIns="0" bIns="0" rIns="0">
+          <a:bodyPr lIns="0" tIns="0" rIns="0" bIns="0" rtlCol="0" anchor="t">
             <a:spAutoFit/>
           </a:bodyPr>
           <a:lstStyle/>
